--- a/Picture1ab.pptx
+++ b/Picture1ab.pptx
@@ -244,7 +244,7 @@
           <a:p>
             <a:fld id="{D61CA99B-1A52-41E4-BE43-6641B2C1149F}" type="datetimeFigureOut">
               <a:rPr lang="en-US" smtClean="0"/>
-              <a:t>2/10/2015</a:t>
+              <a:t>5/7/2015</a:t>
             </a:fld>
             <a:endParaRPr lang="en-US"/>
           </a:p>
@@ -414,7 +414,7 @@
           <a:p>
             <a:fld id="{D61CA99B-1A52-41E4-BE43-6641B2C1149F}" type="datetimeFigureOut">
               <a:rPr lang="en-US" smtClean="0"/>
-              <a:t>2/10/2015</a:t>
+              <a:t>5/7/2015</a:t>
             </a:fld>
             <a:endParaRPr lang="en-US"/>
           </a:p>
@@ -594,7 +594,7 @@
           <a:p>
             <a:fld id="{D61CA99B-1A52-41E4-BE43-6641B2C1149F}" type="datetimeFigureOut">
               <a:rPr lang="en-US" smtClean="0"/>
-              <a:t>2/10/2015</a:t>
+              <a:t>5/7/2015</a:t>
             </a:fld>
             <a:endParaRPr lang="en-US"/>
           </a:p>
@@ -764,7 +764,7 @@
           <a:p>
             <a:fld id="{D61CA99B-1A52-41E4-BE43-6641B2C1149F}" type="datetimeFigureOut">
               <a:rPr lang="en-US" smtClean="0"/>
-              <a:t>2/10/2015</a:t>
+              <a:t>5/7/2015</a:t>
             </a:fld>
             <a:endParaRPr lang="en-US"/>
           </a:p>
@@ -1010,7 +1010,7 @@
           <a:p>
             <a:fld id="{D61CA99B-1A52-41E4-BE43-6641B2C1149F}" type="datetimeFigureOut">
               <a:rPr lang="en-US" smtClean="0"/>
-              <a:t>2/10/2015</a:t>
+              <a:t>5/7/2015</a:t>
             </a:fld>
             <a:endParaRPr lang="en-US"/>
           </a:p>
@@ -1242,7 +1242,7 @@
           <a:p>
             <a:fld id="{D61CA99B-1A52-41E4-BE43-6641B2C1149F}" type="datetimeFigureOut">
               <a:rPr lang="en-US" smtClean="0"/>
-              <a:t>2/10/2015</a:t>
+              <a:t>5/7/2015</a:t>
             </a:fld>
             <a:endParaRPr lang="en-US"/>
           </a:p>
@@ -1609,7 +1609,7 @@
           <a:p>
             <a:fld id="{D61CA99B-1A52-41E4-BE43-6641B2C1149F}" type="datetimeFigureOut">
               <a:rPr lang="en-US" smtClean="0"/>
-              <a:t>2/10/2015</a:t>
+              <a:t>5/7/2015</a:t>
             </a:fld>
             <a:endParaRPr lang="en-US"/>
           </a:p>
@@ -1727,7 +1727,7 @@
           <a:p>
             <a:fld id="{D61CA99B-1A52-41E4-BE43-6641B2C1149F}" type="datetimeFigureOut">
               <a:rPr lang="en-US" smtClean="0"/>
-              <a:t>2/10/2015</a:t>
+              <a:t>5/7/2015</a:t>
             </a:fld>
             <a:endParaRPr lang="en-US"/>
           </a:p>
@@ -1822,7 +1822,7 @@
           <a:p>
             <a:fld id="{D61CA99B-1A52-41E4-BE43-6641B2C1149F}" type="datetimeFigureOut">
               <a:rPr lang="en-US" smtClean="0"/>
-              <a:t>2/10/2015</a:t>
+              <a:t>5/7/2015</a:t>
             </a:fld>
             <a:endParaRPr lang="en-US"/>
           </a:p>
@@ -2099,7 +2099,7 @@
           <a:p>
             <a:fld id="{D61CA99B-1A52-41E4-BE43-6641B2C1149F}" type="datetimeFigureOut">
               <a:rPr lang="en-US" smtClean="0"/>
-              <a:t>2/10/2015</a:t>
+              <a:t>5/7/2015</a:t>
             </a:fld>
             <a:endParaRPr lang="en-US"/>
           </a:p>
@@ -2352,7 +2352,7 @@
           <a:p>
             <a:fld id="{D61CA99B-1A52-41E4-BE43-6641B2C1149F}" type="datetimeFigureOut">
               <a:rPr lang="en-US" smtClean="0"/>
-              <a:t>2/10/2015</a:t>
+              <a:t>5/7/2015</a:t>
             </a:fld>
             <a:endParaRPr lang="en-US"/>
           </a:p>
@@ -2565,7 +2565,7 @@
           <a:p>
             <a:fld id="{D61CA99B-1A52-41E4-BE43-6641B2C1149F}" type="datetimeFigureOut">
               <a:rPr lang="en-US" smtClean="0"/>
-              <a:t>2/10/2015</a:t>
+              <a:t>5/7/2015</a:t>
             </a:fld>
             <a:endParaRPr lang="en-US"/>
           </a:p>
@@ -3389,8 +3389,8 @@
           </a:p>
         </p:txBody>
       </p:sp>
-      <mc:AlternateContent xmlns:mc="http://schemas.openxmlformats.org/markup-compatibility/2006">
-        <mc:Choice xmlns:a14="http://schemas.microsoft.com/office/drawing/2010/main" Requires="a14">
+      <mc:AlternateContent xmlns:mc="http://schemas.openxmlformats.org/markup-compatibility/2006" xmlns:a14="http://schemas.microsoft.com/office/drawing/2010/main">
+        <mc:Choice Requires="a14">
           <p:sp>
             <p:nvSpPr>
               <p:cNvPr id="20" name="TextBox 19"/>
@@ -3479,7 +3479,7 @@
             </p:txBody>
           </p:sp>
         </mc:Choice>
-        <mc:Fallback>
+        <mc:Fallback xmlns="">
           <p:sp>
             <p:nvSpPr>
               <p:cNvPr id="20" name="TextBox 19"/>
@@ -3518,8 +3518,8 @@
           </p:sp>
         </mc:Fallback>
       </mc:AlternateContent>
-      <mc:AlternateContent xmlns:mc="http://schemas.openxmlformats.org/markup-compatibility/2006">
-        <mc:Choice xmlns:a14="http://schemas.microsoft.com/office/drawing/2010/main" Requires="a14">
+      <mc:AlternateContent xmlns:mc="http://schemas.openxmlformats.org/markup-compatibility/2006" xmlns:a14="http://schemas.microsoft.com/office/drawing/2010/main">
+        <mc:Choice Requires="a14">
           <p:sp>
             <p:nvSpPr>
               <p:cNvPr id="21" name="TextBox 20"/>
@@ -3608,7 +3608,7 @@
             </p:txBody>
           </p:sp>
         </mc:Choice>
-        <mc:Fallback>
+        <mc:Fallback xmlns="">
           <p:sp>
             <p:nvSpPr>
               <p:cNvPr id="21" name="TextBox 20"/>
@@ -4454,8 +4454,8 @@
           </a:p>
         </p:txBody>
       </p:sp>
-      <mc:AlternateContent xmlns:mc="http://schemas.openxmlformats.org/markup-compatibility/2006">
-        <mc:Choice xmlns:a14="http://schemas.microsoft.com/office/drawing/2010/main" Requires="a14">
+      <mc:AlternateContent xmlns:mc="http://schemas.openxmlformats.org/markup-compatibility/2006" xmlns:a14="http://schemas.microsoft.com/office/drawing/2010/main">
+        <mc:Choice Requires="a14">
           <p:sp>
             <p:nvSpPr>
               <p:cNvPr id="69" name="TextBox 68"/>
@@ -4478,6 +4478,7 @@
               </a:bodyPr>
               <a:lstStyle/>
               <a:p>
+                <a:pPr/>
                 <a14:m>
                   <m:oMathPara xmlns:m="http://schemas.openxmlformats.org/officeDocument/2006/math">
                     <m:oMathParaPr>
@@ -4515,7 +4516,7 @@
             </p:txBody>
           </p:sp>
         </mc:Choice>
-        <mc:Fallback>
+        <mc:Fallback xmlns="">
           <p:sp>
             <p:nvSpPr>
               <p:cNvPr id="69" name="TextBox 68"/>
@@ -4554,8 +4555,8 @@
           </p:sp>
         </mc:Fallback>
       </mc:AlternateContent>
-      <mc:AlternateContent xmlns:mc="http://schemas.openxmlformats.org/markup-compatibility/2006">
-        <mc:Choice xmlns:a14="http://schemas.microsoft.com/office/drawing/2010/main" Requires="a14">
+      <mc:AlternateContent xmlns:mc="http://schemas.openxmlformats.org/markup-compatibility/2006" xmlns:a14="http://schemas.microsoft.com/office/drawing/2010/main">
+        <mc:Choice Requires="a14">
           <p:sp>
             <p:nvSpPr>
               <p:cNvPr id="70" name="TextBox 69"/>
@@ -4578,6 +4579,7 @@
               </a:bodyPr>
               <a:lstStyle/>
               <a:p>
+                <a:pPr/>
                 <a14:m>
                   <m:oMathPara xmlns:m="http://schemas.openxmlformats.org/officeDocument/2006/math">
                     <m:oMathParaPr>
@@ -4625,7 +4627,7 @@
             </p:txBody>
           </p:sp>
         </mc:Choice>
-        <mc:Fallback>
+        <mc:Fallback xmlns="">
           <p:sp>
             <p:nvSpPr>
               <p:cNvPr id="70" name="TextBox 69"/>
@@ -4664,86 +4666,113 @@
           </p:sp>
         </mc:Fallback>
       </mc:AlternateContent>
-      <p:sp>
-        <p:nvSpPr>
-          <p:cNvPr id="77" name="TextBox 76"/>
-          <p:cNvSpPr txBox="1"/>
-          <p:nvPr/>
-        </p:nvSpPr>
-        <p:spPr>
-          <a:xfrm>
-            <a:off x="5719000" y="2635618"/>
-            <a:ext cx="205486" cy="286447"/>
-          </a:xfrm>
-          <a:prstGeom prst="rect">
-            <a:avLst/>
-          </a:prstGeom>
-          <a:noFill/>
-        </p:spPr>
-        <p:txBody>
-          <a:bodyPr wrap="square" rtlCol="0">
-            <a:spAutoFit/>
-          </a:bodyPr>
-          <a:lstStyle/>
-          <a:p>
-            <a:r>
-              <a:rPr lang="en-US" sz="1200" dirty="0" smtClean="0">
-                <a:solidFill>
-                  <a:schemeClr val="tx1"/>
-                </a:solidFill>
-                <a:latin typeface="cmbx12" panose="020B0500000000000000" pitchFamily="34" charset="0"/>
-              </a:rPr>
-              <a:t>z</a:t>
-            </a:r>
-            <a:endParaRPr lang="en-US" sz="1200" dirty="0">
-              <a:solidFill>
-                <a:schemeClr val="tx1"/>
-              </a:solidFill>
-              <a:latin typeface="cmbx12" panose="020B0500000000000000" pitchFamily="34" charset="0"/>
-            </a:endParaRPr>
-          </a:p>
-        </p:txBody>
-      </p:sp>
-      <p:sp>
-        <p:nvSpPr>
-          <p:cNvPr id="78" name="TextBox 77"/>
-          <p:cNvSpPr txBox="1"/>
-          <p:nvPr/>
-        </p:nvSpPr>
-        <p:spPr>
-          <a:xfrm>
-            <a:off x="5719000" y="398982"/>
-            <a:ext cx="205486" cy="286447"/>
-          </a:xfrm>
-          <a:prstGeom prst="rect">
-            <a:avLst/>
-          </a:prstGeom>
-          <a:noFill/>
-        </p:spPr>
-        <p:txBody>
-          <a:bodyPr wrap="square" rtlCol="0">
-            <a:spAutoFit/>
-          </a:bodyPr>
-          <a:lstStyle/>
-          <a:p>
-            <a:r>
-              <a:rPr lang="en-US" sz="1200" dirty="0" smtClean="0">
-                <a:solidFill>
-                  <a:schemeClr val="tx1"/>
-                </a:solidFill>
-                <a:latin typeface="cmbx12" panose="020B0500000000000000" pitchFamily="34" charset="0"/>
-              </a:rPr>
-              <a:t>z</a:t>
-            </a:r>
-            <a:endParaRPr lang="en-US" sz="1200" dirty="0">
-              <a:solidFill>
-                <a:schemeClr val="tx1"/>
-              </a:solidFill>
-              <a:latin typeface="cmbx12" panose="020B0500000000000000" pitchFamily="34" charset="0"/>
-            </a:endParaRPr>
-          </a:p>
-        </p:txBody>
-      </p:sp>
+      <mc:AlternateContent xmlns:mc="http://schemas.openxmlformats.org/markup-compatibility/2006">
+        <mc:Choice xmlns:a14="http://schemas.microsoft.com/office/drawing/2010/main" Requires="a14">
+          <p:sp>
+            <p:nvSpPr>
+              <p:cNvPr id="77" name="TextBox 76"/>
+              <p:cNvSpPr txBox="1"/>
+              <p:nvPr/>
+            </p:nvSpPr>
+            <p:spPr>
+              <a:xfrm>
+                <a:off x="5674396" y="2635618"/>
+                <a:ext cx="205486" cy="286447"/>
+              </a:xfrm>
+              <a:prstGeom prst="rect">
+                <a:avLst/>
+              </a:prstGeom>
+              <a:noFill/>
+            </p:spPr>
+            <p:txBody>
+              <a:bodyPr wrap="square" rtlCol="0">
+                <a:spAutoFit/>
+              </a:bodyPr>
+              <a:lstStyle/>
+              <a:p>
+                <a14:m>
+                  <m:oMathPara xmlns:m="http://schemas.openxmlformats.org/officeDocument/2006/math">
+                    <m:oMathParaPr>
+                      <m:jc m:val="centerGroup"/>
+                    </m:oMathParaPr>
+                    <m:oMath xmlns:m="http://schemas.openxmlformats.org/officeDocument/2006/math">
+                      <m:sSub>
+                        <m:sSubPr>
+                          <m:ctrlPr>
+                            <a:rPr lang="en-US" sz="1200" i="1" smtClean="0">
+                              <a:latin typeface="Cambria Math" panose="02040503050406030204" pitchFamily="18" charset="0"/>
+                            </a:rPr>
+                          </m:ctrlPr>
+                        </m:sSubPr>
+                        <m:e>
+                          <m:r>
+                            <a:rPr lang="en-US" sz="1200" b="0" i="1" smtClean="0">
+                              <a:latin typeface="Cambria Math" panose="02040503050406030204" pitchFamily="18" charset="0"/>
+                            </a:rPr>
+                            <m:t>𝑒</m:t>
+                          </m:r>
+                        </m:e>
+                        <m:sub>
+                          <m:r>
+                            <a:rPr lang="en-US" sz="1200" b="0" i="1" smtClean="0">
+                              <a:latin typeface="Cambria Math" panose="02040503050406030204" pitchFamily="18" charset="0"/>
+                            </a:rPr>
+                            <m:t>𝑧</m:t>
+                          </m:r>
+                        </m:sub>
+                      </m:sSub>
+                    </m:oMath>
+                  </m:oMathPara>
+                </a14:m>
+                <a:endParaRPr lang="en-US" sz="1200" dirty="0">
+                  <a:solidFill>
+                    <a:schemeClr val="tx1"/>
+                  </a:solidFill>
+                  <a:latin typeface="cmbx12" panose="020B0500000000000000" pitchFamily="34" charset="0"/>
+                </a:endParaRPr>
+              </a:p>
+            </p:txBody>
+          </p:sp>
+        </mc:Choice>
+        <mc:Fallback>
+          <p:sp>
+            <p:nvSpPr>
+              <p:cNvPr id="77" name="TextBox 76"/>
+              <p:cNvSpPr txBox="1">
+                <a:spLocks noRot="1" noChangeAspect="1" noMove="1" noResize="1" noEditPoints="1" noAdjustHandles="1" noChangeArrowheads="1" noChangeShapeType="1" noTextEdit="1"/>
+              </p:cNvSpPr>
+              <p:nvPr/>
+            </p:nvSpPr>
+            <p:spPr>
+              <a:xfrm>
+                <a:off x="5674396" y="2635618"/>
+                <a:ext cx="205486" cy="286447"/>
+              </a:xfrm>
+              <a:prstGeom prst="rect">
+                <a:avLst/>
+              </a:prstGeom>
+              <a:blipFill rotWithShape="0">
+                <a:blip r:embed="rId6"/>
+                <a:stretch>
+                  <a:fillRect r="-20588"/>
+                </a:stretch>
+              </a:blipFill>
+            </p:spPr>
+            <p:txBody>
+              <a:bodyPr/>
+              <a:lstStyle/>
+              <a:p>
+                <a:r>
+                  <a:rPr lang="en-US">
+                    <a:noFill/>
+                  </a:rPr>
+                  <a:t> </a:t>
+                </a:r>
+              </a:p>
+            </p:txBody>
+          </p:sp>
+        </mc:Fallback>
+      </mc:AlternateContent>
       <p:cxnSp>
         <p:nvCxnSpPr>
           <p:cNvPr id="81" name="Curved Connector 80"/>
@@ -5078,6 +5107,113 @@
           </a:fontRef>
         </p:style>
       </p:cxnSp>
+      <mc:AlternateContent xmlns:mc="http://schemas.openxmlformats.org/markup-compatibility/2006">
+        <mc:Choice xmlns:a14="http://schemas.microsoft.com/office/drawing/2010/main" Requires="a14">
+          <p:sp>
+            <p:nvSpPr>
+              <p:cNvPr id="45" name="TextBox 44"/>
+              <p:cNvSpPr txBox="1"/>
+              <p:nvPr/>
+            </p:nvSpPr>
+            <p:spPr>
+              <a:xfrm>
+                <a:off x="5672623" y="391112"/>
+                <a:ext cx="205486" cy="286447"/>
+              </a:xfrm>
+              <a:prstGeom prst="rect">
+                <a:avLst/>
+              </a:prstGeom>
+              <a:noFill/>
+            </p:spPr>
+            <p:txBody>
+              <a:bodyPr wrap="square" rtlCol="0">
+                <a:spAutoFit/>
+              </a:bodyPr>
+              <a:lstStyle/>
+              <a:p>
+                <a14:m>
+                  <m:oMathPara xmlns:m="http://schemas.openxmlformats.org/officeDocument/2006/math">
+                    <m:oMathParaPr>
+                      <m:jc m:val="centerGroup"/>
+                    </m:oMathParaPr>
+                    <m:oMath xmlns:m="http://schemas.openxmlformats.org/officeDocument/2006/math">
+                      <m:sSub>
+                        <m:sSubPr>
+                          <m:ctrlPr>
+                            <a:rPr lang="en-US" sz="1200" i="1" smtClean="0">
+                              <a:latin typeface="Cambria Math" panose="02040503050406030204" pitchFamily="18" charset="0"/>
+                            </a:rPr>
+                          </m:ctrlPr>
+                        </m:sSubPr>
+                        <m:e>
+                          <m:r>
+                            <a:rPr lang="en-US" sz="1200" b="0" i="1" smtClean="0">
+                              <a:latin typeface="Cambria Math" panose="02040503050406030204" pitchFamily="18" charset="0"/>
+                            </a:rPr>
+                            <m:t>𝑒</m:t>
+                          </m:r>
+                        </m:e>
+                        <m:sub>
+                          <m:r>
+                            <a:rPr lang="en-US" sz="1200" b="0" i="1" smtClean="0">
+                              <a:latin typeface="Cambria Math" panose="02040503050406030204" pitchFamily="18" charset="0"/>
+                            </a:rPr>
+                            <m:t>𝑧</m:t>
+                          </m:r>
+                        </m:sub>
+                      </m:sSub>
+                    </m:oMath>
+                  </m:oMathPara>
+                </a14:m>
+                <a:endParaRPr lang="en-US" sz="1200" dirty="0">
+                  <a:solidFill>
+                    <a:schemeClr val="tx1"/>
+                  </a:solidFill>
+                  <a:latin typeface="cmbx12" panose="020B0500000000000000" pitchFamily="34" charset="0"/>
+                </a:endParaRPr>
+              </a:p>
+            </p:txBody>
+          </p:sp>
+        </mc:Choice>
+        <mc:Fallback>
+          <p:sp>
+            <p:nvSpPr>
+              <p:cNvPr id="45" name="TextBox 44"/>
+              <p:cNvSpPr txBox="1">
+                <a:spLocks noRot="1" noChangeAspect="1" noMove="1" noResize="1" noEditPoints="1" noAdjustHandles="1" noChangeArrowheads="1" noChangeShapeType="1" noTextEdit="1"/>
+              </p:cNvSpPr>
+              <p:nvPr/>
+            </p:nvSpPr>
+            <p:spPr>
+              <a:xfrm>
+                <a:off x="5672623" y="391112"/>
+                <a:ext cx="205486" cy="286447"/>
+              </a:xfrm>
+              <a:prstGeom prst="rect">
+                <a:avLst/>
+              </a:prstGeom>
+              <a:blipFill rotWithShape="0">
+                <a:blip r:embed="rId6"/>
+                <a:stretch>
+                  <a:fillRect r="-24242"/>
+                </a:stretch>
+              </a:blipFill>
+            </p:spPr>
+            <p:txBody>
+              <a:bodyPr/>
+              <a:lstStyle/>
+              <a:p>
+                <a:r>
+                  <a:rPr lang="en-US">
+                    <a:noFill/>
+                  </a:rPr>
+                  <a:t> </a:t>
+                </a:r>
+              </a:p>
+            </p:txBody>
+          </p:sp>
+        </mc:Fallback>
+      </mc:AlternateContent>
     </p:spTree>
     <p:extLst>
       <p:ext uri="{BB962C8B-B14F-4D97-AF65-F5344CB8AC3E}">
@@ -5108,6 +5244,845 @@
           <a:chExt cx="0" cy="0"/>
         </a:xfrm>
       </p:grpSpPr>
+      <p:sp>
+        <p:nvSpPr>
+          <p:cNvPr id="10" name="Oval 9"/>
+          <p:cNvSpPr/>
+          <p:nvPr/>
+        </p:nvSpPr>
+        <p:spPr>
+          <a:xfrm>
+            <a:off x="2212263" y="3964264"/>
+            <a:ext cx="2095308" cy="2093976"/>
+          </a:xfrm>
+          <a:prstGeom prst="ellipse">
+            <a:avLst/>
+          </a:prstGeom>
+          <a:pattFill prst="pct10">
+            <a:fgClr>
+              <a:schemeClr val="accent1"/>
+            </a:fgClr>
+            <a:bgClr>
+              <a:schemeClr val="bg1"/>
+            </a:bgClr>
+          </a:pattFill>
+          <a:ln>
+            <a:noFill/>
+          </a:ln>
+        </p:spPr>
+        <p:style>
+          <a:lnRef idx="2">
+            <a:schemeClr val="accent1">
+              <a:shade val="50000"/>
+            </a:schemeClr>
+          </a:lnRef>
+          <a:fillRef idx="1">
+            <a:schemeClr val="accent1"/>
+          </a:fillRef>
+          <a:effectRef idx="0">
+            <a:schemeClr val="accent1"/>
+          </a:effectRef>
+          <a:fontRef idx="minor">
+            <a:schemeClr val="lt1"/>
+          </a:fontRef>
+        </p:style>
+        <p:txBody>
+          <a:bodyPr rtlCol="0" anchor="ctr"/>
+          <a:lstStyle/>
+          <a:p>
+            <a:pPr algn="ctr"/>
+            <a:endParaRPr lang="en-US"/>
+          </a:p>
+        </p:txBody>
+      </p:sp>
+      <p:sp>
+        <p:nvSpPr>
+          <p:cNvPr id="8" name="Oval 7"/>
+          <p:cNvSpPr/>
+          <p:nvPr/>
+        </p:nvSpPr>
+        <p:spPr>
+          <a:xfrm>
+            <a:off x="5192973" y="2405509"/>
+            <a:ext cx="856403" cy="859536"/>
+          </a:xfrm>
+          <a:prstGeom prst="ellipse">
+            <a:avLst/>
+          </a:prstGeom>
+          <a:gradFill>
+            <a:gsLst>
+              <a:gs pos="0">
+                <a:schemeClr val="accent1">
+                  <a:lumMod val="5000"/>
+                  <a:lumOff val="95000"/>
+                </a:schemeClr>
+              </a:gs>
+              <a:gs pos="71000">
+                <a:schemeClr val="bg1"/>
+              </a:gs>
+              <a:gs pos="83000">
+                <a:schemeClr val="accent1">
+                  <a:lumMod val="45000"/>
+                  <a:lumOff val="55000"/>
+                </a:schemeClr>
+              </a:gs>
+              <a:gs pos="100000">
+                <a:schemeClr val="accent1">
+                  <a:lumMod val="30000"/>
+                  <a:lumOff val="70000"/>
+                </a:schemeClr>
+              </a:gs>
+            </a:gsLst>
+            <a:lin ang="5400000" scaled="1"/>
+          </a:gradFill>
+          <a:ln>
+            <a:gradFill>
+              <a:gsLst>
+                <a:gs pos="0">
+                  <a:schemeClr val="accent1">
+                    <a:lumMod val="5000"/>
+                    <a:lumOff val="95000"/>
+                  </a:schemeClr>
+                </a:gs>
+                <a:gs pos="74000">
+                  <a:schemeClr val="accent1">
+                    <a:lumMod val="45000"/>
+                    <a:lumOff val="55000"/>
+                  </a:schemeClr>
+                </a:gs>
+                <a:gs pos="83000">
+                  <a:schemeClr val="accent1">
+                    <a:lumMod val="45000"/>
+                    <a:lumOff val="55000"/>
+                  </a:schemeClr>
+                </a:gs>
+                <a:gs pos="100000">
+                  <a:schemeClr val="accent1">
+                    <a:lumMod val="30000"/>
+                    <a:lumOff val="70000"/>
+                  </a:schemeClr>
+                </a:gs>
+              </a:gsLst>
+              <a:lin ang="5400000" scaled="1"/>
+            </a:gradFill>
+          </a:ln>
+          <a:scene3d>
+            <a:camera prst="orthographicFront">
+              <a:rot lat="0" lon="0" rev="0"/>
+            </a:camera>
+            <a:lightRig rig="threePt" dir="t"/>
+          </a:scene3d>
+          <a:sp3d prstMaterial="powder">
+            <a:bevelT w="889000" h="889000"/>
+            <a:bevelB w="889000" h="889000"/>
+          </a:sp3d>
+        </p:spPr>
+        <p:style>
+          <a:lnRef idx="2">
+            <a:schemeClr val="accent1">
+              <a:shade val="50000"/>
+            </a:schemeClr>
+          </a:lnRef>
+          <a:fillRef idx="1">
+            <a:schemeClr val="accent1"/>
+          </a:fillRef>
+          <a:effectRef idx="0">
+            <a:schemeClr val="accent1"/>
+          </a:effectRef>
+          <a:fontRef idx="minor">
+            <a:schemeClr val="lt1"/>
+          </a:fontRef>
+        </p:style>
+        <p:txBody>
+          <a:bodyPr rtlCol="0" anchor="ctr"/>
+          <a:lstStyle/>
+          <a:p>
+            <a:pPr algn="ctr"/>
+            <a:endParaRPr lang="en-US"/>
+          </a:p>
+        </p:txBody>
+      </p:sp>
+      <p:sp>
+        <p:nvSpPr>
+          <p:cNvPr id="2" name="Oval 1"/>
+          <p:cNvSpPr/>
+          <p:nvPr/>
+        </p:nvSpPr>
+        <p:spPr>
+          <a:xfrm>
+            <a:off x="3122087" y="2835277"/>
+            <a:ext cx="206829" cy="217714"/>
+          </a:xfrm>
+          <a:prstGeom prst="ellipse">
+            <a:avLst/>
+          </a:prstGeom>
+          <a:scene3d>
+            <a:camera prst="orthographicFront">
+              <a:rot lat="0" lon="0" rev="0"/>
+            </a:camera>
+            <a:lightRig rig="threePt" dir="t"/>
+          </a:scene3d>
+          <a:sp3d>
+            <a:bevelT w="127000" h="133350"/>
+            <a:bevelB w="127000" h="127000"/>
+          </a:sp3d>
+        </p:spPr>
+        <p:style>
+          <a:lnRef idx="2">
+            <a:schemeClr val="accent1">
+              <a:shade val="50000"/>
+            </a:schemeClr>
+          </a:lnRef>
+          <a:fillRef idx="1">
+            <a:schemeClr val="accent1"/>
+          </a:fillRef>
+          <a:effectRef idx="0">
+            <a:schemeClr val="accent1"/>
+          </a:effectRef>
+          <a:fontRef idx="minor">
+            <a:schemeClr val="lt1"/>
+          </a:fontRef>
+        </p:style>
+        <p:txBody>
+          <a:bodyPr rtlCol="0" anchor="ctr"/>
+          <a:lstStyle/>
+          <a:p>
+            <a:pPr algn="ctr"/>
+            <a:endParaRPr lang="en-US"/>
+          </a:p>
+        </p:txBody>
+      </p:sp>
+      <p:sp>
+        <p:nvSpPr>
+          <p:cNvPr id="3" name="Oval 2"/>
+          <p:cNvSpPr/>
+          <p:nvPr/>
+        </p:nvSpPr>
+        <p:spPr>
+          <a:xfrm>
+            <a:off x="2212263" y="4782652"/>
+            <a:ext cx="457200" cy="457200"/>
+          </a:xfrm>
+          <a:prstGeom prst="ellipse">
+            <a:avLst/>
+          </a:prstGeom>
+          <a:pattFill prst="pct50">
+            <a:fgClr>
+              <a:schemeClr val="accent1">
+                <a:lumMod val="75000"/>
+              </a:schemeClr>
+            </a:fgClr>
+            <a:bgClr>
+              <a:schemeClr val="bg1"/>
+            </a:bgClr>
+          </a:pattFill>
+          <a:ln>
+            <a:noFill/>
+          </a:ln>
+          <a:scene3d>
+            <a:camera prst="orthographicFront">
+              <a:rot lat="0" lon="0" rev="0"/>
+            </a:camera>
+            <a:lightRig rig="threePt" dir="t"/>
+          </a:scene3d>
+          <a:sp3d prstMaterial="matte">
+            <a:bevelT w="254000" h="254000"/>
+            <a:bevelB w="254000" h="254000"/>
+          </a:sp3d>
+        </p:spPr>
+        <p:style>
+          <a:lnRef idx="2">
+            <a:schemeClr val="accent1">
+              <a:shade val="50000"/>
+            </a:schemeClr>
+          </a:lnRef>
+          <a:fillRef idx="1">
+            <a:schemeClr val="accent1"/>
+          </a:fillRef>
+          <a:effectRef idx="0">
+            <a:schemeClr val="accent1"/>
+          </a:effectRef>
+          <a:fontRef idx="minor">
+            <a:schemeClr val="lt1"/>
+          </a:fontRef>
+        </p:style>
+        <p:txBody>
+          <a:bodyPr rtlCol="0" anchor="ctr"/>
+          <a:lstStyle/>
+          <a:p>
+            <a:pPr algn="ctr"/>
+            <a:endParaRPr lang="en-US"/>
+          </a:p>
+        </p:txBody>
+      </p:sp>
+      <p:sp>
+        <p:nvSpPr>
+          <p:cNvPr id="4" name="Oval 3"/>
+          <p:cNvSpPr/>
+          <p:nvPr/>
+        </p:nvSpPr>
+        <p:spPr>
+          <a:xfrm rot="10373843">
+            <a:off x="7916853" y="1644246"/>
+            <a:ext cx="2072644" cy="1692322"/>
+          </a:xfrm>
+          <a:prstGeom prst="ellipse">
+            <a:avLst/>
+          </a:prstGeom>
+          <a:solidFill>
+            <a:schemeClr val="accent1">
+              <a:alpha val="46000"/>
+            </a:schemeClr>
+          </a:solidFill>
+          <a:ln>
+            <a:noFill/>
+          </a:ln>
+          <a:effectLst>
+            <a:softEdge rad="0"/>
+          </a:effectLst>
+          <a:scene3d>
+            <a:camera prst="orthographicFront">
+              <a:rot lat="300003" lon="0" rev="0"/>
+            </a:camera>
+            <a:lightRig rig="threePt" dir="t"/>
+          </a:scene3d>
+          <a:sp3d extrusionH="76200" contourW="12700">
+            <a:bevelT w="1619250" h="1352550"/>
+            <a:bevelB w="635000" h="635000"/>
+            <a:extrusionClr>
+              <a:schemeClr val="accent1">
+                <a:lumMod val="40000"/>
+                <a:lumOff val="60000"/>
+              </a:schemeClr>
+            </a:extrusionClr>
+            <a:contourClr>
+              <a:schemeClr val="bg1"/>
+            </a:contourClr>
+          </a:sp3d>
+        </p:spPr>
+        <p:style>
+          <a:lnRef idx="2">
+            <a:schemeClr val="accent1">
+              <a:shade val="50000"/>
+            </a:schemeClr>
+          </a:lnRef>
+          <a:fillRef idx="1">
+            <a:schemeClr val="accent1"/>
+          </a:fillRef>
+          <a:effectRef idx="0">
+            <a:schemeClr val="accent1"/>
+          </a:effectRef>
+          <a:fontRef idx="minor">
+            <a:schemeClr val="lt1"/>
+          </a:fontRef>
+        </p:style>
+        <p:txBody>
+          <a:bodyPr rtlCol="0" anchor="ctr"/>
+          <a:lstStyle/>
+          <a:p>
+            <a:pPr algn="ctr"/>
+            <a:endParaRPr lang="en-US"/>
+          </a:p>
+        </p:txBody>
+      </p:sp>
+      <p:sp>
+        <p:nvSpPr>
+          <p:cNvPr id="5" name="Oval 4"/>
+          <p:cNvSpPr/>
+          <p:nvPr/>
+        </p:nvSpPr>
+        <p:spPr>
+          <a:xfrm>
+            <a:off x="3847996" y="4782652"/>
+            <a:ext cx="457200" cy="457200"/>
+          </a:xfrm>
+          <a:prstGeom prst="ellipse">
+            <a:avLst/>
+          </a:prstGeom>
+          <a:pattFill prst="pct50">
+            <a:fgClr>
+              <a:schemeClr val="accent1">
+                <a:lumMod val="75000"/>
+              </a:schemeClr>
+            </a:fgClr>
+            <a:bgClr>
+              <a:schemeClr val="bg1"/>
+            </a:bgClr>
+          </a:pattFill>
+          <a:ln>
+            <a:noFill/>
+          </a:ln>
+          <a:scene3d>
+            <a:camera prst="orthographicFront">
+              <a:rot lat="0" lon="0" rev="0"/>
+            </a:camera>
+            <a:lightRig rig="threePt" dir="t"/>
+          </a:scene3d>
+          <a:sp3d prstMaterial="matte">
+            <a:bevelT w="254000" h="254000"/>
+            <a:bevelB w="254000" h="254000"/>
+          </a:sp3d>
+        </p:spPr>
+        <p:style>
+          <a:lnRef idx="2">
+            <a:schemeClr val="accent1">
+              <a:shade val="50000"/>
+            </a:schemeClr>
+          </a:lnRef>
+          <a:fillRef idx="1">
+            <a:schemeClr val="accent1"/>
+          </a:fillRef>
+          <a:effectRef idx="0">
+            <a:schemeClr val="accent1"/>
+          </a:effectRef>
+          <a:fontRef idx="minor">
+            <a:schemeClr val="lt1"/>
+          </a:fontRef>
+        </p:style>
+        <p:txBody>
+          <a:bodyPr rtlCol="0" anchor="ctr"/>
+          <a:lstStyle/>
+          <a:p>
+            <a:pPr algn="ctr"/>
+            <a:endParaRPr lang="en-US"/>
+          </a:p>
+        </p:txBody>
+      </p:sp>
+      <p:sp>
+        <p:nvSpPr>
+          <p:cNvPr id="6" name="Oval 5"/>
+          <p:cNvSpPr/>
+          <p:nvPr/>
+        </p:nvSpPr>
+        <p:spPr>
+          <a:xfrm>
+            <a:off x="4307571" y="855755"/>
+            <a:ext cx="1770803" cy="1773936"/>
+          </a:xfrm>
+          <a:prstGeom prst="ellipse">
+            <a:avLst/>
+          </a:prstGeom>
+          <a:solidFill>
+            <a:schemeClr val="accent1">
+              <a:lumMod val="75000"/>
+              <a:alpha val="28000"/>
+            </a:schemeClr>
+          </a:solidFill>
+          <a:ln w="457200">
+            <a:gradFill>
+              <a:gsLst>
+                <a:gs pos="0">
+                  <a:schemeClr val="accent1">
+                    <a:lumMod val="5000"/>
+                    <a:lumOff val="95000"/>
+                    <a:alpha val="0"/>
+                  </a:schemeClr>
+                </a:gs>
+                <a:gs pos="74000">
+                  <a:schemeClr val="accent1">
+                    <a:lumMod val="45000"/>
+                    <a:lumOff val="55000"/>
+                  </a:schemeClr>
+                </a:gs>
+                <a:gs pos="83000">
+                  <a:schemeClr val="accent1">
+                    <a:lumMod val="45000"/>
+                    <a:lumOff val="55000"/>
+                  </a:schemeClr>
+                </a:gs>
+                <a:gs pos="100000">
+                  <a:schemeClr val="accent1">
+                    <a:lumMod val="30000"/>
+                    <a:lumOff val="70000"/>
+                  </a:schemeClr>
+                </a:gs>
+              </a:gsLst>
+              <a:lin ang="5400000" scaled="1"/>
+            </a:gradFill>
+          </a:ln>
+          <a:scene3d>
+            <a:camera prst="orthographicFront">
+              <a:rot lat="0" lon="16199975" rev="0"/>
+            </a:camera>
+            <a:lightRig rig="threePt" dir="t"/>
+          </a:scene3d>
+          <a:sp3d prstMaterial="matte">
+            <a:bevelT w="889000" h="889000"/>
+            <a:bevelB w="1143000" h="1143000"/>
+          </a:sp3d>
+        </p:spPr>
+        <p:style>
+          <a:lnRef idx="2">
+            <a:schemeClr val="accent1">
+              <a:shade val="50000"/>
+            </a:schemeClr>
+          </a:lnRef>
+          <a:fillRef idx="1">
+            <a:schemeClr val="accent1"/>
+          </a:fillRef>
+          <a:effectRef idx="0">
+            <a:schemeClr val="accent1"/>
+          </a:effectRef>
+          <a:fontRef idx="minor">
+            <a:schemeClr val="lt1"/>
+          </a:fontRef>
+        </p:style>
+        <p:txBody>
+          <a:bodyPr rtlCol="0" anchor="ctr"/>
+          <a:lstStyle/>
+          <a:p>
+            <a:pPr algn="ctr"/>
+            <a:endParaRPr lang="en-US"/>
+          </a:p>
+        </p:txBody>
+      </p:sp>
+      <p:sp>
+        <p:nvSpPr>
+          <p:cNvPr id="11" name="Oval 10"/>
+          <p:cNvSpPr/>
+          <p:nvPr/>
+        </p:nvSpPr>
+        <p:spPr>
+          <a:xfrm>
+            <a:off x="2669463" y="4421464"/>
+            <a:ext cx="1180908" cy="1179576"/>
+          </a:xfrm>
+          <a:prstGeom prst="ellipse">
+            <a:avLst/>
+          </a:prstGeom>
+          <a:solidFill>
+            <a:schemeClr val="bg1"/>
+          </a:solidFill>
+          <a:ln>
+            <a:noFill/>
+          </a:ln>
+        </p:spPr>
+        <p:style>
+          <a:lnRef idx="2">
+            <a:schemeClr val="accent1">
+              <a:shade val="50000"/>
+            </a:schemeClr>
+          </a:lnRef>
+          <a:fillRef idx="1">
+            <a:schemeClr val="accent1"/>
+          </a:fillRef>
+          <a:effectRef idx="0">
+            <a:schemeClr val="accent1"/>
+          </a:effectRef>
+          <a:fontRef idx="minor">
+            <a:schemeClr val="lt1"/>
+          </a:fontRef>
+        </p:style>
+        <p:txBody>
+          <a:bodyPr rtlCol="0" anchor="ctr"/>
+          <a:lstStyle/>
+          <a:p>
+            <a:pPr algn="ctr"/>
+            <a:endParaRPr lang="en-US"/>
+          </a:p>
+        </p:txBody>
+      </p:sp>
+      <p:sp>
+        <p:nvSpPr>
+          <p:cNvPr id="12" name="Right Arrow 11"/>
+          <p:cNvSpPr/>
+          <p:nvPr/>
+        </p:nvSpPr>
+        <p:spPr>
+          <a:xfrm>
+            <a:off x="1326863" y="4725675"/>
+            <a:ext cx="802887" cy="571155"/>
+          </a:xfrm>
+          <a:prstGeom prst="rightArrow">
+            <a:avLst/>
+          </a:prstGeom>
+        </p:spPr>
+        <p:style>
+          <a:lnRef idx="2">
+            <a:schemeClr val="accent1">
+              <a:shade val="50000"/>
+            </a:schemeClr>
+          </a:lnRef>
+          <a:fillRef idx="1">
+            <a:schemeClr val="accent1"/>
+          </a:fillRef>
+          <a:effectRef idx="0">
+            <a:schemeClr val="accent1"/>
+          </a:effectRef>
+          <a:fontRef idx="minor">
+            <a:schemeClr val="lt1"/>
+          </a:fontRef>
+        </p:style>
+        <p:txBody>
+          <a:bodyPr rtlCol="0" anchor="ctr"/>
+          <a:lstStyle/>
+          <a:p>
+            <a:pPr algn="ctr"/>
+            <a:endParaRPr lang="en-US"/>
+          </a:p>
+        </p:txBody>
+      </p:sp>
+      <p:sp>
+        <p:nvSpPr>
+          <p:cNvPr id="13" name="Right Arrow 12"/>
+          <p:cNvSpPr/>
+          <p:nvPr/>
+        </p:nvSpPr>
+        <p:spPr>
+          <a:xfrm rot="10800000">
+            <a:off x="4390085" y="4725674"/>
+            <a:ext cx="802887" cy="571155"/>
+          </a:xfrm>
+          <a:prstGeom prst="rightArrow">
+            <a:avLst/>
+          </a:prstGeom>
+        </p:spPr>
+        <p:style>
+          <a:lnRef idx="2">
+            <a:schemeClr val="accent1">
+              <a:shade val="50000"/>
+            </a:schemeClr>
+          </a:lnRef>
+          <a:fillRef idx="1">
+            <a:schemeClr val="accent1"/>
+          </a:fillRef>
+          <a:effectRef idx="0">
+            <a:schemeClr val="accent1"/>
+          </a:effectRef>
+          <a:fontRef idx="minor">
+            <a:schemeClr val="lt1"/>
+          </a:fontRef>
+        </p:style>
+        <p:txBody>
+          <a:bodyPr rtlCol="0" anchor="ctr"/>
+          <a:lstStyle/>
+          <a:p>
+            <a:pPr algn="ctr"/>
+            <a:endParaRPr lang="en-US"/>
+          </a:p>
+        </p:txBody>
+      </p:sp>
+      <p:sp>
+        <p:nvSpPr>
+          <p:cNvPr id="15" name="TextBox 14"/>
+          <p:cNvSpPr txBox="1"/>
+          <p:nvPr/>
+        </p:nvSpPr>
+        <p:spPr>
+          <a:xfrm>
+            <a:off x="1258702" y="4876462"/>
+            <a:ext cx="1159859" cy="276999"/>
+          </a:xfrm>
+          <a:prstGeom prst="rect">
+            <a:avLst/>
+          </a:prstGeom>
+          <a:noFill/>
+        </p:spPr>
+        <p:txBody>
+          <a:bodyPr wrap="square" rtlCol="0">
+            <a:spAutoFit/>
+          </a:bodyPr>
+          <a:lstStyle/>
+          <a:p>
+            <a:r>
+              <a:rPr lang="en-US" sz="1200" dirty="0" smtClean="0">
+                <a:latin typeface="cmbx12" panose="020B0500000000000000" pitchFamily="34" charset="0"/>
+              </a:rPr>
+              <a:t>1D lattice</a:t>
+            </a:r>
+            <a:endParaRPr lang="en-US" sz="1200" dirty="0">
+              <a:latin typeface="cmbx12" panose="020B0500000000000000" pitchFamily="34" charset="0"/>
+            </a:endParaRPr>
+          </a:p>
+        </p:txBody>
+      </p:sp>
+      <p:sp>
+        <p:nvSpPr>
+          <p:cNvPr id="16" name="TextBox 15"/>
+          <p:cNvSpPr txBox="1"/>
+          <p:nvPr/>
+        </p:nvSpPr>
+        <p:spPr>
+          <a:xfrm>
+            <a:off x="4367782" y="4876462"/>
+            <a:ext cx="1159859" cy="276999"/>
+          </a:xfrm>
+          <a:prstGeom prst="rect">
+            <a:avLst/>
+          </a:prstGeom>
+          <a:noFill/>
+        </p:spPr>
+        <p:txBody>
+          <a:bodyPr wrap="square" rtlCol="0">
+            <a:spAutoFit/>
+          </a:bodyPr>
+          <a:lstStyle/>
+          <a:p>
+            <a:r>
+              <a:rPr lang="en-US" sz="1200" dirty="0" smtClean="0">
+                <a:latin typeface="cmbx12" panose="020B0500000000000000" pitchFamily="34" charset="0"/>
+              </a:rPr>
+              <a:t>1D lattice</a:t>
+            </a:r>
+            <a:endParaRPr lang="en-US" sz="1200" dirty="0">
+              <a:latin typeface="cmbx12" panose="020B0500000000000000" pitchFamily="34" charset="0"/>
+            </a:endParaRPr>
+          </a:p>
+        </p:txBody>
+      </p:sp>
+      <p:cxnSp>
+        <p:nvCxnSpPr>
+          <p:cNvPr id="18" name="Straight Arrow Connector 17"/>
+          <p:cNvCxnSpPr/>
+          <p:nvPr/>
+        </p:nvCxnSpPr>
+        <p:spPr>
+          <a:xfrm>
+            <a:off x="4802679" y="5779458"/>
+            <a:ext cx="411480" cy="0"/>
+          </a:xfrm>
+          <a:prstGeom prst="straightConnector1">
+            <a:avLst/>
+          </a:prstGeom>
+          <a:ln w="12700">
+            <a:tailEnd type="triangle"/>
+          </a:ln>
+        </p:spPr>
+        <p:style>
+          <a:lnRef idx="1">
+            <a:schemeClr val="accent1"/>
+          </a:lnRef>
+          <a:fillRef idx="0">
+            <a:schemeClr val="accent1"/>
+          </a:fillRef>
+          <a:effectRef idx="0">
+            <a:schemeClr val="accent1"/>
+          </a:effectRef>
+          <a:fontRef idx="minor">
+            <a:schemeClr val="tx1"/>
+          </a:fontRef>
+        </p:style>
+      </p:cxnSp>
+      <p:cxnSp>
+        <p:nvCxnSpPr>
+          <p:cNvPr id="20" name="Straight Arrow Connector 19"/>
+          <p:cNvCxnSpPr/>
+          <p:nvPr/>
+        </p:nvCxnSpPr>
+        <p:spPr>
+          <a:xfrm flipH="1" flipV="1">
+            <a:off x="4791528" y="5370624"/>
+            <a:ext cx="7722" cy="408835"/>
+          </a:xfrm>
+          <a:prstGeom prst="straightConnector1">
+            <a:avLst/>
+          </a:prstGeom>
+          <a:ln w="12700">
+            <a:tailEnd type="triangle"/>
+          </a:ln>
+        </p:spPr>
+        <p:style>
+          <a:lnRef idx="1">
+            <a:schemeClr val="accent1"/>
+          </a:lnRef>
+          <a:fillRef idx="0">
+            <a:schemeClr val="accent1"/>
+          </a:fillRef>
+          <a:effectRef idx="0">
+            <a:schemeClr val="accent1"/>
+          </a:effectRef>
+          <a:fontRef idx="minor">
+            <a:schemeClr val="tx1"/>
+          </a:fontRef>
+        </p:style>
+      </p:cxnSp>
+      <p:sp>
+        <p:nvSpPr>
+          <p:cNvPr id="24" name="Oval 23"/>
+          <p:cNvSpPr/>
+          <p:nvPr/>
+        </p:nvSpPr>
+        <p:spPr>
+          <a:xfrm>
+            <a:off x="6183191" y="5014935"/>
+            <a:ext cx="182880" cy="182880"/>
+          </a:xfrm>
+          <a:prstGeom prst="ellipse">
+            <a:avLst/>
+          </a:prstGeom>
+          <a:solidFill>
+            <a:schemeClr val="bg1"/>
+          </a:solidFill>
+        </p:spPr>
+        <p:style>
+          <a:lnRef idx="2">
+            <a:schemeClr val="accent1">
+              <a:shade val="50000"/>
+            </a:schemeClr>
+          </a:lnRef>
+          <a:fillRef idx="1">
+            <a:schemeClr val="accent1"/>
+          </a:fillRef>
+          <a:effectRef idx="0">
+            <a:schemeClr val="accent1"/>
+          </a:effectRef>
+          <a:fontRef idx="minor">
+            <a:schemeClr val="lt1"/>
+          </a:fontRef>
+        </p:style>
+        <p:txBody>
+          <a:bodyPr rtlCol="0" anchor="ctr"/>
+          <a:lstStyle/>
+          <a:p>
+            <a:pPr algn="ctr"/>
+            <a:endParaRPr lang="en-US"/>
+          </a:p>
+        </p:txBody>
+      </p:sp>
+      <p:sp>
+        <p:nvSpPr>
+          <p:cNvPr id="25" name="Flowchart: Summing Junction 24"/>
+          <p:cNvSpPr/>
+          <p:nvPr/>
+        </p:nvSpPr>
+        <p:spPr>
+          <a:xfrm>
+            <a:off x="4740040" y="5704942"/>
+            <a:ext cx="137160" cy="137160"/>
+          </a:xfrm>
+          <a:prstGeom prst="flowChartSummingJunction">
+            <a:avLst/>
+          </a:prstGeom>
+          <a:solidFill>
+            <a:schemeClr val="bg1"/>
+          </a:solidFill>
+          <a:ln w="12700"/>
+        </p:spPr>
+        <p:style>
+          <a:lnRef idx="2">
+            <a:schemeClr val="accent1">
+              <a:shade val="50000"/>
+            </a:schemeClr>
+          </a:lnRef>
+          <a:fillRef idx="1">
+            <a:schemeClr val="accent1"/>
+          </a:fillRef>
+          <a:effectRef idx="0">
+            <a:schemeClr val="accent1"/>
+          </a:effectRef>
+          <a:fontRef idx="minor">
+            <a:schemeClr val="lt1"/>
+          </a:fontRef>
+        </p:style>
+        <p:txBody>
+          <a:bodyPr rtlCol="0" anchor="ctr"/>
+          <a:lstStyle/>
+          <a:p>
+            <a:pPr algn="ctr"/>
+            <a:endParaRPr lang="en-US"/>
+          </a:p>
+        </p:txBody>
+      </p:sp>
     </p:spTree>
     <p:extLst>
       <p:ext uri="{BB962C8B-B14F-4D97-AF65-F5344CB8AC3E}">

--- a/Picture1ab.pptx
+++ b/Picture1ab.pptx
@@ -6083,6 +6083,459 @@
           </a:p>
         </p:txBody>
       </p:sp>
+      <mc:AlternateContent xmlns:mc="http://schemas.openxmlformats.org/markup-compatibility/2006">
+        <mc:Choice xmlns:a14="http://schemas.microsoft.com/office/drawing/2010/main" Requires="a14">
+          <p:sp>
+            <p:nvSpPr>
+              <p:cNvPr id="26" name="TextBox 25"/>
+              <p:cNvSpPr txBox="1"/>
+              <p:nvPr/>
+            </p:nvSpPr>
+            <p:spPr>
+              <a:xfrm>
+                <a:off x="4529996" y="5314593"/>
+                <a:ext cx="205486" cy="286447"/>
+              </a:xfrm>
+              <a:prstGeom prst="rect">
+                <a:avLst/>
+              </a:prstGeom>
+              <a:noFill/>
+            </p:spPr>
+            <p:txBody>
+              <a:bodyPr wrap="square" rtlCol="0">
+                <a:spAutoFit/>
+              </a:bodyPr>
+              <a:lstStyle/>
+              <a:p>
+                <a14:m>
+                  <m:oMathPara xmlns:m="http://schemas.openxmlformats.org/officeDocument/2006/math">
+                    <m:oMathParaPr>
+                      <m:jc m:val="centerGroup"/>
+                    </m:oMathParaPr>
+                    <m:oMath xmlns:m="http://schemas.openxmlformats.org/officeDocument/2006/math">
+                      <m:sSub>
+                        <m:sSubPr>
+                          <m:ctrlPr>
+                            <a:rPr lang="en-US" sz="1200" i="1" smtClean="0">
+                              <a:latin typeface="Cambria Math" panose="02040503050406030204" pitchFamily="18" charset="0"/>
+                            </a:rPr>
+                          </m:ctrlPr>
+                        </m:sSubPr>
+                        <m:e>
+                          <m:r>
+                            <a:rPr lang="en-US" sz="1200" b="0" i="1" smtClean="0">
+                              <a:latin typeface="Cambria Math" panose="02040503050406030204" pitchFamily="18" charset="0"/>
+                            </a:rPr>
+                            <m:t>𝑒</m:t>
+                          </m:r>
+                        </m:e>
+                        <m:sub>
+                          <m:r>
+                            <a:rPr lang="en-US" sz="1200" b="0" i="1" smtClean="0">
+                              <a:latin typeface="Cambria Math" panose="02040503050406030204" pitchFamily="18" charset="0"/>
+                            </a:rPr>
+                            <m:t>𝑧</m:t>
+                          </m:r>
+                        </m:sub>
+                      </m:sSub>
+                    </m:oMath>
+                  </m:oMathPara>
+                </a14:m>
+                <a:endParaRPr lang="en-US" sz="1200" dirty="0">
+                  <a:solidFill>
+                    <a:schemeClr val="tx1"/>
+                  </a:solidFill>
+                  <a:latin typeface="cmbx12" panose="020B0500000000000000" pitchFamily="34" charset="0"/>
+                </a:endParaRPr>
+              </a:p>
+            </p:txBody>
+          </p:sp>
+        </mc:Choice>
+        <mc:Fallback>
+          <p:sp>
+            <p:nvSpPr>
+              <p:cNvPr id="26" name="TextBox 25"/>
+              <p:cNvSpPr txBox="1">
+                <a:spLocks noRot="1" noChangeAspect="1" noMove="1" noResize="1" noEditPoints="1" noAdjustHandles="1" noChangeArrowheads="1" noChangeShapeType="1" noTextEdit="1"/>
+              </p:cNvSpPr>
+              <p:nvPr/>
+            </p:nvSpPr>
+            <p:spPr>
+              <a:xfrm>
+                <a:off x="4529996" y="5314593"/>
+                <a:ext cx="205486" cy="286447"/>
+              </a:xfrm>
+              <a:prstGeom prst="rect">
+                <a:avLst/>
+              </a:prstGeom>
+              <a:blipFill rotWithShape="0">
+                <a:blip r:embed="rId2"/>
+                <a:stretch>
+                  <a:fillRect r="-20588"/>
+                </a:stretch>
+              </a:blipFill>
+            </p:spPr>
+            <p:txBody>
+              <a:bodyPr/>
+              <a:lstStyle/>
+              <a:p>
+                <a:r>
+                  <a:rPr lang="en-US">
+                    <a:noFill/>
+                  </a:rPr>
+                  <a:t> </a:t>
+                </a:r>
+              </a:p>
+            </p:txBody>
+          </p:sp>
+        </mc:Fallback>
+      </mc:AlternateContent>
+      <mc:AlternateContent xmlns:mc="http://schemas.openxmlformats.org/markup-compatibility/2006">
+        <mc:Choice xmlns:a14="http://schemas.microsoft.com/office/drawing/2010/main" Requires="a14">
+          <p:sp>
+            <p:nvSpPr>
+              <p:cNvPr id="27" name="TextBox 26"/>
+              <p:cNvSpPr txBox="1"/>
+              <p:nvPr/>
+            </p:nvSpPr>
+            <p:spPr>
+              <a:xfrm>
+                <a:off x="4942936" y="5520741"/>
+                <a:ext cx="205486" cy="276999"/>
+              </a:xfrm>
+              <a:prstGeom prst="rect">
+                <a:avLst/>
+              </a:prstGeom>
+              <a:noFill/>
+            </p:spPr>
+            <p:txBody>
+              <a:bodyPr wrap="square" rtlCol="0">
+                <a:spAutoFit/>
+              </a:bodyPr>
+              <a:lstStyle/>
+              <a:p>
+                <a14:m>
+                  <m:oMathPara xmlns:m="http://schemas.openxmlformats.org/officeDocument/2006/math">
+                    <m:oMathParaPr>
+                      <m:jc m:val="centerGroup"/>
+                    </m:oMathParaPr>
+                    <m:oMath xmlns:m="http://schemas.openxmlformats.org/officeDocument/2006/math">
+                      <m:sSub>
+                        <m:sSubPr>
+                          <m:ctrlPr>
+                            <a:rPr lang="en-US" sz="1200" i="1" smtClean="0">
+                              <a:latin typeface="Cambria Math" panose="02040503050406030204" pitchFamily="18" charset="0"/>
+                            </a:rPr>
+                          </m:ctrlPr>
+                        </m:sSubPr>
+                        <m:e>
+                          <m:r>
+                            <a:rPr lang="en-US" sz="1200" b="0" i="1" smtClean="0">
+                              <a:latin typeface="Cambria Math" panose="02040503050406030204" pitchFamily="18" charset="0"/>
+                            </a:rPr>
+                            <m:t>𝑒</m:t>
+                          </m:r>
+                        </m:e>
+                        <m:sub>
+                          <m:r>
+                            <a:rPr lang="en-US" sz="1200" b="0" i="1" smtClean="0">
+                              <a:latin typeface="Cambria Math" panose="02040503050406030204" pitchFamily="18" charset="0"/>
+                            </a:rPr>
+                            <m:t>𝑥</m:t>
+                          </m:r>
+                        </m:sub>
+                      </m:sSub>
+                    </m:oMath>
+                  </m:oMathPara>
+                </a14:m>
+                <a:endParaRPr lang="en-US" sz="1200" dirty="0">
+                  <a:solidFill>
+                    <a:schemeClr val="tx1"/>
+                  </a:solidFill>
+                  <a:latin typeface="cmbx12" panose="020B0500000000000000" pitchFamily="34" charset="0"/>
+                </a:endParaRPr>
+              </a:p>
+            </p:txBody>
+          </p:sp>
+        </mc:Choice>
+        <mc:Fallback>
+          <p:sp>
+            <p:nvSpPr>
+              <p:cNvPr id="27" name="TextBox 26"/>
+              <p:cNvSpPr txBox="1">
+                <a:spLocks noRot="1" noChangeAspect="1" noMove="1" noResize="1" noEditPoints="1" noAdjustHandles="1" noChangeArrowheads="1" noChangeShapeType="1" noTextEdit="1"/>
+              </p:cNvSpPr>
+              <p:nvPr/>
+            </p:nvSpPr>
+            <p:spPr>
+              <a:xfrm>
+                <a:off x="4942936" y="5520741"/>
+                <a:ext cx="205486" cy="276999"/>
+              </a:xfrm>
+              <a:prstGeom prst="rect">
+                <a:avLst/>
+              </a:prstGeom>
+              <a:blipFill rotWithShape="0">
+                <a:blip r:embed="rId3"/>
+                <a:stretch>
+                  <a:fillRect r="-23529"/>
+                </a:stretch>
+              </a:blipFill>
+            </p:spPr>
+            <p:txBody>
+              <a:bodyPr/>
+              <a:lstStyle/>
+              <a:p>
+                <a:r>
+                  <a:rPr lang="en-US">
+                    <a:noFill/>
+                  </a:rPr>
+                  <a:t> </a:t>
+                </a:r>
+              </a:p>
+            </p:txBody>
+          </p:sp>
+        </mc:Fallback>
+      </mc:AlternateContent>
+      <mc:AlternateContent xmlns:mc="http://schemas.openxmlformats.org/markup-compatibility/2006">
+        <mc:Choice xmlns:a14="http://schemas.microsoft.com/office/drawing/2010/main" Requires="a14">
+          <p:sp>
+            <p:nvSpPr>
+              <p:cNvPr id="28" name="TextBox 27"/>
+              <p:cNvSpPr txBox="1"/>
+              <p:nvPr/>
+            </p:nvSpPr>
+            <p:spPr>
+              <a:xfrm>
+                <a:off x="4545099" y="5722705"/>
+                <a:ext cx="205486" cy="291618"/>
+              </a:xfrm>
+              <a:prstGeom prst="rect">
+                <a:avLst/>
+              </a:prstGeom>
+              <a:noFill/>
+            </p:spPr>
+            <p:txBody>
+              <a:bodyPr wrap="square" rtlCol="0">
+                <a:spAutoFit/>
+              </a:bodyPr>
+              <a:lstStyle/>
+              <a:p>
+                <a14:m>
+                  <m:oMathPara xmlns:m="http://schemas.openxmlformats.org/officeDocument/2006/math">
+                    <m:oMathParaPr>
+                      <m:jc m:val="centerGroup"/>
+                    </m:oMathParaPr>
+                    <m:oMath xmlns:m="http://schemas.openxmlformats.org/officeDocument/2006/math">
+                      <m:sSub>
+                        <m:sSubPr>
+                          <m:ctrlPr>
+                            <a:rPr lang="en-US" sz="1200" i="1" smtClean="0">
+                              <a:latin typeface="Cambria Math" panose="02040503050406030204" pitchFamily="18" charset="0"/>
+                            </a:rPr>
+                          </m:ctrlPr>
+                        </m:sSubPr>
+                        <m:e>
+                          <m:r>
+                            <a:rPr lang="en-US" sz="1200" b="0" i="1" smtClean="0">
+                              <a:latin typeface="Cambria Math" panose="02040503050406030204" pitchFamily="18" charset="0"/>
+                            </a:rPr>
+                            <m:t>𝑒</m:t>
+                          </m:r>
+                        </m:e>
+                        <m:sub>
+                          <m:r>
+                            <a:rPr lang="en-US" sz="1200" b="0" i="1" smtClean="0">
+                              <a:latin typeface="Cambria Math" panose="02040503050406030204" pitchFamily="18" charset="0"/>
+                            </a:rPr>
+                            <m:t>𝑦</m:t>
+                          </m:r>
+                        </m:sub>
+                      </m:sSub>
+                    </m:oMath>
+                  </m:oMathPara>
+                </a14:m>
+                <a:endParaRPr lang="en-US" sz="1200" dirty="0">
+                  <a:solidFill>
+                    <a:schemeClr val="tx1"/>
+                  </a:solidFill>
+                  <a:latin typeface="cmbx12" panose="020B0500000000000000" pitchFamily="34" charset="0"/>
+                </a:endParaRPr>
+              </a:p>
+            </p:txBody>
+          </p:sp>
+        </mc:Choice>
+        <mc:Fallback>
+          <p:sp>
+            <p:nvSpPr>
+              <p:cNvPr id="28" name="TextBox 27"/>
+              <p:cNvSpPr txBox="1">
+                <a:spLocks noRot="1" noChangeAspect="1" noMove="1" noResize="1" noEditPoints="1" noAdjustHandles="1" noChangeArrowheads="1" noChangeShapeType="1" noTextEdit="1"/>
+              </p:cNvSpPr>
+              <p:nvPr/>
+            </p:nvSpPr>
+            <p:spPr>
+              <a:xfrm>
+                <a:off x="4545099" y="5722705"/>
+                <a:ext cx="205486" cy="291618"/>
+              </a:xfrm>
+              <a:prstGeom prst="rect">
+                <a:avLst/>
+              </a:prstGeom>
+              <a:blipFill rotWithShape="0">
+                <a:blip r:embed="rId4"/>
+                <a:stretch>
+                  <a:fillRect r="-33333"/>
+                </a:stretch>
+              </a:blipFill>
+            </p:spPr>
+            <p:txBody>
+              <a:bodyPr/>
+              <a:lstStyle/>
+              <a:p>
+                <a:r>
+                  <a:rPr lang="en-US">
+                    <a:noFill/>
+                  </a:rPr>
+                  <a:t> </a:t>
+                </a:r>
+              </a:p>
+            </p:txBody>
+          </p:sp>
+        </mc:Fallback>
+      </mc:AlternateContent>
+      <p:sp>
+        <p:nvSpPr>
+          <p:cNvPr id="29" name="Flowchart: Summing Junction 28"/>
+          <p:cNvSpPr/>
+          <p:nvPr/>
+        </p:nvSpPr>
+        <p:spPr>
+          <a:xfrm>
+            <a:off x="1837575" y="5680639"/>
+            <a:ext cx="137160" cy="137160"/>
+          </a:xfrm>
+          <a:prstGeom prst="flowChartSummingJunction">
+            <a:avLst/>
+          </a:prstGeom>
+          <a:solidFill>
+            <a:schemeClr val="bg1"/>
+          </a:solidFill>
+          <a:ln w="12700"/>
+        </p:spPr>
+        <p:style>
+          <a:lnRef idx="2">
+            <a:schemeClr val="accent1">
+              <a:shade val="50000"/>
+            </a:schemeClr>
+          </a:lnRef>
+          <a:fillRef idx="1">
+            <a:schemeClr val="accent1"/>
+          </a:fillRef>
+          <a:effectRef idx="0">
+            <a:schemeClr val="accent1"/>
+          </a:effectRef>
+          <a:fontRef idx="minor">
+            <a:schemeClr val="lt1"/>
+          </a:fontRef>
+        </p:style>
+        <p:txBody>
+          <a:bodyPr rtlCol="0" anchor="ctr"/>
+          <a:lstStyle/>
+          <a:p>
+            <a:pPr algn="ctr"/>
+            <a:endParaRPr lang="en-US"/>
+          </a:p>
+        </p:txBody>
+      </p:sp>
+      <mc:AlternateContent xmlns:mc="http://schemas.openxmlformats.org/markup-compatibility/2006">
+        <mc:Choice xmlns:a14="http://schemas.microsoft.com/office/drawing/2010/main" Requires="a14">
+          <p:sp>
+            <p:nvSpPr>
+              <p:cNvPr id="30" name="TextBox 29"/>
+              <p:cNvSpPr txBox="1"/>
+              <p:nvPr/>
+            </p:nvSpPr>
+            <p:spPr>
+              <a:xfrm>
+                <a:off x="1933181" y="5633137"/>
+                <a:ext cx="205486" cy="276999"/>
+              </a:xfrm>
+              <a:prstGeom prst="rect">
+                <a:avLst/>
+              </a:prstGeom>
+              <a:noFill/>
+            </p:spPr>
+            <p:txBody>
+              <a:bodyPr wrap="square" rtlCol="0">
+                <a:spAutoFit/>
+              </a:bodyPr>
+              <a:lstStyle/>
+              <a:p>
+                <a14:m>
+                  <m:oMathPara xmlns:m="http://schemas.openxmlformats.org/officeDocument/2006/math">
+                    <m:oMathParaPr>
+                      <m:jc m:val="centerGroup"/>
+                    </m:oMathParaPr>
+                    <m:oMath xmlns:m="http://schemas.openxmlformats.org/officeDocument/2006/math">
+                      <m:r>
+                        <a:rPr lang="en-US" sz="1200" i="1" smtClean="0">
+                          <a:latin typeface="Cambria Math" panose="02040503050406030204" pitchFamily="18" charset="0"/>
+                        </a:rPr>
+                        <m:t>𝐵</m:t>
+                      </m:r>
+                    </m:oMath>
+                  </m:oMathPara>
+                </a14:m>
+                <a:endParaRPr lang="en-US" sz="1200" dirty="0">
+                  <a:solidFill>
+                    <a:schemeClr val="tx1"/>
+                  </a:solidFill>
+                  <a:latin typeface="cmbx12" panose="020B0500000000000000" pitchFamily="34" charset="0"/>
+                </a:endParaRPr>
+              </a:p>
+            </p:txBody>
+          </p:sp>
+        </mc:Choice>
+        <mc:Fallback>
+          <p:sp>
+            <p:nvSpPr>
+              <p:cNvPr id="30" name="TextBox 29"/>
+              <p:cNvSpPr txBox="1">
+                <a:spLocks noRot="1" noChangeAspect="1" noMove="1" noResize="1" noEditPoints="1" noAdjustHandles="1" noChangeArrowheads="1" noChangeShapeType="1" noTextEdit="1"/>
+              </p:cNvSpPr>
+              <p:nvPr/>
+            </p:nvSpPr>
+            <p:spPr>
+              <a:xfrm>
+                <a:off x="1933181" y="5633137"/>
+                <a:ext cx="205486" cy="276999"/>
+              </a:xfrm>
+              <a:prstGeom prst="rect">
+                <a:avLst/>
+              </a:prstGeom>
+              <a:blipFill rotWithShape="0">
+                <a:blip r:embed="rId5"/>
+                <a:stretch>
+                  <a:fillRect r="-17647"/>
+                </a:stretch>
+              </a:blipFill>
+            </p:spPr>
+            <p:txBody>
+              <a:bodyPr/>
+              <a:lstStyle/>
+              <a:p>
+                <a:r>
+                  <a:rPr lang="en-US">
+                    <a:noFill/>
+                  </a:rPr>
+                  <a:t> </a:t>
+                </a:r>
+              </a:p>
+            </p:txBody>
+          </p:sp>
+        </mc:Fallback>
+      </mc:AlternateContent>
     </p:spTree>
     <p:extLst>
       <p:ext uri="{BB962C8B-B14F-4D97-AF65-F5344CB8AC3E}">

--- a/Picture1ab.pptx
+++ b/Picture1ab.pptx
@@ -244,7 +244,7 @@
           <a:p>
             <a:fld id="{D61CA99B-1A52-41E4-BE43-6641B2C1149F}" type="datetimeFigureOut">
               <a:rPr lang="en-US" smtClean="0"/>
-              <a:t>5/7/2015</a:t>
+              <a:t>6/22/2015</a:t>
             </a:fld>
             <a:endParaRPr lang="en-US"/>
           </a:p>
@@ -414,7 +414,7 @@
           <a:p>
             <a:fld id="{D61CA99B-1A52-41E4-BE43-6641B2C1149F}" type="datetimeFigureOut">
               <a:rPr lang="en-US" smtClean="0"/>
-              <a:t>5/7/2015</a:t>
+              <a:t>6/22/2015</a:t>
             </a:fld>
             <a:endParaRPr lang="en-US"/>
           </a:p>
@@ -594,7 +594,7 @@
           <a:p>
             <a:fld id="{D61CA99B-1A52-41E4-BE43-6641B2C1149F}" type="datetimeFigureOut">
               <a:rPr lang="en-US" smtClean="0"/>
-              <a:t>5/7/2015</a:t>
+              <a:t>6/22/2015</a:t>
             </a:fld>
             <a:endParaRPr lang="en-US"/>
           </a:p>
@@ -764,7 +764,7 @@
           <a:p>
             <a:fld id="{D61CA99B-1A52-41E4-BE43-6641B2C1149F}" type="datetimeFigureOut">
               <a:rPr lang="en-US" smtClean="0"/>
-              <a:t>5/7/2015</a:t>
+              <a:t>6/22/2015</a:t>
             </a:fld>
             <a:endParaRPr lang="en-US"/>
           </a:p>
@@ -1010,7 +1010,7 @@
           <a:p>
             <a:fld id="{D61CA99B-1A52-41E4-BE43-6641B2C1149F}" type="datetimeFigureOut">
               <a:rPr lang="en-US" smtClean="0"/>
-              <a:t>5/7/2015</a:t>
+              <a:t>6/22/2015</a:t>
             </a:fld>
             <a:endParaRPr lang="en-US"/>
           </a:p>
@@ -1242,7 +1242,7 @@
           <a:p>
             <a:fld id="{D61CA99B-1A52-41E4-BE43-6641B2C1149F}" type="datetimeFigureOut">
               <a:rPr lang="en-US" smtClean="0"/>
-              <a:t>5/7/2015</a:t>
+              <a:t>6/22/2015</a:t>
             </a:fld>
             <a:endParaRPr lang="en-US"/>
           </a:p>
@@ -1609,7 +1609,7 @@
           <a:p>
             <a:fld id="{D61CA99B-1A52-41E4-BE43-6641B2C1149F}" type="datetimeFigureOut">
               <a:rPr lang="en-US" smtClean="0"/>
-              <a:t>5/7/2015</a:t>
+              <a:t>6/22/2015</a:t>
             </a:fld>
             <a:endParaRPr lang="en-US"/>
           </a:p>
@@ -1727,7 +1727,7 @@
           <a:p>
             <a:fld id="{D61CA99B-1A52-41E4-BE43-6641B2C1149F}" type="datetimeFigureOut">
               <a:rPr lang="en-US" smtClean="0"/>
-              <a:t>5/7/2015</a:t>
+              <a:t>6/22/2015</a:t>
             </a:fld>
             <a:endParaRPr lang="en-US"/>
           </a:p>
@@ -1822,7 +1822,7 @@
           <a:p>
             <a:fld id="{D61CA99B-1A52-41E4-BE43-6641B2C1149F}" type="datetimeFigureOut">
               <a:rPr lang="en-US" smtClean="0"/>
-              <a:t>5/7/2015</a:t>
+              <a:t>6/22/2015</a:t>
             </a:fld>
             <a:endParaRPr lang="en-US"/>
           </a:p>
@@ -2099,7 +2099,7 @@
           <a:p>
             <a:fld id="{D61CA99B-1A52-41E4-BE43-6641B2C1149F}" type="datetimeFigureOut">
               <a:rPr lang="en-US" smtClean="0"/>
-              <a:t>5/7/2015</a:t>
+              <a:t>6/22/2015</a:t>
             </a:fld>
             <a:endParaRPr lang="en-US"/>
           </a:p>
@@ -2352,7 +2352,7 @@
           <a:p>
             <a:fld id="{D61CA99B-1A52-41E4-BE43-6641B2C1149F}" type="datetimeFigureOut">
               <a:rPr lang="en-US" smtClean="0"/>
-              <a:t>5/7/2015</a:t>
+              <a:t>6/22/2015</a:t>
             </a:fld>
             <a:endParaRPr lang="en-US"/>
           </a:p>
@@ -2565,7 +2565,7 @@
           <a:p>
             <a:fld id="{D61CA99B-1A52-41E4-BE43-6641B2C1149F}" type="datetimeFigureOut">
               <a:rPr lang="en-US" smtClean="0"/>
-              <a:t>5/7/2015</a:t>
+              <a:t>6/22/2015</a:t>
             </a:fld>
             <a:endParaRPr lang="en-US"/>
           </a:p>
@@ -3154,6 +3154,11 @@
             </a:path>
             <a:tileRect/>
           </a:gradFill>
+          <a:ln>
+            <a:solidFill>
+              <a:schemeClr val="tx1"/>
+            </a:solidFill>
+          </a:ln>
           <a:scene3d>
             <a:camera prst="isometricLeftDown"/>
             <a:lightRig rig="threePt" dir="t"/>
@@ -3203,15 +3208,16 @@
           </a:prstGeom>
           <a:gradFill flip="none" rotWithShape="1">
             <a:gsLst>
-              <a:gs pos="100000">
-                <a:schemeClr val="accent1"/>
+              <a:gs pos="88000">
+                <a:schemeClr val="accent1">
+                  <a:lumMod val="40000"/>
+                  <a:lumOff val="60000"/>
+                </a:schemeClr>
               </a:gs>
               <a:gs pos="0">
-                <a:schemeClr val="accent6">
-                  <a:tint val="55000"/>
-                  <a:satMod val="140000"/>
-                  <a:lumMod val="0"/>
-                  <a:lumOff val="100000"/>
+                <a:schemeClr val="tx1">
+                  <a:lumMod val="65000"/>
+                  <a:lumOff val="35000"/>
                 </a:schemeClr>
               </a:gs>
             </a:gsLst>
@@ -3288,6 +3294,11 @@
             </a:path>
             <a:tileRect/>
           </a:gradFill>
+          <a:ln>
+            <a:solidFill>
+              <a:schemeClr val="tx1"/>
+            </a:solidFill>
+          </a:ln>
           <a:scene3d>
             <a:camera prst="isometricLeftDown"/>
             <a:lightRig rig="threePt" dir="t"/>
@@ -4666,8 +4677,8 @@
           </p:sp>
         </mc:Fallback>
       </mc:AlternateContent>
-      <mc:AlternateContent xmlns:mc="http://schemas.openxmlformats.org/markup-compatibility/2006">
-        <mc:Choice xmlns:a14="http://schemas.microsoft.com/office/drawing/2010/main" Requires="a14">
+      <mc:AlternateContent xmlns:mc="http://schemas.openxmlformats.org/markup-compatibility/2006" xmlns:a14="http://schemas.microsoft.com/office/drawing/2010/main">
+        <mc:Choice Requires="a14">
           <p:sp>
             <p:nvSpPr>
               <p:cNvPr id="77" name="TextBox 76"/>
@@ -4690,6 +4701,7 @@
               </a:bodyPr>
               <a:lstStyle/>
               <a:p>
+                <a:pPr/>
                 <a14:m>
                   <m:oMathPara xmlns:m="http://schemas.openxmlformats.org/officeDocument/2006/math">
                     <m:oMathParaPr>
@@ -4734,7 +4746,7 @@
             </p:txBody>
           </p:sp>
         </mc:Choice>
-        <mc:Fallback>
+        <mc:Fallback xmlns="">
           <p:sp>
             <p:nvSpPr>
               <p:cNvPr id="77" name="TextBox 76"/>
@@ -5107,8 +5119,8 @@
           </a:fontRef>
         </p:style>
       </p:cxnSp>
-      <mc:AlternateContent xmlns:mc="http://schemas.openxmlformats.org/markup-compatibility/2006">
-        <mc:Choice xmlns:a14="http://schemas.microsoft.com/office/drawing/2010/main" Requires="a14">
+      <mc:AlternateContent xmlns:mc="http://schemas.openxmlformats.org/markup-compatibility/2006" xmlns:a14="http://schemas.microsoft.com/office/drawing/2010/main">
+        <mc:Choice Requires="a14">
           <p:sp>
             <p:nvSpPr>
               <p:cNvPr id="45" name="TextBox 44"/>
@@ -5131,6 +5143,7 @@
               </a:bodyPr>
               <a:lstStyle/>
               <a:p>
+                <a:pPr/>
                 <a14:m>
                   <m:oMathPara xmlns:m="http://schemas.openxmlformats.org/officeDocument/2006/math">
                     <m:oMathParaPr>
@@ -5175,7 +5188,7 @@
             </p:txBody>
           </p:sp>
         </mc:Choice>
-        <mc:Fallback>
+        <mc:Fallback xmlns="">
           <p:sp>
             <p:nvSpPr>
               <p:cNvPr id="45" name="TextBox 44"/>
@@ -6083,8 +6096,8 @@
           </a:p>
         </p:txBody>
       </p:sp>
-      <mc:AlternateContent xmlns:mc="http://schemas.openxmlformats.org/markup-compatibility/2006">
-        <mc:Choice xmlns:a14="http://schemas.microsoft.com/office/drawing/2010/main" Requires="a14">
+      <mc:AlternateContent xmlns:mc="http://schemas.openxmlformats.org/markup-compatibility/2006" xmlns:a14="http://schemas.microsoft.com/office/drawing/2010/main">
+        <mc:Choice Requires="a14">
           <p:sp>
             <p:nvSpPr>
               <p:cNvPr id="26" name="TextBox 25"/>
@@ -6107,6 +6120,7 @@
               </a:bodyPr>
               <a:lstStyle/>
               <a:p>
+                <a:pPr/>
                 <a14:m>
                   <m:oMathPara xmlns:m="http://schemas.openxmlformats.org/officeDocument/2006/math">
                     <m:oMathParaPr>
@@ -6151,7 +6165,7 @@
             </p:txBody>
           </p:sp>
         </mc:Choice>
-        <mc:Fallback>
+        <mc:Fallback xmlns="">
           <p:sp>
             <p:nvSpPr>
               <p:cNvPr id="26" name="TextBox 25"/>
@@ -6190,8 +6204,8 @@
           </p:sp>
         </mc:Fallback>
       </mc:AlternateContent>
-      <mc:AlternateContent xmlns:mc="http://schemas.openxmlformats.org/markup-compatibility/2006">
-        <mc:Choice xmlns:a14="http://schemas.microsoft.com/office/drawing/2010/main" Requires="a14">
+      <mc:AlternateContent xmlns:mc="http://schemas.openxmlformats.org/markup-compatibility/2006" xmlns:a14="http://schemas.microsoft.com/office/drawing/2010/main">
+        <mc:Choice Requires="a14">
           <p:sp>
             <p:nvSpPr>
               <p:cNvPr id="27" name="TextBox 26"/>
@@ -6214,6 +6228,7 @@
               </a:bodyPr>
               <a:lstStyle/>
               <a:p>
+                <a:pPr/>
                 <a14:m>
                   <m:oMathPara xmlns:m="http://schemas.openxmlformats.org/officeDocument/2006/math">
                     <m:oMathParaPr>
@@ -6258,7 +6273,7 @@
             </p:txBody>
           </p:sp>
         </mc:Choice>
-        <mc:Fallback>
+        <mc:Fallback xmlns="">
           <p:sp>
             <p:nvSpPr>
               <p:cNvPr id="27" name="TextBox 26"/>
@@ -6297,8 +6312,8 @@
           </p:sp>
         </mc:Fallback>
       </mc:AlternateContent>
-      <mc:AlternateContent xmlns:mc="http://schemas.openxmlformats.org/markup-compatibility/2006">
-        <mc:Choice xmlns:a14="http://schemas.microsoft.com/office/drawing/2010/main" Requires="a14">
+      <mc:AlternateContent xmlns:mc="http://schemas.openxmlformats.org/markup-compatibility/2006" xmlns:a14="http://schemas.microsoft.com/office/drawing/2010/main">
+        <mc:Choice Requires="a14">
           <p:sp>
             <p:nvSpPr>
               <p:cNvPr id="28" name="TextBox 27"/>
@@ -6321,6 +6336,7 @@
               </a:bodyPr>
               <a:lstStyle/>
               <a:p>
+                <a:pPr/>
                 <a14:m>
                   <m:oMathPara xmlns:m="http://schemas.openxmlformats.org/officeDocument/2006/math">
                     <m:oMathParaPr>
@@ -6365,7 +6381,7 @@
             </p:txBody>
           </p:sp>
         </mc:Choice>
-        <mc:Fallback>
+        <mc:Fallback xmlns="">
           <p:sp>
             <p:nvSpPr>
               <p:cNvPr id="28" name="TextBox 27"/>
@@ -6448,8 +6464,8 @@
           </a:p>
         </p:txBody>
       </p:sp>
-      <mc:AlternateContent xmlns:mc="http://schemas.openxmlformats.org/markup-compatibility/2006">
-        <mc:Choice xmlns:a14="http://schemas.microsoft.com/office/drawing/2010/main" Requires="a14">
+      <mc:AlternateContent xmlns:mc="http://schemas.openxmlformats.org/markup-compatibility/2006" xmlns:a14="http://schemas.microsoft.com/office/drawing/2010/main">
+        <mc:Choice Requires="a14">
           <p:sp>
             <p:nvSpPr>
               <p:cNvPr id="30" name="TextBox 29"/>
@@ -6472,6 +6488,7 @@
               </a:bodyPr>
               <a:lstStyle/>
               <a:p>
+                <a:pPr/>
                 <a14:m>
                   <m:oMathPara xmlns:m="http://schemas.openxmlformats.org/officeDocument/2006/math">
                     <m:oMathParaPr>
@@ -6497,7 +6514,7 @@
             </p:txBody>
           </p:sp>
         </mc:Choice>
-        <mc:Fallback>
+        <mc:Fallback xmlns="">
           <p:sp>
             <p:nvSpPr>
               <p:cNvPr id="30" name="TextBox 29"/>

--- a/Picture1ab.pptx
+++ b/Picture1ab.pptx
@@ -9,7 +9,7 @@
     <p:sldId id="257" r:id="rId3"/>
   </p:sldIdLst>
   <p:sldSz cx="12192000" cy="6858000"/>
-  <p:notesSz cx="6858000" cy="9144000"/>
+  <p:notesSz cx="7315200" cy="9601200"/>
   <p:defaultTextStyle>
     <a:defPPr>
       <a:defRPr lang="en-US"/>
@@ -244,7 +244,7 @@
           <a:p>
             <a:fld id="{D61CA99B-1A52-41E4-BE43-6641B2C1149F}" type="datetimeFigureOut">
               <a:rPr lang="en-US" smtClean="0"/>
-              <a:t>6/22/2015</a:t>
+              <a:t>8/11/2015</a:t>
             </a:fld>
             <a:endParaRPr lang="en-US"/>
           </a:p>
@@ -414,7 +414,7 @@
           <a:p>
             <a:fld id="{D61CA99B-1A52-41E4-BE43-6641B2C1149F}" type="datetimeFigureOut">
               <a:rPr lang="en-US" smtClean="0"/>
-              <a:t>6/22/2015</a:t>
+              <a:t>8/11/2015</a:t>
             </a:fld>
             <a:endParaRPr lang="en-US"/>
           </a:p>
@@ -594,7 +594,7 @@
           <a:p>
             <a:fld id="{D61CA99B-1A52-41E4-BE43-6641B2C1149F}" type="datetimeFigureOut">
               <a:rPr lang="en-US" smtClean="0"/>
-              <a:t>6/22/2015</a:t>
+              <a:t>8/11/2015</a:t>
             </a:fld>
             <a:endParaRPr lang="en-US"/>
           </a:p>
@@ -764,7 +764,7 @@
           <a:p>
             <a:fld id="{D61CA99B-1A52-41E4-BE43-6641B2C1149F}" type="datetimeFigureOut">
               <a:rPr lang="en-US" smtClean="0"/>
-              <a:t>6/22/2015</a:t>
+              <a:t>8/11/2015</a:t>
             </a:fld>
             <a:endParaRPr lang="en-US"/>
           </a:p>
@@ -1010,7 +1010,7 @@
           <a:p>
             <a:fld id="{D61CA99B-1A52-41E4-BE43-6641B2C1149F}" type="datetimeFigureOut">
               <a:rPr lang="en-US" smtClean="0"/>
-              <a:t>6/22/2015</a:t>
+              <a:t>8/11/2015</a:t>
             </a:fld>
             <a:endParaRPr lang="en-US"/>
           </a:p>
@@ -1242,7 +1242,7 @@
           <a:p>
             <a:fld id="{D61CA99B-1A52-41E4-BE43-6641B2C1149F}" type="datetimeFigureOut">
               <a:rPr lang="en-US" smtClean="0"/>
-              <a:t>6/22/2015</a:t>
+              <a:t>8/11/2015</a:t>
             </a:fld>
             <a:endParaRPr lang="en-US"/>
           </a:p>
@@ -1609,7 +1609,7 @@
           <a:p>
             <a:fld id="{D61CA99B-1A52-41E4-BE43-6641B2C1149F}" type="datetimeFigureOut">
               <a:rPr lang="en-US" smtClean="0"/>
-              <a:t>6/22/2015</a:t>
+              <a:t>8/11/2015</a:t>
             </a:fld>
             <a:endParaRPr lang="en-US"/>
           </a:p>
@@ -1727,7 +1727,7 @@
           <a:p>
             <a:fld id="{D61CA99B-1A52-41E4-BE43-6641B2C1149F}" type="datetimeFigureOut">
               <a:rPr lang="en-US" smtClean="0"/>
-              <a:t>6/22/2015</a:t>
+              <a:t>8/11/2015</a:t>
             </a:fld>
             <a:endParaRPr lang="en-US"/>
           </a:p>
@@ -1822,7 +1822,7 @@
           <a:p>
             <a:fld id="{D61CA99B-1A52-41E4-BE43-6641B2C1149F}" type="datetimeFigureOut">
               <a:rPr lang="en-US" smtClean="0"/>
-              <a:t>6/22/2015</a:t>
+              <a:t>8/11/2015</a:t>
             </a:fld>
             <a:endParaRPr lang="en-US"/>
           </a:p>
@@ -2099,7 +2099,7 @@
           <a:p>
             <a:fld id="{D61CA99B-1A52-41E4-BE43-6641B2C1149F}" type="datetimeFigureOut">
               <a:rPr lang="en-US" smtClean="0"/>
-              <a:t>6/22/2015</a:t>
+              <a:t>8/11/2015</a:t>
             </a:fld>
             <a:endParaRPr lang="en-US"/>
           </a:p>
@@ -2352,7 +2352,7 @@
           <a:p>
             <a:fld id="{D61CA99B-1A52-41E4-BE43-6641B2C1149F}" type="datetimeFigureOut">
               <a:rPr lang="en-US" smtClean="0"/>
-              <a:t>6/22/2015</a:t>
+              <a:t>8/11/2015</a:t>
             </a:fld>
             <a:endParaRPr lang="en-US"/>
           </a:p>
@@ -2565,7 +2565,7 @@
           <a:p>
             <a:fld id="{D61CA99B-1A52-41E4-BE43-6641B2C1149F}" type="datetimeFigureOut">
               <a:rPr lang="en-US" smtClean="0"/>
-              <a:t>6/22/2015</a:t>
+              <a:t>8/11/2015</a:t>
             </a:fld>
             <a:endParaRPr lang="en-US"/>
           </a:p>
@@ -3208,17 +3208,14 @@
           </a:prstGeom>
           <a:gradFill flip="none" rotWithShape="1">
             <a:gsLst>
-              <a:gs pos="88000">
+              <a:gs pos="58000">
                 <a:schemeClr val="accent1">
                   <a:lumMod val="40000"/>
                   <a:lumOff val="60000"/>
                 </a:schemeClr>
               </a:gs>
               <a:gs pos="0">
-                <a:schemeClr val="tx1">
-                  <a:lumMod val="65000"/>
-                  <a:lumOff val="35000"/>
-                </a:schemeClr>
+                <a:schemeClr val="bg1"/>
               </a:gs>
             </a:gsLst>
             <a:path path="circle">
@@ -3374,7 +3371,7 @@
         </p:nvSpPr>
         <p:spPr>
           <a:xfrm>
-            <a:off x="1897252" y="1558236"/>
+            <a:off x="1919700" y="1558236"/>
             <a:ext cx="878355" cy="276999"/>
           </a:xfrm>
           <a:prstGeom prst="rect">
@@ -3400,8 +3397,8 @@
           </a:p>
         </p:txBody>
       </p:sp>
-      <mc:AlternateContent xmlns:mc="http://schemas.openxmlformats.org/markup-compatibility/2006" xmlns:a14="http://schemas.microsoft.com/office/drawing/2010/main">
-        <mc:Choice Requires="a14">
+      <mc:AlternateContent xmlns:mc="http://schemas.openxmlformats.org/markup-compatibility/2006">
+        <mc:Choice xmlns:a14="http://schemas.microsoft.com/office/drawing/2010/main" Requires="a14">
           <p:sp>
             <p:nvSpPr>
               <p:cNvPr id="20" name="TextBox 19"/>
@@ -3410,8 +3407,8 @@
             </p:nvSpPr>
             <p:spPr>
               <a:xfrm>
-                <a:off x="1633913" y="1922366"/>
-                <a:ext cx="1482512" cy="291811"/>
+                <a:off x="1468332" y="1913457"/>
+                <a:ext cx="1781091" cy="291811"/>
               </a:xfrm>
               <a:prstGeom prst="rect">
                 <a:avLst/>
@@ -3469,6 +3466,51 @@
                         </m:r>
                       </m:sub>
                     </m:sSub>
+                    <m:r>
+                      <a:rPr lang="en-US" sz="1200" b="0" i="1" smtClean="0">
+                        <a:solidFill>
+                          <a:schemeClr val="tx1"/>
+                        </a:solidFill>
+                        <a:latin typeface="Cambria Math" panose="02040503050406030204" pitchFamily="18" charset="0"/>
+                      </a:rPr>
+                      <m:t>(</m:t>
+                    </m:r>
+                    <m:r>
+                      <a:rPr lang="en-US" sz="1200" b="0" i="1" smtClean="0">
+                        <a:solidFill>
+                          <a:schemeClr val="tx1"/>
+                        </a:solidFill>
+                        <a:latin typeface="Cambria Math" panose="02040503050406030204" pitchFamily="18" charset="0"/>
+                      </a:rPr>
+                      <m:t>𝑥</m:t>
+                    </m:r>
+                    <m:r>
+                      <a:rPr lang="en-US" sz="1200" b="0" i="1" smtClean="0">
+                        <a:solidFill>
+                          <a:schemeClr val="tx1"/>
+                        </a:solidFill>
+                        <a:latin typeface="Cambria Math" panose="02040503050406030204" pitchFamily="18" charset="0"/>
+                      </a:rPr>
+                      <m:t>,</m:t>
+                    </m:r>
+                    <m:r>
+                      <a:rPr lang="en-US" sz="1200" b="0" i="1" smtClean="0">
+                        <a:solidFill>
+                          <a:schemeClr val="tx1"/>
+                        </a:solidFill>
+                        <a:latin typeface="Cambria Math" panose="02040503050406030204" pitchFamily="18" charset="0"/>
+                      </a:rPr>
+                      <m:t>𝑦</m:t>
+                    </m:r>
+                    <m:r>
+                      <a:rPr lang="en-US" sz="1200" b="0" i="1" smtClean="0">
+                        <a:solidFill>
+                          <a:schemeClr val="tx1"/>
+                        </a:solidFill>
+                        <a:latin typeface="Cambria Math" panose="02040503050406030204" pitchFamily="18" charset="0"/>
+                      </a:rPr>
+                      <m:t>)</m:t>
+                    </m:r>
                   </m:oMath>
                 </a14:m>
                 <a:r>
@@ -3490,7 +3532,7 @@
             </p:txBody>
           </p:sp>
         </mc:Choice>
-        <mc:Fallback xmlns="">
+        <mc:Fallback>
           <p:sp>
             <p:nvSpPr>
               <p:cNvPr id="20" name="TextBox 19"/>
@@ -3501,8 +3543,8 @@
             </p:nvSpPr>
             <p:spPr>
               <a:xfrm>
-                <a:off x="1633913" y="1922366"/>
-                <a:ext cx="1482512" cy="291811"/>
+                <a:off x="1468332" y="1913457"/>
+                <a:ext cx="1781091" cy="291811"/>
               </a:xfrm>
               <a:prstGeom prst="rect">
                 <a:avLst/>
@@ -3510,7 +3552,7 @@
               <a:blipFill rotWithShape="0">
                 <a:blip r:embed="rId2"/>
                 <a:stretch>
-                  <a:fillRect b="-12500"/>
+                  <a:fillRect l="-342" b="-12500"/>
                 </a:stretch>
               </a:blipFill>
             </p:spPr>
@@ -3529,8 +3571,8 @@
           </p:sp>
         </mc:Fallback>
       </mc:AlternateContent>
-      <mc:AlternateContent xmlns:mc="http://schemas.openxmlformats.org/markup-compatibility/2006" xmlns:a14="http://schemas.microsoft.com/office/drawing/2010/main">
-        <mc:Choice Requires="a14">
+      <mc:AlternateContent xmlns:mc="http://schemas.openxmlformats.org/markup-compatibility/2006">
+        <mc:Choice xmlns:a14="http://schemas.microsoft.com/office/drawing/2010/main" Requires="a14">
           <p:sp>
             <p:nvSpPr>
               <p:cNvPr id="21" name="TextBox 20"/>
@@ -3539,8 +3581,8 @@
             </p:nvSpPr>
             <p:spPr>
               <a:xfrm>
-                <a:off x="1666857" y="3871896"/>
-                <a:ext cx="1449568" cy="276999"/>
+                <a:off x="1413977" y="3871896"/>
+                <a:ext cx="1889801" cy="276999"/>
               </a:xfrm>
               <a:prstGeom prst="rect">
                 <a:avLst/>
@@ -3598,6 +3640,51 @@
                         </m:r>
                       </m:sub>
                     </m:sSub>
+                    <m:r>
+                      <a:rPr lang="en-US" sz="1200" b="0" i="1" smtClean="0">
+                        <a:solidFill>
+                          <a:schemeClr val="tx1"/>
+                        </a:solidFill>
+                        <a:latin typeface="Cambria Math" panose="02040503050406030204" pitchFamily="18" charset="0"/>
+                      </a:rPr>
+                      <m:t>(</m:t>
+                    </m:r>
+                    <m:r>
+                      <a:rPr lang="en-US" sz="1200" b="0" i="1" smtClean="0">
+                        <a:solidFill>
+                          <a:schemeClr val="tx1"/>
+                        </a:solidFill>
+                        <a:latin typeface="Cambria Math" panose="02040503050406030204" pitchFamily="18" charset="0"/>
+                      </a:rPr>
+                      <m:t>𝑥</m:t>
+                    </m:r>
+                    <m:r>
+                      <a:rPr lang="en-US" sz="1200" b="0" i="1" smtClean="0">
+                        <a:solidFill>
+                          <a:schemeClr val="tx1"/>
+                        </a:solidFill>
+                        <a:latin typeface="Cambria Math" panose="02040503050406030204" pitchFamily="18" charset="0"/>
+                      </a:rPr>
+                      <m:t>,</m:t>
+                    </m:r>
+                    <m:r>
+                      <a:rPr lang="en-US" sz="1200" b="0" i="1" smtClean="0">
+                        <a:solidFill>
+                          <a:schemeClr val="tx1"/>
+                        </a:solidFill>
+                        <a:latin typeface="Cambria Math" panose="02040503050406030204" pitchFamily="18" charset="0"/>
+                      </a:rPr>
+                      <m:t>𝑦</m:t>
+                    </m:r>
+                    <m:r>
+                      <a:rPr lang="en-US" sz="1200" b="0" i="1" smtClean="0">
+                        <a:solidFill>
+                          <a:schemeClr val="tx1"/>
+                        </a:solidFill>
+                        <a:latin typeface="Cambria Math" panose="02040503050406030204" pitchFamily="18" charset="0"/>
+                      </a:rPr>
+                      <m:t>)</m:t>
+                    </m:r>
                   </m:oMath>
                 </a14:m>
                 <a:r>
@@ -3619,7 +3706,7 @@
             </p:txBody>
           </p:sp>
         </mc:Choice>
-        <mc:Fallback xmlns="">
+        <mc:Fallback>
           <p:sp>
             <p:nvSpPr>
               <p:cNvPr id="21" name="TextBox 20"/>
@@ -3630,8 +3717,8 @@
             </p:nvSpPr>
             <p:spPr>
               <a:xfrm>
-                <a:off x="1666857" y="3871896"/>
-                <a:ext cx="1449568" cy="276999"/>
+                <a:off x="1413977" y="3871896"/>
+                <a:ext cx="1889801" cy="276999"/>
               </a:xfrm>
               <a:prstGeom prst="rect">
                 <a:avLst/>
@@ -3639,7 +3726,7 @@
               <a:blipFill rotWithShape="0">
                 <a:blip r:embed="rId3"/>
                 <a:stretch>
-                  <a:fillRect b="-15217"/>
+                  <a:fillRect l="-323" b="-15217"/>
                 </a:stretch>
               </a:blipFill>
             </p:spPr>
@@ -5227,6 +5314,444 @@
           </p:sp>
         </mc:Fallback>
       </mc:AlternateContent>
+      <p:grpSp>
+        <p:nvGrpSpPr>
+          <p:cNvPr id="10" name="Group 9"/>
+          <p:cNvGrpSpPr/>
+          <p:nvPr/>
+        </p:nvGrpSpPr>
+        <p:grpSpPr>
+          <a:xfrm>
+            <a:off x="836142" y="250134"/>
+            <a:ext cx="466410" cy="745311"/>
+            <a:chOff x="836142" y="221559"/>
+            <a:chExt cx="466410" cy="745311"/>
+          </a:xfrm>
+        </p:grpSpPr>
+        <p:cxnSp>
+          <p:nvCxnSpPr>
+            <p:cNvPr id="46" name="Straight Arrow Connector 45"/>
+            <p:cNvCxnSpPr/>
+            <p:nvPr/>
+          </p:nvCxnSpPr>
+          <p:spPr>
+            <a:xfrm rot="18060000">
+              <a:off x="1075397" y="439820"/>
+              <a:ext cx="0" cy="411480"/>
+            </a:xfrm>
+            <a:prstGeom prst="straightConnector1">
+              <a:avLst/>
+            </a:prstGeom>
+            <a:ln w="12700">
+              <a:tailEnd type="triangle"/>
+            </a:ln>
+          </p:spPr>
+          <p:style>
+            <a:lnRef idx="1">
+              <a:schemeClr val="accent1"/>
+            </a:lnRef>
+            <a:fillRef idx="0">
+              <a:schemeClr val="accent1"/>
+            </a:fillRef>
+            <a:effectRef idx="0">
+              <a:schemeClr val="accent1"/>
+            </a:effectRef>
+            <a:fontRef idx="minor">
+              <a:schemeClr val="tx1"/>
+            </a:fontRef>
+          </p:style>
+        </p:cxnSp>
+        <mc:AlternateContent xmlns:mc="http://schemas.openxmlformats.org/markup-compatibility/2006">
+          <mc:Choice xmlns:a14="http://schemas.microsoft.com/office/drawing/2010/main" Requires="a14">
+            <p:sp>
+              <p:nvSpPr>
+                <p:cNvPr id="48" name="TextBox 47"/>
+                <p:cNvSpPr txBox="1"/>
+                <p:nvPr/>
+              </p:nvSpPr>
+              <p:spPr>
+                <a:xfrm>
+                  <a:off x="1049060" y="483512"/>
+                  <a:ext cx="205486" cy="276999"/>
+                </a:xfrm>
+                <a:prstGeom prst="rect">
+                  <a:avLst/>
+                </a:prstGeom>
+                <a:noFill/>
+              </p:spPr>
+              <p:txBody>
+                <a:bodyPr wrap="square" rtlCol="0">
+                  <a:spAutoFit/>
+                </a:bodyPr>
+                <a:lstStyle/>
+                <a:p>
+                  <a:pPr/>
+                  <a14:m>
+                    <m:oMathPara xmlns:m="http://schemas.openxmlformats.org/officeDocument/2006/math">
+                      <m:oMathParaPr>
+                        <m:jc m:val="centerGroup"/>
+                      </m:oMathParaPr>
+                      <m:oMath xmlns:m="http://schemas.openxmlformats.org/officeDocument/2006/math">
+                        <m:sSub>
+                          <m:sSubPr>
+                            <m:ctrlPr>
+                              <a:rPr lang="en-US" sz="1200" i="1" smtClean="0">
+                                <a:latin typeface="Cambria Math" panose="02040503050406030204" pitchFamily="18" charset="0"/>
+                              </a:rPr>
+                            </m:ctrlPr>
+                          </m:sSubPr>
+                          <m:e>
+                            <m:r>
+                              <a:rPr lang="en-US" sz="1200" b="0" i="1" smtClean="0">
+                                <a:latin typeface="Cambria Math" panose="02040503050406030204" pitchFamily="18" charset="0"/>
+                              </a:rPr>
+                              <m:t>𝑒</m:t>
+                            </m:r>
+                          </m:e>
+                          <m:sub>
+                            <m:r>
+                              <a:rPr lang="en-US" sz="1200" b="0" i="1" smtClean="0">
+                                <a:latin typeface="Cambria Math" panose="02040503050406030204" pitchFamily="18" charset="0"/>
+                              </a:rPr>
+                              <m:t>𝑥</m:t>
+                            </m:r>
+                          </m:sub>
+                        </m:sSub>
+                      </m:oMath>
+                    </m:oMathPara>
+                  </a14:m>
+                  <a:endParaRPr lang="en-US" sz="1200" dirty="0">
+                    <a:solidFill>
+                      <a:schemeClr val="tx1"/>
+                    </a:solidFill>
+                    <a:latin typeface="cmbx12" panose="020B0500000000000000" pitchFamily="34" charset="0"/>
+                  </a:endParaRPr>
+                </a:p>
+              </p:txBody>
+            </p:sp>
+          </mc:Choice>
+          <mc:Fallback>
+            <p:sp>
+              <p:nvSpPr>
+                <p:cNvPr id="48" name="TextBox 47"/>
+                <p:cNvSpPr txBox="1">
+                  <a:spLocks noRot="1" noChangeAspect="1" noMove="1" noResize="1" noEditPoints="1" noAdjustHandles="1" noChangeArrowheads="1" noChangeShapeType="1" noTextEdit="1"/>
+                </p:cNvSpPr>
+                <p:nvPr/>
+              </p:nvSpPr>
+              <p:spPr>
+                <a:xfrm>
+                  <a:off x="1049060" y="483512"/>
+                  <a:ext cx="205486" cy="276999"/>
+                </a:xfrm>
+                <a:prstGeom prst="rect">
+                  <a:avLst/>
+                </a:prstGeom>
+                <a:blipFill rotWithShape="0">
+                  <a:blip r:embed="rId7"/>
+                  <a:stretch>
+                    <a:fillRect r="-23529"/>
+                  </a:stretch>
+                </a:blipFill>
+              </p:spPr>
+              <p:txBody>
+                <a:bodyPr/>
+                <a:lstStyle/>
+                <a:p>
+                  <a:r>
+                    <a:rPr lang="en-US">
+                      <a:noFill/>
+                    </a:rPr>
+                    <a:t> </a:t>
+                  </a:r>
+                </a:p>
+              </p:txBody>
+            </p:sp>
+          </mc:Fallback>
+        </mc:AlternateContent>
+        <mc:AlternateContent xmlns:mc="http://schemas.openxmlformats.org/markup-compatibility/2006">
+          <mc:Choice xmlns:a14="http://schemas.microsoft.com/office/drawing/2010/main" Requires="a14">
+            <p:sp>
+              <p:nvSpPr>
+                <p:cNvPr id="49" name="TextBox 48"/>
+                <p:cNvSpPr txBox="1"/>
+                <p:nvPr/>
+              </p:nvSpPr>
+              <p:spPr>
+                <a:xfrm>
+                  <a:off x="972654" y="221559"/>
+                  <a:ext cx="205486" cy="276999"/>
+                </a:xfrm>
+                <a:prstGeom prst="rect">
+                  <a:avLst/>
+                </a:prstGeom>
+                <a:noFill/>
+              </p:spPr>
+              <p:txBody>
+                <a:bodyPr wrap="square" rtlCol="0">
+                  <a:spAutoFit/>
+                </a:bodyPr>
+                <a:lstStyle/>
+                <a:p>
+                  <a:pPr/>
+                  <a14:m>
+                    <m:oMathPara xmlns:m="http://schemas.openxmlformats.org/officeDocument/2006/math">
+                      <m:oMathParaPr>
+                        <m:jc m:val="centerGroup"/>
+                      </m:oMathParaPr>
+                      <m:oMath xmlns:m="http://schemas.openxmlformats.org/officeDocument/2006/math">
+                        <m:sSub>
+                          <m:sSubPr>
+                            <m:ctrlPr>
+                              <a:rPr lang="en-US" sz="1200" i="1" smtClean="0">
+                                <a:latin typeface="Cambria Math" panose="02040503050406030204" pitchFamily="18" charset="0"/>
+                              </a:rPr>
+                            </m:ctrlPr>
+                          </m:sSubPr>
+                          <m:e>
+                            <m:r>
+                              <a:rPr lang="en-US" sz="1200" b="0" i="1" smtClean="0">
+                                <a:latin typeface="Cambria Math" panose="02040503050406030204" pitchFamily="18" charset="0"/>
+                              </a:rPr>
+                              <m:t>𝑒</m:t>
+                            </m:r>
+                          </m:e>
+                          <m:sub>
+                            <m:r>
+                              <a:rPr lang="en-US" sz="1200" b="0" i="1" smtClean="0">
+                                <a:latin typeface="Cambria Math" panose="02040503050406030204" pitchFamily="18" charset="0"/>
+                              </a:rPr>
+                              <m:t>𝑧</m:t>
+                            </m:r>
+                          </m:sub>
+                        </m:sSub>
+                      </m:oMath>
+                    </m:oMathPara>
+                  </a14:m>
+                  <a:endParaRPr lang="en-US" sz="1200" dirty="0">
+                    <a:solidFill>
+                      <a:schemeClr val="tx1"/>
+                    </a:solidFill>
+                    <a:latin typeface="cmbx12" panose="020B0500000000000000" pitchFamily="34" charset="0"/>
+                  </a:endParaRPr>
+                </a:p>
+              </p:txBody>
+            </p:sp>
+          </mc:Choice>
+          <mc:Fallback>
+            <p:sp>
+              <p:nvSpPr>
+                <p:cNvPr id="49" name="TextBox 48"/>
+                <p:cNvSpPr txBox="1">
+                  <a:spLocks noRot="1" noChangeAspect="1" noMove="1" noResize="1" noEditPoints="1" noAdjustHandles="1" noChangeArrowheads="1" noChangeShapeType="1" noTextEdit="1"/>
+                </p:cNvSpPr>
+                <p:nvPr/>
+              </p:nvSpPr>
+              <p:spPr>
+                <a:xfrm>
+                  <a:off x="972654" y="221559"/>
+                  <a:ext cx="205486" cy="276999"/>
+                </a:xfrm>
+                <a:prstGeom prst="rect">
+                  <a:avLst/>
+                </a:prstGeom>
+                <a:blipFill rotWithShape="0">
+                  <a:blip r:embed="rId8"/>
+                  <a:stretch>
+                    <a:fillRect r="-24242"/>
+                  </a:stretch>
+                </a:blipFill>
+              </p:spPr>
+              <p:txBody>
+                <a:bodyPr/>
+                <a:lstStyle/>
+                <a:p>
+                  <a:r>
+                    <a:rPr lang="en-US">
+                      <a:noFill/>
+                    </a:rPr>
+                    <a:t> </a:t>
+                  </a:r>
+                </a:p>
+              </p:txBody>
+            </p:sp>
+          </mc:Fallback>
+        </mc:AlternateContent>
+        <p:cxnSp>
+          <p:nvCxnSpPr>
+            <p:cNvPr id="60" name="Straight Arrow Connector 59"/>
+            <p:cNvCxnSpPr/>
+            <p:nvPr/>
+          </p:nvCxnSpPr>
+          <p:spPr>
+            <a:xfrm>
+              <a:off x="899210" y="539455"/>
+              <a:ext cx="0" cy="411480"/>
+            </a:xfrm>
+            <a:prstGeom prst="straightConnector1">
+              <a:avLst/>
+            </a:prstGeom>
+            <a:ln w="12700">
+              <a:tailEnd type="triangle"/>
+            </a:ln>
+          </p:spPr>
+          <p:style>
+            <a:lnRef idx="1">
+              <a:schemeClr val="accent1"/>
+            </a:lnRef>
+            <a:fillRef idx="0">
+              <a:schemeClr val="accent1"/>
+            </a:fillRef>
+            <a:effectRef idx="0">
+              <a:schemeClr val="accent1"/>
+            </a:effectRef>
+            <a:fontRef idx="minor">
+              <a:schemeClr val="tx1"/>
+            </a:fontRef>
+          </p:style>
+        </p:cxnSp>
+        <p:cxnSp>
+          <p:nvCxnSpPr>
+            <p:cNvPr id="61" name="Straight Arrow Connector 60"/>
+            <p:cNvCxnSpPr/>
+            <p:nvPr/>
+          </p:nvCxnSpPr>
+          <p:spPr>
+            <a:xfrm rot="4440000" flipV="1">
+              <a:off x="1096812" y="278629"/>
+              <a:ext cx="0" cy="411480"/>
+            </a:xfrm>
+            <a:prstGeom prst="straightConnector1">
+              <a:avLst/>
+            </a:prstGeom>
+            <a:ln w="12700">
+              <a:tailEnd type="triangle"/>
+            </a:ln>
+          </p:spPr>
+          <p:style>
+            <a:lnRef idx="1">
+              <a:schemeClr val="accent1"/>
+            </a:lnRef>
+            <a:fillRef idx="0">
+              <a:schemeClr val="accent1"/>
+            </a:fillRef>
+            <a:effectRef idx="0">
+              <a:schemeClr val="accent1"/>
+            </a:effectRef>
+            <a:fontRef idx="minor">
+              <a:schemeClr val="tx1"/>
+            </a:fontRef>
+          </p:style>
+        </p:cxnSp>
+        <mc:AlternateContent xmlns:mc="http://schemas.openxmlformats.org/markup-compatibility/2006">
+          <mc:Choice xmlns:a14="http://schemas.microsoft.com/office/drawing/2010/main" Requires="a14">
+            <p:sp>
+              <p:nvSpPr>
+                <p:cNvPr id="62" name="TextBox 61"/>
+                <p:cNvSpPr txBox="1"/>
+                <p:nvPr/>
+              </p:nvSpPr>
+              <p:spPr>
+                <a:xfrm>
+                  <a:off x="836142" y="675252"/>
+                  <a:ext cx="205486" cy="291618"/>
+                </a:xfrm>
+                <a:prstGeom prst="rect">
+                  <a:avLst/>
+                </a:prstGeom>
+                <a:noFill/>
+              </p:spPr>
+              <p:txBody>
+                <a:bodyPr wrap="square" rtlCol="0">
+                  <a:spAutoFit/>
+                </a:bodyPr>
+                <a:lstStyle/>
+                <a:p>
+                  <a:pPr/>
+                  <a14:m>
+                    <m:oMathPara xmlns:m="http://schemas.openxmlformats.org/officeDocument/2006/math">
+                      <m:oMathParaPr>
+                        <m:jc m:val="centerGroup"/>
+                      </m:oMathParaPr>
+                      <m:oMath xmlns:m="http://schemas.openxmlformats.org/officeDocument/2006/math">
+                        <m:sSub>
+                          <m:sSubPr>
+                            <m:ctrlPr>
+                              <a:rPr lang="en-US" sz="1200" i="1" smtClean="0">
+                                <a:latin typeface="Cambria Math" panose="02040503050406030204" pitchFamily="18" charset="0"/>
+                              </a:rPr>
+                            </m:ctrlPr>
+                          </m:sSubPr>
+                          <m:e>
+                            <m:r>
+                              <a:rPr lang="en-US" sz="1200" b="0" i="1" smtClean="0">
+                                <a:latin typeface="Cambria Math" panose="02040503050406030204" pitchFamily="18" charset="0"/>
+                              </a:rPr>
+                              <m:t>𝑒</m:t>
+                            </m:r>
+                          </m:e>
+                          <m:sub>
+                            <m:r>
+                              <a:rPr lang="en-US" sz="1200" b="0" i="1" smtClean="0">
+                                <a:latin typeface="Cambria Math" panose="02040503050406030204" pitchFamily="18" charset="0"/>
+                              </a:rPr>
+                              <m:t>𝑦</m:t>
+                            </m:r>
+                          </m:sub>
+                        </m:sSub>
+                      </m:oMath>
+                    </m:oMathPara>
+                  </a14:m>
+                  <a:endParaRPr lang="en-US" sz="1200" dirty="0">
+                    <a:solidFill>
+                      <a:schemeClr val="tx1"/>
+                    </a:solidFill>
+                    <a:latin typeface="cmbx12" panose="020B0500000000000000" pitchFamily="34" charset="0"/>
+                  </a:endParaRPr>
+                </a:p>
+              </p:txBody>
+            </p:sp>
+          </mc:Choice>
+          <mc:Fallback>
+            <p:sp>
+              <p:nvSpPr>
+                <p:cNvPr id="62" name="TextBox 61"/>
+                <p:cNvSpPr txBox="1">
+                  <a:spLocks noRot="1" noChangeAspect="1" noMove="1" noResize="1" noEditPoints="1" noAdjustHandles="1" noChangeArrowheads="1" noChangeShapeType="1" noTextEdit="1"/>
+                </p:cNvSpPr>
+                <p:nvPr/>
+              </p:nvSpPr>
+              <p:spPr>
+                <a:xfrm>
+                  <a:off x="836142" y="675252"/>
+                  <a:ext cx="205486" cy="291618"/>
+                </a:xfrm>
+                <a:prstGeom prst="rect">
+                  <a:avLst/>
+                </a:prstGeom>
+                <a:blipFill rotWithShape="0">
+                  <a:blip r:embed="rId9"/>
+                  <a:stretch>
+                    <a:fillRect r="-29412"/>
+                  </a:stretch>
+                </a:blipFill>
+              </p:spPr>
+              <p:txBody>
+                <a:bodyPr/>
+                <a:lstStyle/>
+                <a:p>
+                  <a:r>
+                    <a:rPr lang="en-US">
+                      <a:noFill/>
+                    </a:rPr>
+                    <a:t> </a:t>
+                  </a:r>
+                </a:p>
+              </p:txBody>
+            </p:sp>
+          </mc:Fallback>
+        </mc:AlternateContent>
+      </p:grpSp>
     </p:spTree>
     <p:extLst>
       <p:ext uri="{BB962C8B-B14F-4D97-AF65-F5344CB8AC3E}">
@@ -5271,7 +5796,7 @@
           <a:prstGeom prst="ellipse">
             <a:avLst/>
           </a:prstGeom>
-          <a:pattFill prst="pct10">
+          <a:pattFill prst="pct25">
             <a:fgClr>
               <a:schemeClr val="accent1"/>
             </a:fgClr>
@@ -6009,95 +6534,8 @@
           </a:fontRef>
         </p:style>
       </p:cxnSp>
-      <p:sp>
-        <p:nvSpPr>
-          <p:cNvPr id="24" name="Oval 23"/>
-          <p:cNvSpPr/>
-          <p:nvPr/>
-        </p:nvSpPr>
-        <p:spPr>
-          <a:xfrm>
-            <a:off x="6183191" y="5014935"/>
-            <a:ext cx="182880" cy="182880"/>
-          </a:xfrm>
-          <a:prstGeom prst="ellipse">
-            <a:avLst/>
-          </a:prstGeom>
-          <a:solidFill>
-            <a:schemeClr val="bg1"/>
-          </a:solidFill>
-        </p:spPr>
-        <p:style>
-          <a:lnRef idx="2">
-            <a:schemeClr val="accent1">
-              <a:shade val="50000"/>
-            </a:schemeClr>
-          </a:lnRef>
-          <a:fillRef idx="1">
-            <a:schemeClr val="accent1"/>
-          </a:fillRef>
-          <a:effectRef idx="0">
-            <a:schemeClr val="accent1"/>
-          </a:effectRef>
-          <a:fontRef idx="minor">
-            <a:schemeClr val="lt1"/>
-          </a:fontRef>
-        </p:style>
-        <p:txBody>
-          <a:bodyPr rtlCol="0" anchor="ctr"/>
-          <a:lstStyle/>
-          <a:p>
-            <a:pPr algn="ctr"/>
-            <a:endParaRPr lang="en-US"/>
-          </a:p>
-        </p:txBody>
-      </p:sp>
-      <p:sp>
-        <p:nvSpPr>
-          <p:cNvPr id="25" name="Flowchart: Summing Junction 24"/>
-          <p:cNvSpPr/>
-          <p:nvPr/>
-        </p:nvSpPr>
-        <p:spPr>
-          <a:xfrm>
-            <a:off x="4740040" y="5704942"/>
-            <a:ext cx="137160" cy="137160"/>
-          </a:xfrm>
-          <a:prstGeom prst="flowChartSummingJunction">
-            <a:avLst/>
-          </a:prstGeom>
-          <a:solidFill>
-            <a:schemeClr val="bg1"/>
-          </a:solidFill>
-          <a:ln w="12700"/>
-        </p:spPr>
-        <p:style>
-          <a:lnRef idx="2">
-            <a:schemeClr val="accent1">
-              <a:shade val="50000"/>
-            </a:schemeClr>
-          </a:lnRef>
-          <a:fillRef idx="1">
-            <a:schemeClr val="accent1"/>
-          </a:fillRef>
-          <a:effectRef idx="0">
-            <a:schemeClr val="accent1"/>
-          </a:effectRef>
-          <a:fontRef idx="minor">
-            <a:schemeClr val="lt1"/>
-          </a:fontRef>
-        </p:style>
-        <p:txBody>
-          <a:bodyPr rtlCol="0" anchor="ctr"/>
-          <a:lstStyle/>
-          <a:p>
-            <a:pPr algn="ctr"/>
-            <a:endParaRPr lang="en-US"/>
-          </a:p>
-        </p:txBody>
-      </p:sp>
-      <mc:AlternateContent xmlns:mc="http://schemas.openxmlformats.org/markup-compatibility/2006" xmlns:a14="http://schemas.microsoft.com/office/drawing/2010/main">
-        <mc:Choice Requires="a14">
+      <mc:AlternateContent xmlns:mc="http://schemas.openxmlformats.org/markup-compatibility/2006">
+        <mc:Choice xmlns:a14="http://schemas.microsoft.com/office/drawing/2010/main" Requires="a14">
           <p:sp>
             <p:nvSpPr>
               <p:cNvPr id="26" name="TextBox 25"/>
@@ -6107,7 +6545,7 @@
             <p:spPr>
               <a:xfrm>
                 <a:off x="4529996" y="5314593"/>
-                <a:ext cx="205486" cy="286447"/>
+                <a:ext cx="205486" cy="291618"/>
               </a:xfrm>
               <a:prstGeom prst="rect">
                 <a:avLst/>
@@ -6148,7 +6586,7 @@
                             <a:rPr lang="en-US" sz="1200" b="0" i="1" smtClean="0">
                               <a:latin typeface="Cambria Math" panose="02040503050406030204" pitchFamily="18" charset="0"/>
                             </a:rPr>
-                            <m:t>𝑧</m:t>
+                            <m:t>𝑦</m:t>
                           </m:r>
                         </m:sub>
                       </m:sSub>
@@ -6165,7 +6603,7 @@
             </p:txBody>
           </p:sp>
         </mc:Choice>
-        <mc:Fallback xmlns="">
+        <mc:Fallback>
           <p:sp>
             <p:nvSpPr>
               <p:cNvPr id="26" name="TextBox 25"/>
@@ -6177,7 +6615,7 @@
             <p:spPr>
               <a:xfrm>
                 <a:off x="4529996" y="5314593"/>
-                <a:ext cx="205486" cy="286447"/>
+                <a:ext cx="205486" cy="291618"/>
               </a:xfrm>
               <a:prstGeom prst="rect">
                 <a:avLst/>
@@ -6185,7 +6623,7 @@
               <a:blipFill rotWithShape="0">
                 <a:blip r:embed="rId2"/>
                 <a:stretch>
-                  <a:fillRect r="-20588"/>
+                  <a:fillRect r="-29412"/>
                 </a:stretch>
               </a:blipFill>
             </p:spPr>
@@ -6312,8 +6750,8 @@
           </p:sp>
         </mc:Fallback>
       </mc:AlternateContent>
-      <mc:AlternateContent xmlns:mc="http://schemas.openxmlformats.org/markup-compatibility/2006" xmlns:a14="http://schemas.microsoft.com/office/drawing/2010/main">
-        <mc:Choice Requires="a14">
+      <mc:AlternateContent xmlns:mc="http://schemas.openxmlformats.org/markup-compatibility/2006">
+        <mc:Choice xmlns:a14="http://schemas.microsoft.com/office/drawing/2010/main" Requires="a14">
           <p:sp>
             <p:nvSpPr>
               <p:cNvPr id="28" name="TextBox 27"/>
@@ -6323,7 +6761,7 @@
             <p:spPr>
               <a:xfrm>
                 <a:off x="4545099" y="5722705"/>
-                <a:ext cx="205486" cy="291618"/>
+                <a:ext cx="205486" cy="276999"/>
               </a:xfrm>
               <a:prstGeom prst="rect">
                 <a:avLst/>
@@ -6364,7 +6802,7 @@
                             <a:rPr lang="en-US" sz="1200" b="0" i="1" smtClean="0">
                               <a:latin typeface="Cambria Math" panose="02040503050406030204" pitchFamily="18" charset="0"/>
                             </a:rPr>
-                            <m:t>𝑦</m:t>
+                            <m:t>𝑧</m:t>
                           </m:r>
                         </m:sub>
                       </m:sSub>
@@ -6381,7 +6819,7 @@
             </p:txBody>
           </p:sp>
         </mc:Choice>
-        <mc:Fallback xmlns="">
+        <mc:Fallback>
           <p:sp>
             <p:nvSpPr>
               <p:cNvPr id="28" name="TextBox 27"/>
@@ -6393,7 +6831,7 @@
             <p:spPr>
               <a:xfrm>
                 <a:off x="4545099" y="5722705"/>
-                <a:ext cx="205486" cy="291618"/>
+                <a:ext cx="205486" cy="276999"/>
               </a:xfrm>
               <a:prstGeom prst="rect">
                 <a:avLst/>
@@ -6401,7 +6839,7 @@
               <a:blipFill rotWithShape="0">
                 <a:blip r:embed="rId4"/>
                 <a:stretch>
-                  <a:fillRect r="-33333"/>
+                  <a:fillRect r="-24242"/>
                 </a:stretch>
               </a:blipFill>
             </p:spPr>
@@ -6420,50 +6858,6 @@
           </p:sp>
         </mc:Fallback>
       </mc:AlternateContent>
-      <p:sp>
-        <p:nvSpPr>
-          <p:cNvPr id="29" name="Flowchart: Summing Junction 28"/>
-          <p:cNvSpPr/>
-          <p:nvPr/>
-        </p:nvSpPr>
-        <p:spPr>
-          <a:xfrm>
-            <a:off x="1837575" y="5680639"/>
-            <a:ext cx="137160" cy="137160"/>
-          </a:xfrm>
-          <a:prstGeom prst="flowChartSummingJunction">
-            <a:avLst/>
-          </a:prstGeom>
-          <a:solidFill>
-            <a:schemeClr val="bg1"/>
-          </a:solidFill>
-          <a:ln w="12700"/>
-        </p:spPr>
-        <p:style>
-          <a:lnRef idx="2">
-            <a:schemeClr val="accent1">
-              <a:shade val="50000"/>
-            </a:schemeClr>
-          </a:lnRef>
-          <a:fillRef idx="1">
-            <a:schemeClr val="accent1"/>
-          </a:fillRef>
-          <a:effectRef idx="0">
-            <a:schemeClr val="accent1"/>
-          </a:effectRef>
-          <a:fontRef idx="minor">
-            <a:schemeClr val="lt1"/>
-          </a:fontRef>
-        </p:style>
-        <p:txBody>
-          <a:bodyPr rtlCol="0" anchor="ctr"/>
-          <a:lstStyle/>
-          <a:p>
-            <a:pPr algn="ctr"/>
-            <a:endParaRPr lang="en-US"/>
-          </a:p>
-        </p:txBody>
-      </p:sp>
       <mc:AlternateContent xmlns:mc="http://schemas.openxmlformats.org/markup-compatibility/2006" xmlns:a14="http://schemas.microsoft.com/office/drawing/2010/main">
         <mc:Choice Requires="a14">
           <p:sp>
@@ -6553,6 +6947,228 @@
           </p:sp>
         </mc:Fallback>
       </mc:AlternateContent>
+      <p:grpSp>
+        <p:nvGrpSpPr>
+          <p:cNvPr id="7" name="Group 6"/>
+          <p:cNvGrpSpPr/>
+          <p:nvPr/>
+        </p:nvGrpSpPr>
+        <p:grpSpPr>
+          <a:xfrm>
+            <a:off x="4740040" y="5704942"/>
+            <a:ext cx="137160" cy="137160"/>
+            <a:chOff x="4740040" y="5704942"/>
+            <a:chExt cx="137160" cy="137160"/>
+          </a:xfrm>
+        </p:grpSpPr>
+        <p:sp>
+          <p:nvSpPr>
+            <p:cNvPr id="25" name="Oval 24"/>
+            <p:cNvSpPr/>
+            <p:nvPr/>
+          </p:nvSpPr>
+          <p:spPr>
+            <a:xfrm>
+              <a:off x="4740040" y="5704942"/>
+              <a:ext cx="137160" cy="137160"/>
+            </a:xfrm>
+            <a:prstGeom prst="ellipse">
+              <a:avLst/>
+            </a:prstGeom>
+            <a:solidFill>
+              <a:schemeClr val="bg1"/>
+            </a:solidFill>
+            <a:ln w="12700"/>
+          </p:spPr>
+          <p:style>
+            <a:lnRef idx="2">
+              <a:schemeClr val="accent1">
+                <a:shade val="50000"/>
+              </a:schemeClr>
+            </a:lnRef>
+            <a:fillRef idx="1">
+              <a:schemeClr val="accent1"/>
+            </a:fillRef>
+            <a:effectRef idx="0">
+              <a:schemeClr val="accent1"/>
+            </a:effectRef>
+            <a:fontRef idx="minor">
+              <a:schemeClr val="lt1"/>
+            </a:fontRef>
+          </p:style>
+          <p:txBody>
+            <a:bodyPr rtlCol="0" anchor="ctr"/>
+            <a:lstStyle/>
+            <a:p>
+              <a:pPr algn="ctr"/>
+              <a:endParaRPr lang="en-US"/>
+            </a:p>
+          </p:txBody>
+        </p:sp>
+        <p:sp>
+          <p:nvSpPr>
+            <p:cNvPr id="23" name="Oval 22"/>
+            <p:cNvSpPr/>
+            <p:nvPr/>
+          </p:nvSpPr>
+          <p:spPr>
+            <a:xfrm>
+              <a:off x="4785760" y="5750663"/>
+              <a:ext cx="45720" cy="45719"/>
+            </a:xfrm>
+            <a:prstGeom prst="ellipse">
+              <a:avLst/>
+            </a:prstGeom>
+            <a:solidFill>
+              <a:schemeClr val="accent1">
+                <a:lumMod val="75000"/>
+              </a:schemeClr>
+            </a:solidFill>
+            <a:ln w="12700">
+              <a:solidFill>
+                <a:schemeClr val="accent1">
+                  <a:lumMod val="75000"/>
+                </a:schemeClr>
+              </a:solidFill>
+            </a:ln>
+          </p:spPr>
+          <p:style>
+            <a:lnRef idx="2">
+              <a:schemeClr val="accent1">
+                <a:shade val="50000"/>
+              </a:schemeClr>
+            </a:lnRef>
+            <a:fillRef idx="1">
+              <a:schemeClr val="accent1"/>
+            </a:fillRef>
+            <a:effectRef idx="0">
+              <a:schemeClr val="accent1"/>
+            </a:effectRef>
+            <a:fontRef idx="minor">
+              <a:schemeClr val="lt1"/>
+            </a:fontRef>
+          </p:style>
+          <p:txBody>
+            <a:bodyPr rtlCol="0" anchor="ctr"/>
+            <a:lstStyle/>
+            <a:p>
+              <a:pPr algn="ctr"/>
+              <a:endParaRPr lang="en-US" dirty="0"/>
+            </a:p>
+          </p:txBody>
+        </p:sp>
+      </p:grpSp>
+      <p:grpSp>
+        <p:nvGrpSpPr>
+          <p:cNvPr id="35" name="Group 34"/>
+          <p:cNvGrpSpPr/>
+          <p:nvPr/>
+        </p:nvGrpSpPr>
+        <p:grpSpPr>
+          <a:xfrm>
+            <a:off x="1852678" y="5703056"/>
+            <a:ext cx="137160" cy="137160"/>
+            <a:chOff x="4740040" y="5704942"/>
+            <a:chExt cx="137160" cy="137160"/>
+          </a:xfrm>
+        </p:grpSpPr>
+        <p:sp>
+          <p:nvSpPr>
+            <p:cNvPr id="36" name="Oval 35"/>
+            <p:cNvSpPr/>
+            <p:nvPr/>
+          </p:nvSpPr>
+          <p:spPr>
+            <a:xfrm>
+              <a:off x="4740040" y="5704942"/>
+              <a:ext cx="137160" cy="137160"/>
+            </a:xfrm>
+            <a:prstGeom prst="ellipse">
+              <a:avLst/>
+            </a:prstGeom>
+            <a:solidFill>
+              <a:schemeClr val="bg1"/>
+            </a:solidFill>
+            <a:ln w="12700"/>
+          </p:spPr>
+          <p:style>
+            <a:lnRef idx="2">
+              <a:schemeClr val="accent1">
+                <a:shade val="50000"/>
+              </a:schemeClr>
+            </a:lnRef>
+            <a:fillRef idx="1">
+              <a:schemeClr val="accent1"/>
+            </a:fillRef>
+            <a:effectRef idx="0">
+              <a:schemeClr val="accent1"/>
+            </a:effectRef>
+            <a:fontRef idx="minor">
+              <a:schemeClr val="lt1"/>
+            </a:fontRef>
+          </p:style>
+          <p:txBody>
+            <a:bodyPr rtlCol="0" anchor="ctr"/>
+            <a:lstStyle/>
+            <a:p>
+              <a:pPr algn="ctr"/>
+              <a:endParaRPr lang="en-US"/>
+            </a:p>
+          </p:txBody>
+        </p:sp>
+        <p:sp>
+          <p:nvSpPr>
+            <p:cNvPr id="37" name="Oval 36"/>
+            <p:cNvSpPr/>
+            <p:nvPr/>
+          </p:nvSpPr>
+          <p:spPr>
+            <a:xfrm>
+              <a:off x="4785760" y="5750663"/>
+              <a:ext cx="45720" cy="45719"/>
+            </a:xfrm>
+            <a:prstGeom prst="ellipse">
+              <a:avLst/>
+            </a:prstGeom>
+            <a:solidFill>
+              <a:schemeClr val="accent1">
+                <a:lumMod val="75000"/>
+              </a:schemeClr>
+            </a:solidFill>
+            <a:ln w="12700">
+              <a:solidFill>
+                <a:schemeClr val="accent1">
+                  <a:lumMod val="75000"/>
+                </a:schemeClr>
+              </a:solidFill>
+            </a:ln>
+          </p:spPr>
+          <p:style>
+            <a:lnRef idx="2">
+              <a:schemeClr val="accent1">
+                <a:shade val="50000"/>
+              </a:schemeClr>
+            </a:lnRef>
+            <a:fillRef idx="1">
+              <a:schemeClr val="accent1"/>
+            </a:fillRef>
+            <a:effectRef idx="0">
+              <a:schemeClr val="accent1"/>
+            </a:effectRef>
+            <a:fontRef idx="minor">
+              <a:schemeClr val="lt1"/>
+            </a:fontRef>
+          </p:style>
+          <p:txBody>
+            <a:bodyPr rtlCol="0" anchor="ctr"/>
+            <a:lstStyle/>
+            <a:p>
+              <a:pPr algn="ctr"/>
+              <a:endParaRPr lang="en-US" dirty="0"/>
+            </a:p>
+          </p:txBody>
+        </p:sp>
+      </p:grpSp>
     </p:spTree>
     <p:extLst>
       <p:ext uri="{BB962C8B-B14F-4D97-AF65-F5344CB8AC3E}">

--- a/Picture1ab.pptx
+++ b/Picture1ab.pptx
@@ -244,7 +244,7 @@
           <a:p>
             <a:fld id="{D61CA99B-1A52-41E4-BE43-6641B2C1149F}" type="datetimeFigureOut">
               <a:rPr lang="en-US" smtClean="0"/>
-              <a:t>8/11/2015</a:t>
+              <a:t>9/9/2015</a:t>
             </a:fld>
             <a:endParaRPr lang="en-US"/>
           </a:p>
@@ -414,7 +414,7 @@
           <a:p>
             <a:fld id="{D61CA99B-1A52-41E4-BE43-6641B2C1149F}" type="datetimeFigureOut">
               <a:rPr lang="en-US" smtClean="0"/>
-              <a:t>8/11/2015</a:t>
+              <a:t>9/9/2015</a:t>
             </a:fld>
             <a:endParaRPr lang="en-US"/>
           </a:p>
@@ -594,7 +594,7 @@
           <a:p>
             <a:fld id="{D61CA99B-1A52-41E4-BE43-6641B2C1149F}" type="datetimeFigureOut">
               <a:rPr lang="en-US" smtClean="0"/>
-              <a:t>8/11/2015</a:t>
+              <a:t>9/9/2015</a:t>
             </a:fld>
             <a:endParaRPr lang="en-US"/>
           </a:p>
@@ -764,7 +764,7 @@
           <a:p>
             <a:fld id="{D61CA99B-1A52-41E4-BE43-6641B2C1149F}" type="datetimeFigureOut">
               <a:rPr lang="en-US" smtClean="0"/>
-              <a:t>8/11/2015</a:t>
+              <a:t>9/9/2015</a:t>
             </a:fld>
             <a:endParaRPr lang="en-US"/>
           </a:p>
@@ -1010,7 +1010,7 @@
           <a:p>
             <a:fld id="{D61CA99B-1A52-41E4-BE43-6641B2C1149F}" type="datetimeFigureOut">
               <a:rPr lang="en-US" smtClean="0"/>
-              <a:t>8/11/2015</a:t>
+              <a:t>9/9/2015</a:t>
             </a:fld>
             <a:endParaRPr lang="en-US"/>
           </a:p>
@@ -1242,7 +1242,7 @@
           <a:p>
             <a:fld id="{D61CA99B-1A52-41E4-BE43-6641B2C1149F}" type="datetimeFigureOut">
               <a:rPr lang="en-US" smtClean="0"/>
-              <a:t>8/11/2015</a:t>
+              <a:t>9/9/2015</a:t>
             </a:fld>
             <a:endParaRPr lang="en-US"/>
           </a:p>
@@ -1609,7 +1609,7 @@
           <a:p>
             <a:fld id="{D61CA99B-1A52-41E4-BE43-6641B2C1149F}" type="datetimeFigureOut">
               <a:rPr lang="en-US" smtClean="0"/>
-              <a:t>8/11/2015</a:t>
+              <a:t>9/9/2015</a:t>
             </a:fld>
             <a:endParaRPr lang="en-US"/>
           </a:p>
@@ -1727,7 +1727,7 @@
           <a:p>
             <a:fld id="{D61CA99B-1A52-41E4-BE43-6641B2C1149F}" type="datetimeFigureOut">
               <a:rPr lang="en-US" smtClean="0"/>
-              <a:t>8/11/2015</a:t>
+              <a:t>9/9/2015</a:t>
             </a:fld>
             <a:endParaRPr lang="en-US"/>
           </a:p>
@@ -1822,7 +1822,7 @@
           <a:p>
             <a:fld id="{D61CA99B-1A52-41E4-BE43-6641B2C1149F}" type="datetimeFigureOut">
               <a:rPr lang="en-US" smtClean="0"/>
-              <a:t>8/11/2015</a:t>
+              <a:t>9/9/2015</a:t>
             </a:fld>
             <a:endParaRPr lang="en-US"/>
           </a:p>
@@ -2099,7 +2099,7 @@
           <a:p>
             <a:fld id="{D61CA99B-1A52-41E4-BE43-6641B2C1149F}" type="datetimeFigureOut">
               <a:rPr lang="en-US" smtClean="0"/>
-              <a:t>8/11/2015</a:t>
+              <a:t>9/9/2015</a:t>
             </a:fld>
             <a:endParaRPr lang="en-US"/>
           </a:p>
@@ -2352,7 +2352,7 @@
           <a:p>
             <a:fld id="{D61CA99B-1A52-41E4-BE43-6641B2C1149F}" type="datetimeFigureOut">
               <a:rPr lang="en-US" smtClean="0"/>
-              <a:t>8/11/2015</a:t>
+              <a:t>9/9/2015</a:t>
             </a:fld>
             <a:endParaRPr lang="en-US"/>
           </a:p>
@@ -2565,7 +2565,7 @@
           <a:p>
             <a:fld id="{D61CA99B-1A52-41E4-BE43-6641B2C1149F}" type="datetimeFigureOut">
               <a:rPr lang="en-US" smtClean="0"/>
-              <a:t>8/11/2015</a:t>
+              <a:t>9/9/2015</a:t>
             </a:fld>
             <a:endParaRPr lang="en-US"/>
           </a:p>
@@ -2970,445 +2970,18 @@
           <a:chExt cx="0" cy="0"/>
         </a:xfrm>
       </p:grpSpPr>
-      <p:cxnSp>
-        <p:nvCxnSpPr>
-          <p:cNvPr id="63" name="Straight Connector 62"/>
-          <p:cNvCxnSpPr>
-            <a:stCxn id="32" idx="0"/>
-            <a:endCxn id="30" idx="0"/>
-          </p:cNvCxnSpPr>
-          <p:nvPr/>
-        </p:nvCxnSpPr>
-        <p:spPr>
-          <a:xfrm flipV="1">
-            <a:off x="6176863" y="769504"/>
-            <a:ext cx="5530" cy="773997"/>
-          </a:xfrm>
-          <a:prstGeom prst="line">
-            <a:avLst/>
-          </a:prstGeom>
-          <a:ln w="12700">
-            <a:prstDash val="dash"/>
-          </a:ln>
-        </p:spPr>
-        <p:style>
-          <a:lnRef idx="1">
-            <a:schemeClr val="dk1"/>
-          </a:lnRef>
-          <a:fillRef idx="0">
-            <a:schemeClr val="dk1"/>
-          </a:fillRef>
-          <a:effectRef idx="0">
-            <a:schemeClr val="dk1"/>
-          </a:effectRef>
-          <a:fontRef idx="minor">
-            <a:schemeClr val="tx1"/>
-          </a:fontRef>
-        </p:style>
-      </p:cxnSp>
-      <p:sp>
-        <p:nvSpPr>
-          <p:cNvPr id="11" name="Right Arrow 10"/>
-          <p:cNvSpPr/>
-          <p:nvPr/>
-        </p:nvSpPr>
-        <p:spPr>
-          <a:xfrm rot="20683574">
-            <a:off x="876304" y="1207700"/>
-            <a:ext cx="852497" cy="537887"/>
-          </a:xfrm>
-          <a:prstGeom prst="rightArrow">
-            <a:avLst/>
-          </a:prstGeom>
-          <a:scene3d>
-            <a:camera prst="perspectiveRight"/>
-            <a:lightRig rig="threePt" dir="t"/>
-          </a:scene3d>
-          <a:sp3d>
-            <a:bevelT/>
-          </a:sp3d>
-        </p:spPr>
-        <p:style>
-          <a:lnRef idx="2">
-            <a:schemeClr val="accent1">
-              <a:shade val="50000"/>
-            </a:schemeClr>
-          </a:lnRef>
-          <a:fillRef idx="1">
-            <a:schemeClr val="accent1"/>
-          </a:fillRef>
-          <a:effectRef idx="0">
-            <a:schemeClr val="accent1"/>
-          </a:effectRef>
-          <a:fontRef idx="minor">
-            <a:schemeClr val="lt1"/>
-          </a:fontRef>
-        </p:style>
-        <p:txBody>
-          <a:bodyPr rtlCol="0" anchor="ctr"/>
-          <a:lstStyle/>
-          <a:p>
-            <a:pPr algn="ctr"/>
-            <a:endParaRPr lang="en-US"/>
-          </a:p>
-        </p:txBody>
-      </p:sp>
-      <p:sp>
-        <p:nvSpPr>
-          <p:cNvPr id="12" name="Oval 11"/>
-          <p:cNvSpPr/>
-          <p:nvPr/>
-        </p:nvSpPr>
-        <p:spPr>
-          <a:xfrm>
-            <a:off x="1633913" y="935938"/>
-            <a:ext cx="781051" cy="800100"/>
-          </a:xfrm>
-          <a:prstGeom prst="ellipse">
-            <a:avLst/>
-          </a:prstGeom>
-          <a:solidFill>
-            <a:schemeClr val="accent3">
-              <a:lumMod val="75000"/>
-            </a:schemeClr>
-          </a:solidFill>
-          <a:ln>
-            <a:solidFill>
-              <a:schemeClr val="accent3">
-                <a:lumMod val="75000"/>
-              </a:schemeClr>
-            </a:solidFill>
-          </a:ln>
-          <a:effectLst>
-            <a:softEdge rad="63500"/>
-          </a:effectLst>
-          <a:scene3d>
-            <a:camera prst="isometricLeftDown"/>
-            <a:lightRig rig="threePt" dir="t"/>
-          </a:scene3d>
-          <a:sp3d>
-            <a:bevelT w="285750" h="342900"/>
-            <a:bevelB w="431800" h="361950"/>
-          </a:sp3d>
-        </p:spPr>
-        <p:style>
-          <a:lnRef idx="1">
-            <a:schemeClr val="accent6"/>
-          </a:lnRef>
-          <a:fillRef idx="2">
-            <a:schemeClr val="accent6"/>
-          </a:fillRef>
-          <a:effectRef idx="1">
-            <a:schemeClr val="accent6"/>
-          </a:effectRef>
-          <a:fontRef idx="minor">
-            <a:schemeClr val="dk1"/>
-          </a:fontRef>
-        </p:style>
-        <p:txBody>
-          <a:bodyPr rtlCol="0" anchor="ctr"/>
-          <a:lstStyle/>
-          <a:p>
-            <a:pPr algn="ctr"/>
-            <a:endParaRPr lang="en-US"/>
-          </a:p>
-        </p:txBody>
-      </p:sp>
-      <p:sp>
-        <p:nvSpPr>
-          <p:cNvPr id="13" name="Rectangle 12"/>
-          <p:cNvSpPr/>
-          <p:nvPr/>
-        </p:nvSpPr>
-        <p:spPr>
-          <a:xfrm>
-            <a:off x="2678304" y="467307"/>
-            <a:ext cx="948388" cy="1240155"/>
-          </a:xfrm>
-          <a:prstGeom prst="rect">
-            <a:avLst/>
-          </a:prstGeom>
-          <a:gradFill flip="none" rotWithShape="1">
-            <a:gsLst>
-              <a:gs pos="0">
-                <a:schemeClr val="accent1">
-                  <a:tint val="66000"/>
-                  <a:satMod val="160000"/>
-                </a:schemeClr>
-              </a:gs>
-              <a:gs pos="50000">
-                <a:schemeClr val="accent1">
-                  <a:tint val="44500"/>
-                  <a:satMod val="160000"/>
-                </a:schemeClr>
-              </a:gs>
-              <a:gs pos="100000">
-                <a:schemeClr val="accent1">
-                  <a:tint val="23500"/>
-                  <a:satMod val="160000"/>
-                </a:schemeClr>
-              </a:gs>
-            </a:gsLst>
-            <a:path path="circle">
-              <a:fillToRect l="50000" t="50000" r="50000" b="50000"/>
-            </a:path>
-            <a:tileRect/>
-          </a:gradFill>
-          <a:ln>
-            <a:solidFill>
-              <a:schemeClr val="tx1"/>
-            </a:solidFill>
-          </a:ln>
-          <a:scene3d>
-            <a:camera prst="isometricLeftDown"/>
-            <a:lightRig rig="threePt" dir="t"/>
-          </a:scene3d>
-          <a:sp3d>
-            <a:bevelT w="165100" prst="coolSlant"/>
-          </a:sp3d>
-        </p:spPr>
-        <p:style>
-          <a:lnRef idx="2">
-            <a:schemeClr val="accent1">
-              <a:shade val="50000"/>
-            </a:schemeClr>
-          </a:lnRef>
-          <a:fillRef idx="1">
-            <a:schemeClr val="accent1"/>
-          </a:fillRef>
-          <a:effectRef idx="0">
-            <a:schemeClr val="accent1"/>
-          </a:effectRef>
-          <a:fontRef idx="minor">
-            <a:schemeClr val="lt1"/>
-          </a:fontRef>
-        </p:style>
-        <p:txBody>
-          <a:bodyPr rtlCol="0" anchor="ctr"/>
-          <a:lstStyle/>
-          <a:p>
-            <a:pPr algn="ctr"/>
-            <a:endParaRPr lang="en-US"/>
-          </a:p>
-        </p:txBody>
-      </p:sp>
-      <p:sp>
-        <p:nvSpPr>
-          <p:cNvPr id="14" name="Oval 13"/>
-          <p:cNvSpPr/>
-          <p:nvPr/>
-        </p:nvSpPr>
-        <p:spPr>
-          <a:xfrm>
-            <a:off x="2775607" y="678417"/>
-            <a:ext cx="781051" cy="800100"/>
-          </a:xfrm>
-          <a:prstGeom prst="ellipse">
-            <a:avLst/>
-          </a:prstGeom>
-          <a:gradFill flip="none" rotWithShape="1">
-            <a:gsLst>
-              <a:gs pos="58000">
-                <a:schemeClr val="accent1">
-                  <a:lumMod val="40000"/>
-                  <a:lumOff val="60000"/>
-                </a:schemeClr>
-              </a:gs>
-              <a:gs pos="0">
-                <a:schemeClr val="bg1"/>
-              </a:gs>
-            </a:gsLst>
-            <a:path path="circle">
-              <a:fillToRect l="50000" t="50000" r="50000" b="50000"/>
-            </a:path>
-            <a:tileRect/>
-          </a:gradFill>
-          <a:effectLst>
-            <a:softEdge rad="63500"/>
-          </a:effectLst>
-          <a:scene3d>
-            <a:camera prst="isometricLeftDown"/>
-            <a:lightRig rig="threePt" dir="t"/>
-          </a:scene3d>
-        </p:spPr>
-        <p:style>
-          <a:lnRef idx="1">
-            <a:schemeClr val="accent6"/>
-          </a:lnRef>
-          <a:fillRef idx="2">
-            <a:schemeClr val="accent6"/>
-          </a:fillRef>
-          <a:effectRef idx="1">
-            <a:schemeClr val="accent6"/>
-          </a:effectRef>
-          <a:fontRef idx="minor">
-            <a:schemeClr val="dk1"/>
-          </a:fontRef>
-        </p:style>
-        <p:txBody>
-          <a:bodyPr rtlCol="0" anchor="ctr"/>
-          <a:lstStyle/>
-          <a:p>
-            <a:pPr algn="ctr"/>
-            <a:endParaRPr lang="en-US"/>
-          </a:p>
-        </p:txBody>
-      </p:sp>
-      <p:sp>
-        <p:nvSpPr>
-          <p:cNvPr id="16" name="Rectangle 15"/>
-          <p:cNvSpPr/>
-          <p:nvPr/>
-        </p:nvSpPr>
-        <p:spPr>
-          <a:xfrm>
-            <a:off x="2678304" y="2623773"/>
-            <a:ext cx="948388" cy="1240155"/>
-          </a:xfrm>
-          <a:prstGeom prst="rect">
-            <a:avLst/>
-          </a:prstGeom>
-          <a:gradFill flip="none" rotWithShape="1">
-            <a:gsLst>
-              <a:gs pos="0">
-                <a:schemeClr val="accent1"/>
-              </a:gs>
-              <a:gs pos="66000">
-                <a:schemeClr val="accent1">
-                  <a:tint val="44500"/>
-                  <a:satMod val="160000"/>
-                </a:schemeClr>
-              </a:gs>
-              <a:gs pos="100000">
-                <a:schemeClr val="accent1">
-                  <a:tint val="23500"/>
-                  <a:satMod val="160000"/>
-                </a:schemeClr>
-              </a:gs>
-            </a:gsLst>
-            <a:path path="circle">
-              <a:fillToRect l="50000" t="50000" r="50000" b="50000"/>
-            </a:path>
-            <a:tileRect/>
-          </a:gradFill>
-          <a:ln>
-            <a:solidFill>
-              <a:schemeClr val="tx1"/>
-            </a:solidFill>
-          </a:ln>
-          <a:scene3d>
-            <a:camera prst="isometricLeftDown"/>
-            <a:lightRig rig="threePt" dir="t"/>
-          </a:scene3d>
-          <a:sp3d>
-            <a:bevelT w="165100" prst="coolSlant"/>
-          </a:sp3d>
-        </p:spPr>
-        <p:style>
-          <a:lnRef idx="2">
-            <a:schemeClr val="accent1">
-              <a:shade val="50000"/>
-            </a:schemeClr>
-          </a:lnRef>
-          <a:fillRef idx="1">
-            <a:schemeClr val="accent1"/>
-          </a:fillRef>
-          <a:effectRef idx="0">
-            <a:schemeClr val="accent1"/>
-          </a:effectRef>
-          <a:fontRef idx="minor">
-            <a:schemeClr val="lt1"/>
-          </a:fontRef>
-        </p:style>
-        <p:txBody>
-          <a:bodyPr rtlCol="0" anchor="ctr"/>
-          <a:lstStyle/>
-          <a:p>
-            <a:pPr algn="ctr"/>
-            <a:endParaRPr lang="en-US"/>
-          </a:p>
-        </p:txBody>
-      </p:sp>
-      <p:sp>
-        <p:nvSpPr>
-          <p:cNvPr id="17" name="TextBox 16"/>
-          <p:cNvSpPr txBox="1"/>
-          <p:nvPr/>
-        </p:nvSpPr>
-        <p:spPr>
-          <a:xfrm rot="20787053">
-            <a:off x="901796" y="1345811"/>
-            <a:ext cx="742950" cy="276999"/>
-          </a:xfrm>
-          <a:prstGeom prst="rect">
-            <a:avLst/>
-          </a:prstGeom>
-          <a:noFill/>
-        </p:spPr>
-        <p:txBody>
-          <a:bodyPr wrap="square" rtlCol="0">
-            <a:spAutoFit/>
-          </a:bodyPr>
-          <a:lstStyle/>
-          <a:p>
-            <a:r>
-              <a:rPr lang="en-US" sz="1200" dirty="0" smtClean="0">
-                <a:latin typeface="cmbx12" panose="020B0500000000000000" pitchFamily="34" charset="0"/>
-              </a:rPr>
-              <a:t>probe</a:t>
-            </a:r>
-            <a:endParaRPr lang="en-US" sz="1200" dirty="0">
-              <a:latin typeface="cmbx12" panose="020B0500000000000000" pitchFamily="34" charset="0"/>
-            </a:endParaRPr>
-          </a:p>
-        </p:txBody>
-      </p:sp>
-      <p:sp>
-        <p:nvSpPr>
-          <p:cNvPr id="19" name="TextBox 18"/>
-          <p:cNvSpPr txBox="1"/>
-          <p:nvPr/>
-        </p:nvSpPr>
-        <p:spPr>
-          <a:xfrm>
-            <a:off x="1919700" y="1558236"/>
-            <a:ext cx="878355" cy="276999"/>
-          </a:xfrm>
-          <a:prstGeom prst="rect">
-            <a:avLst/>
-          </a:prstGeom>
-          <a:noFill/>
-        </p:spPr>
-        <p:txBody>
-          <a:bodyPr wrap="square" rtlCol="0">
-            <a:spAutoFit/>
-          </a:bodyPr>
-          <a:lstStyle/>
-          <a:p>
-            <a:r>
-              <a:rPr lang="en-US" sz="1200" dirty="0" smtClean="0">
-                <a:latin typeface="cmbx12" panose="020B0500000000000000" pitchFamily="34" charset="0"/>
-              </a:rPr>
-              <a:t>atoms</a:t>
-            </a:r>
-            <a:endParaRPr lang="en-US" sz="1200" dirty="0">
-              <a:latin typeface="cmbx12" panose="020B0500000000000000" pitchFamily="34" charset="0"/>
-            </a:endParaRPr>
-          </a:p>
-        </p:txBody>
-      </p:sp>
       <mc:AlternateContent xmlns:mc="http://schemas.openxmlformats.org/markup-compatibility/2006">
         <mc:Choice xmlns:a14="http://schemas.microsoft.com/office/drawing/2010/main" Requires="a14">
           <p:sp>
             <p:nvSpPr>
-              <p:cNvPr id="20" name="TextBox 19"/>
+              <p:cNvPr id="2" name="TextBox 1"/>
               <p:cNvSpPr txBox="1"/>
               <p:nvPr/>
             </p:nvSpPr>
             <p:spPr>
               <a:xfrm>
-                <a:off x="1468332" y="1913457"/>
-                <a:ext cx="1781091" cy="291811"/>
+                <a:off x="1784594" y="4907902"/>
+                <a:ext cx="818647" cy="369332"/>
               </a:xfrm>
               <a:prstGeom prst="rect">
                 <a:avLst/>
@@ -3421,1374 +2994,6 @@
               </a:bodyPr>
               <a:lstStyle/>
               <a:p>
-                <a:r>
-                  <a:rPr lang="en-US" sz="1200" dirty="0" smtClean="0">
-                    <a:solidFill>
-                      <a:schemeClr val="tx1"/>
-                    </a:solidFill>
-                    <a:latin typeface="cmbx12" panose="020B0500000000000000" pitchFamily="34" charset="0"/>
-                  </a:rPr>
-                  <a:t>Atom image (</a:t>
-                </a:r>
-                <a14:m>
-                  <m:oMath xmlns:m="http://schemas.openxmlformats.org/officeDocument/2006/math">
-                    <m:sSub>
-                      <m:sSubPr>
-                        <m:ctrlPr>
-                          <a:rPr lang="en-US" sz="1200" i="1" smtClean="0">
-                            <a:solidFill>
-                              <a:schemeClr val="tx1"/>
-                            </a:solidFill>
-                            <a:latin typeface="Cambria Math" panose="02040503050406030204" pitchFamily="18" charset="0"/>
-                          </a:rPr>
-                        </m:ctrlPr>
-                      </m:sSubPr>
-                      <m:e>
-                        <m:r>
-                          <a:rPr lang="en-US" sz="1200" i="1">
-                            <a:solidFill>
-                              <a:schemeClr val="tx1"/>
-                            </a:solidFill>
-                            <a:latin typeface="Cambria Math" panose="02040503050406030204" pitchFamily="18" charset="0"/>
-                          </a:rPr>
-                          <m:t>𝐼</m:t>
-                        </m:r>
-                      </m:e>
-                      <m:sub>
-                        <m:r>
-                          <a:rPr lang="en-US" sz="1200" i="1">
-                            <a:solidFill>
-                              <a:schemeClr val="tx1"/>
-                            </a:solidFill>
-                            <a:latin typeface="Cambria Math" panose="02040503050406030204" pitchFamily="18" charset="0"/>
-                          </a:rPr>
-                          <m:t>𝑓</m:t>
-                        </m:r>
-                      </m:sub>
-                    </m:sSub>
-                    <m:r>
-                      <a:rPr lang="en-US" sz="1200" b="0" i="1" smtClean="0">
-                        <a:solidFill>
-                          <a:schemeClr val="tx1"/>
-                        </a:solidFill>
-                        <a:latin typeface="Cambria Math" panose="02040503050406030204" pitchFamily="18" charset="0"/>
-                      </a:rPr>
-                      <m:t>(</m:t>
-                    </m:r>
-                    <m:r>
-                      <a:rPr lang="en-US" sz="1200" b="0" i="1" smtClean="0">
-                        <a:solidFill>
-                          <a:schemeClr val="tx1"/>
-                        </a:solidFill>
-                        <a:latin typeface="Cambria Math" panose="02040503050406030204" pitchFamily="18" charset="0"/>
-                      </a:rPr>
-                      <m:t>𝑥</m:t>
-                    </m:r>
-                    <m:r>
-                      <a:rPr lang="en-US" sz="1200" b="0" i="1" smtClean="0">
-                        <a:solidFill>
-                          <a:schemeClr val="tx1"/>
-                        </a:solidFill>
-                        <a:latin typeface="Cambria Math" panose="02040503050406030204" pitchFamily="18" charset="0"/>
-                      </a:rPr>
-                      <m:t>,</m:t>
-                    </m:r>
-                    <m:r>
-                      <a:rPr lang="en-US" sz="1200" b="0" i="1" smtClean="0">
-                        <a:solidFill>
-                          <a:schemeClr val="tx1"/>
-                        </a:solidFill>
-                        <a:latin typeface="Cambria Math" panose="02040503050406030204" pitchFamily="18" charset="0"/>
-                      </a:rPr>
-                      <m:t>𝑦</m:t>
-                    </m:r>
-                    <m:r>
-                      <a:rPr lang="en-US" sz="1200" b="0" i="1" smtClean="0">
-                        <a:solidFill>
-                          <a:schemeClr val="tx1"/>
-                        </a:solidFill>
-                        <a:latin typeface="Cambria Math" panose="02040503050406030204" pitchFamily="18" charset="0"/>
-                      </a:rPr>
-                      <m:t>)</m:t>
-                    </m:r>
-                  </m:oMath>
-                </a14:m>
-                <a:r>
-                  <a:rPr lang="en-US" sz="1200" dirty="0" smtClean="0">
-                    <a:solidFill>
-                      <a:schemeClr val="tx1"/>
-                    </a:solidFill>
-                    <a:latin typeface="cmbx12" panose="020B0500000000000000" pitchFamily="34" charset="0"/>
-                  </a:rPr>
-                  <a:t>)</a:t>
-                </a:r>
-                <a:endParaRPr lang="en-US" sz="1200" dirty="0">
-                  <a:solidFill>
-                    <a:schemeClr val="tx1"/>
-                  </a:solidFill>
-                  <a:latin typeface="cmbx12" panose="020B0500000000000000" pitchFamily="34" charset="0"/>
-                </a:endParaRPr>
-              </a:p>
-            </p:txBody>
-          </p:sp>
-        </mc:Choice>
-        <mc:Fallback>
-          <p:sp>
-            <p:nvSpPr>
-              <p:cNvPr id="20" name="TextBox 19"/>
-              <p:cNvSpPr txBox="1">
-                <a:spLocks noRot="1" noChangeAspect="1" noMove="1" noResize="1" noEditPoints="1" noAdjustHandles="1" noChangeArrowheads="1" noChangeShapeType="1" noTextEdit="1"/>
-              </p:cNvSpPr>
-              <p:nvPr/>
-            </p:nvSpPr>
-            <p:spPr>
-              <a:xfrm>
-                <a:off x="1468332" y="1913457"/>
-                <a:ext cx="1781091" cy="291811"/>
-              </a:xfrm>
-              <a:prstGeom prst="rect">
-                <a:avLst/>
-              </a:prstGeom>
-              <a:blipFill rotWithShape="0">
-                <a:blip r:embed="rId2"/>
-                <a:stretch>
-                  <a:fillRect l="-342" b="-12500"/>
-                </a:stretch>
-              </a:blipFill>
-            </p:spPr>
-            <p:txBody>
-              <a:bodyPr/>
-              <a:lstStyle/>
-              <a:p>
-                <a:r>
-                  <a:rPr lang="en-US">
-                    <a:noFill/>
-                  </a:rPr>
-                  <a:t> </a:t>
-                </a:r>
-              </a:p>
-            </p:txBody>
-          </p:sp>
-        </mc:Fallback>
-      </mc:AlternateContent>
-      <mc:AlternateContent xmlns:mc="http://schemas.openxmlformats.org/markup-compatibility/2006">
-        <mc:Choice xmlns:a14="http://schemas.microsoft.com/office/drawing/2010/main" Requires="a14">
-          <p:sp>
-            <p:nvSpPr>
-              <p:cNvPr id="21" name="TextBox 20"/>
-              <p:cNvSpPr txBox="1"/>
-              <p:nvPr/>
-            </p:nvSpPr>
-            <p:spPr>
-              <a:xfrm>
-                <a:off x="1413977" y="3871896"/>
-                <a:ext cx="1889801" cy="276999"/>
-              </a:xfrm>
-              <a:prstGeom prst="rect">
-                <a:avLst/>
-              </a:prstGeom>
-              <a:noFill/>
-            </p:spPr>
-            <p:txBody>
-              <a:bodyPr wrap="square" rtlCol="0">
-                <a:spAutoFit/>
-              </a:bodyPr>
-              <a:lstStyle/>
-              <a:p>
-                <a:r>
-                  <a:rPr lang="en-US" sz="1200" dirty="0" smtClean="0">
-                    <a:solidFill>
-                      <a:schemeClr val="tx1"/>
-                    </a:solidFill>
-                    <a:latin typeface="cmbx12" panose="020B0500000000000000" pitchFamily="34" charset="0"/>
-                  </a:rPr>
-                  <a:t>Probe image (</a:t>
-                </a:r>
-                <a14:m>
-                  <m:oMath xmlns:m="http://schemas.openxmlformats.org/officeDocument/2006/math">
-                    <m:sSub>
-                      <m:sSubPr>
-                        <m:ctrlPr>
-                          <a:rPr lang="en-US" sz="1200" i="1" smtClean="0">
-                            <a:solidFill>
-                              <a:schemeClr val="tx1"/>
-                            </a:solidFill>
-                            <a:latin typeface="Cambria Math" panose="02040503050406030204" pitchFamily="18" charset="0"/>
-                          </a:rPr>
-                        </m:ctrlPr>
-                      </m:sSubPr>
-                      <m:e>
-                        <m:r>
-                          <a:rPr lang="en-US" sz="1200" i="1">
-                            <a:solidFill>
-                              <a:schemeClr val="tx1"/>
-                            </a:solidFill>
-                            <a:latin typeface="Cambria Math" panose="02040503050406030204" pitchFamily="18" charset="0"/>
-                          </a:rPr>
-                          <m:t>𝐼</m:t>
-                        </m:r>
-                      </m:e>
-                      <m:sub>
-                        <m:r>
-                          <a:rPr lang="en-US" sz="1200" b="0" i="1" smtClean="0">
-                            <a:solidFill>
-                              <a:schemeClr val="tx1"/>
-                            </a:solidFill>
-                            <a:latin typeface="Cambria Math" panose="02040503050406030204" pitchFamily="18" charset="0"/>
-                          </a:rPr>
-                          <m:t>0</m:t>
-                        </m:r>
-                      </m:sub>
-                    </m:sSub>
-                    <m:r>
-                      <a:rPr lang="en-US" sz="1200" b="0" i="1" smtClean="0">
-                        <a:solidFill>
-                          <a:schemeClr val="tx1"/>
-                        </a:solidFill>
-                        <a:latin typeface="Cambria Math" panose="02040503050406030204" pitchFamily="18" charset="0"/>
-                      </a:rPr>
-                      <m:t>(</m:t>
-                    </m:r>
-                    <m:r>
-                      <a:rPr lang="en-US" sz="1200" b="0" i="1" smtClean="0">
-                        <a:solidFill>
-                          <a:schemeClr val="tx1"/>
-                        </a:solidFill>
-                        <a:latin typeface="Cambria Math" panose="02040503050406030204" pitchFamily="18" charset="0"/>
-                      </a:rPr>
-                      <m:t>𝑥</m:t>
-                    </m:r>
-                    <m:r>
-                      <a:rPr lang="en-US" sz="1200" b="0" i="1" smtClean="0">
-                        <a:solidFill>
-                          <a:schemeClr val="tx1"/>
-                        </a:solidFill>
-                        <a:latin typeface="Cambria Math" panose="02040503050406030204" pitchFamily="18" charset="0"/>
-                      </a:rPr>
-                      <m:t>,</m:t>
-                    </m:r>
-                    <m:r>
-                      <a:rPr lang="en-US" sz="1200" b="0" i="1" smtClean="0">
-                        <a:solidFill>
-                          <a:schemeClr val="tx1"/>
-                        </a:solidFill>
-                        <a:latin typeface="Cambria Math" panose="02040503050406030204" pitchFamily="18" charset="0"/>
-                      </a:rPr>
-                      <m:t>𝑦</m:t>
-                    </m:r>
-                    <m:r>
-                      <a:rPr lang="en-US" sz="1200" b="0" i="1" smtClean="0">
-                        <a:solidFill>
-                          <a:schemeClr val="tx1"/>
-                        </a:solidFill>
-                        <a:latin typeface="Cambria Math" panose="02040503050406030204" pitchFamily="18" charset="0"/>
-                      </a:rPr>
-                      <m:t>)</m:t>
-                    </m:r>
-                  </m:oMath>
-                </a14:m>
-                <a:r>
-                  <a:rPr lang="en-US" sz="1200" dirty="0" smtClean="0">
-                    <a:solidFill>
-                      <a:schemeClr val="tx1"/>
-                    </a:solidFill>
-                    <a:latin typeface="cmbx12" panose="020B0500000000000000" pitchFamily="34" charset="0"/>
-                  </a:rPr>
-                  <a:t>)</a:t>
-                </a:r>
-                <a:endParaRPr lang="en-US" sz="1200" dirty="0">
-                  <a:solidFill>
-                    <a:schemeClr val="tx1"/>
-                  </a:solidFill>
-                  <a:latin typeface="cmbx12" panose="020B0500000000000000" pitchFamily="34" charset="0"/>
-                </a:endParaRPr>
-              </a:p>
-            </p:txBody>
-          </p:sp>
-        </mc:Choice>
-        <mc:Fallback>
-          <p:sp>
-            <p:nvSpPr>
-              <p:cNvPr id="21" name="TextBox 20"/>
-              <p:cNvSpPr txBox="1">
-                <a:spLocks noRot="1" noChangeAspect="1" noMove="1" noResize="1" noEditPoints="1" noAdjustHandles="1" noChangeArrowheads="1" noChangeShapeType="1" noTextEdit="1"/>
-              </p:cNvSpPr>
-              <p:nvPr/>
-            </p:nvSpPr>
-            <p:spPr>
-              <a:xfrm>
-                <a:off x="1413977" y="3871896"/>
-                <a:ext cx="1889801" cy="276999"/>
-              </a:xfrm>
-              <a:prstGeom prst="rect">
-                <a:avLst/>
-              </a:prstGeom>
-              <a:blipFill rotWithShape="0">
-                <a:blip r:embed="rId3"/>
-                <a:stretch>
-                  <a:fillRect l="-323" b="-15217"/>
-                </a:stretch>
-              </a:blipFill>
-            </p:spPr>
-            <p:txBody>
-              <a:bodyPr/>
-              <a:lstStyle/>
-              <a:p>
-                <a:r>
-                  <a:rPr lang="en-US">
-                    <a:noFill/>
-                  </a:rPr>
-                  <a:t> </a:t>
-                </a:r>
-              </a:p>
-            </p:txBody>
-          </p:sp>
-        </mc:Fallback>
-      </mc:AlternateContent>
-      <p:sp>
-        <p:nvSpPr>
-          <p:cNvPr id="22" name="TextBox 21"/>
-          <p:cNvSpPr txBox="1"/>
-          <p:nvPr/>
-        </p:nvSpPr>
-        <p:spPr>
-          <a:xfrm rot="1807636">
-            <a:off x="2833798" y="2483215"/>
-            <a:ext cx="949140" cy="276999"/>
-          </a:xfrm>
-          <a:prstGeom prst="rect">
-            <a:avLst/>
-          </a:prstGeom>
-          <a:noFill/>
-        </p:spPr>
-        <p:txBody>
-          <a:bodyPr wrap="square" rtlCol="0">
-            <a:spAutoFit/>
-          </a:bodyPr>
-          <a:lstStyle/>
-          <a:p>
-            <a:r>
-              <a:rPr lang="en-US" sz="1200" dirty="0" smtClean="0">
-                <a:latin typeface="cmbx12" panose="020B0500000000000000" pitchFamily="34" charset="0"/>
-              </a:rPr>
-              <a:t>Camera</a:t>
-            </a:r>
-            <a:endParaRPr lang="en-US" sz="1200" dirty="0">
-              <a:latin typeface="cmbx12" panose="020B0500000000000000" pitchFamily="34" charset="0"/>
-            </a:endParaRPr>
-          </a:p>
-        </p:txBody>
-      </p:sp>
-      <p:sp>
-        <p:nvSpPr>
-          <p:cNvPr id="23" name="TextBox 22"/>
-          <p:cNvSpPr txBox="1"/>
-          <p:nvPr/>
-        </p:nvSpPr>
-        <p:spPr>
-          <a:xfrm rot="1807636">
-            <a:off x="2833798" y="326828"/>
-            <a:ext cx="949140" cy="276999"/>
-          </a:xfrm>
-          <a:prstGeom prst="rect">
-            <a:avLst/>
-          </a:prstGeom>
-          <a:noFill/>
-        </p:spPr>
-        <p:txBody>
-          <a:bodyPr wrap="square" rtlCol="0">
-            <a:spAutoFit/>
-          </a:bodyPr>
-          <a:lstStyle/>
-          <a:p>
-            <a:r>
-              <a:rPr lang="en-US" sz="1200" dirty="0" smtClean="0">
-                <a:latin typeface="cmbx12" panose="020B0500000000000000" pitchFamily="34" charset="0"/>
-              </a:rPr>
-              <a:t>Camera</a:t>
-            </a:r>
-            <a:endParaRPr lang="en-US" sz="1200" dirty="0">
-              <a:latin typeface="cmbx12" panose="020B0500000000000000" pitchFamily="34" charset="0"/>
-            </a:endParaRPr>
-          </a:p>
-        </p:txBody>
-      </p:sp>
-      <p:sp>
-        <p:nvSpPr>
-          <p:cNvPr id="26" name="Right Arrow 25"/>
-          <p:cNvSpPr/>
-          <p:nvPr/>
-        </p:nvSpPr>
-        <p:spPr>
-          <a:xfrm rot="20683574">
-            <a:off x="876305" y="3215286"/>
-            <a:ext cx="852497" cy="537887"/>
-          </a:xfrm>
-          <a:prstGeom prst="rightArrow">
-            <a:avLst/>
-          </a:prstGeom>
-          <a:scene3d>
-            <a:camera prst="perspectiveRight"/>
-            <a:lightRig rig="threePt" dir="t"/>
-          </a:scene3d>
-          <a:sp3d>
-            <a:bevelT/>
-          </a:sp3d>
-        </p:spPr>
-        <p:style>
-          <a:lnRef idx="2">
-            <a:schemeClr val="accent1">
-              <a:shade val="50000"/>
-            </a:schemeClr>
-          </a:lnRef>
-          <a:fillRef idx="1">
-            <a:schemeClr val="accent1"/>
-          </a:fillRef>
-          <a:effectRef idx="0">
-            <a:schemeClr val="accent1"/>
-          </a:effectRef>
-          <a:fontRef idx="minor">
-            <a:schemeClr val="lt1"/>
-          </a:fontRef>
-        </p:style>
-        <p:txBody>
-          <a:bodyPr rtlCol="0" anchor="ctr"/>
-          <a:lstStyle/>
-          <a:p>
-            <a:pPr algn="ctr"/>
-            <a:endParaRPr lang="en-US"/>
-          </a:p>
-        </p:txBody>
-      </p:sp>
-      <p:sp>
-        <p:nvSpPr>
-          <p:cNvPr id="27" name="TextBox 26"/>
-          <p:cNvSpPr txBox="1"/>
-          <p:nvPr/>
-        </p:nvSpPr>
-        <p:spPr>
-          <a:xfrm rot="20787053">
-            <a:off x="901797" y="3353397"/>
-            <a:ext cx="742950" cy="276999"/>
-          </a:xfrm>
-          <a:prstGeom prst="rect">
-            <a:avLst/>
-          </a:prstGeom>
-          <a:noFill/>
-        </p:spPr>
-        <p:txBody>
-          <a:bodyPr wrap="square" rtlCol="0">
-            <a:spAutoFit/>
-          </a:bodyPr>
-          <a:lstStyle/>
-          <a:p>
-            <a:r>
-              <a:rPr lang="en-US" sz="1200" dirty="0" smtClean="0">
-                <a:latin typeface="cmbx12" panose="020B0500000000000000" pitchFamily="34" charset="0"/>
-              </a:rPr>
-              <a:t>probe</a:t>
-            </a:r>
-            <a:endParaRPr lang="en-US" sz="1200" dirty="0">
-              <a:latin typeface="cmbx12" panose="020B0500000000000000" pitchFamily="34" charset="0"/>
-            </a:endParaRPr>
-          </a:p>
-        </p:txBody>
-      </p:sp>
-      <p:sp>
-        <p:nvSpPr>
-          <p:cNvPr id="28" name="Oval 27"/>
-          <p:cNvSpPr/>
-          <p:nvPr/>
-        </p:nvSpPr>
-        <p:spPr>
-          <a:xfrm>
-            <a:off x="6015169" y="977843"/>
-            <a:ext cx="329144" cy="360814"/>
-          </a:xfrm>
-          <a:prstGeom prst="ellipse">
-            <a:avLst/>
-          </a:prstGeom>
-          <a:gradFill flip="none" rotWithShape="1">
-            <a:gsLst>
-              <a:gs pos="0">
-                <a:schemeClr val="accent3">
-                  <a:lumMod val="75000"/>
-                  <a:tint val="66000"/>
-                  <a:satMod val="160000"/>
-                </a:schemeClr>
-              </a:gs>
-              <a:gs pos="50000">
-                <a:schemeClr val="accent3">
-                  <a:lumMod val="75000"/>
-                  <a:tint val="44500"/>
-                  <a:satMod val="160000"/>
-                </a:schemeClr>
-              </a:gs>
-              <a:gs pos="100000">
-                <a:schemeClr val="accent3">
-                  <a:lumMod val="75000"/>
-                  <a:tint val="23500"/>
-                  <a:satMod val="160000"/>
-                </a:schemeClr>
-              </a:gs>
-            </a:gsLst>
-            <a:path path="circle">
-              <a:fillToRect l="50000" t="50000" r="50000" b="50000"/>
-            </a:path>
-            <a:tileRect/>
-          </a:gradFill>
-          <a:ln>
-            <a:noFill/>
-          </a:ln>
-        </p:spPr>
-        <p:style>
-          <a:lnRef idx="2">
-            <a:schemeClr val="accent1">
-              <a:shade val="50000"/>
-            </a:schemeClr>
-          </a:lnRef>
-          <a:fillRef idx="1">
-            <a:schemeClr val="accent1"/>
-          </a:fillRef>
-          <a:effectRef idx="0">
-            <a:schemeClr val="accent1"/>
-          </a:effectRef>
-          <a:fontRef idx="minor">
-            <a:schemeClr val="lt1"/>
-          </a:fontRef>
-        </p:style>
-        <p:txBody>
-          <a:bodyPr rtlCol="0" anchor="ctr"/>
-          <a:lstStyle/>
-          <a:p>
-            <a:pPr algn="ctr"/>
-            <a:endParaRPr lang="en-US"/>
-          </a:p>
-        </p:txBody>
-      </p:sp>
-      <p:sp>
-        <p:nvSpPr>
-          <p:cNvPr id="29" name="Arc 28"/>
-          <p:cNvSpPr/>
-          <p:nvPr/>
-        </p:nvSpPr>
-        <p:spPr>
-          <a:xfrm flipV="1">
-            <a:off x="4655969" y="566884"/>
-            <a:ext cx="3023121" cy="195944"/>
-          </a:xfrm>
-          <a:prstGeom prst="arc">
-            <a:avLst/>
-          </a:prstGeom>
-          <a:ln w="28575">
-            <a:solidFill>
-              <a:schemeClr val="accent1"/>
-            </a:solidFill>
-          </a:ln>
-        </p:spPr>
-        <p:style>
-          <a:lnRef idx="3">
-            <a:schemeClr val="accent2"/>
-          </a:lnRef>
-          <a:fillRef idx="0">
-            <a:schemeClr val="accent2"/>
-          </a:fillRef>
-          <a:effectRef idx="2">
-            <a:schemeClr val="accent2"/>
-          </a:effectRef>
-          <a:fontRef idx="minor">
-            <a:schemeClr val="tx1"/>
-          </a:fontRef>
-        </p:style>
-        <p:txBody>
-          <a:bodyPr rtlCol="0" anchor="ctr"/>
-          <a:lstStyle/>
-          <a:p>
-            <a:pPr algn="ctr"/>
-            <a:endParaRPr lang="en-US"/>
-          </a:p>
-        </p:txBody>
-      </p:sp>
-      <p:sp>
-        <p:nvSpPr>
-          <p:cNvPr id="30" name="Arc 29"/>
-          <p:cNvSpPr/>
-          <p:nvPr/>
-        </p:nvSpPr>
-        <p:spPr>
-          <a:xfrm rot="-10800000">
-            <a:off x="4670833" y="577480"/>
-            <a:ext cx="3023121" cy="192024"/>
-          </a:xfrm>
-          <a:prstGeom prst="arc">
-            <a:avLst/>
-          </a:prstGeom>
-          <a:ln w="28575">
-            <a:solidFill>
-              <a:schemeClr val="accent1"/>
-            </a:solidFill>
-          </a:ln>
-        </p:spPr>
-        <p:style>
-          <a:lnRef idx="3">
-            <a:schemeClr val="accent2"/>
-          </a:lnRef>
-          <a:fillRef idx="0">
-            <a:schemeClr val="accent2"/>
-          </a:fillRef>
-          <a:effectRef idx="2">
-            <a:schemeClr val="accent2"/>
-          </a:effectRef>
-          <a:fontRef idx="minor">
-            <a:schemeClr val="tx1"/>
-          </a:fontRef>
-        </p:style>
-        <p:txBody>
-          <a:bodyPr rtlCol="0" anchor="ctr"/>
-          <a:lstStyle/>
-          <a:p>
-            <a:pPr algn="ctr"/>
-            <a:endParaRPr lang="en-US"/>
-          </a:p>
-        </p:txBody>
-      </p:sp>
-      <p:sp>
-        <p:nvSpPr>
-          <p:cNvPr id="31" name="Arc 30"/>
-          <p:cNvSpPr/>
-          <p:nvPr/>
-        </p:nvSpPr>
-        <p:spPr>
-          <a:xfrm rot="10800000" flipV="1">
-            <a:off x="4665301" y="1536824"/>
-            <a:ext cx="3023121" cy="195944"/>
-          </a:xfrm>
-          <a:prstGeom prst="arc">
-            <a:avLst/>
-          </a:prstGeom>
-          <a:ln w="28575">
-            <a:solidFill>
-              <a:schemeClr val="accent1"/>
-            </a:solidFill>
-          </a:ln>
-        </p:spPr>
-        <p:style>
-          <a:lnRef idx="3">
-            <a:schemeClr val="accent2"/>
-          </a:lnRef>
-          <a:fillRef idx="0">
-            <a:schemeClr val="accent2"/>
-          </a:fillRef>
-          <a:effectRef idx="2">
-            <a:schemeClr val="accent2"/>
-          </a:effectRef>
-          <a:fontRef idx="minor">
-            <a:schemeClr val="tx1"/>
-          </a:fontRef>
-        </p:style>
-        <p:txBody>
-          <a:bodyPr rtlCol="0" anchor="ctr"/>
-          <a:lstStyle/>
-          <a:p>
-            <a:pPr algn="ctr"/>
-            <a:endParaRPr lang="en-US"/>
-          </a:p>
-        </p:txBody>
-      </p:sp>
-      <p:sp>
-        <p:nvSpPr>
-          <p:cNvPr id="32" name="Arc 31"/>
-          <p:cNvSpPr/>
-          <p:nvPr/>
-        </p:nvSpPr>
-        <p:spPr>
-          <a:xfrm rot="21600000">
-            <a:off x="4665302" y="1543501"/>
-            <a:ext cx="3023121" cy="192024"/>
-          </a:xfrm>
-          <a:prstGeom prst="arc">
-            <a:avLst/>
-          </a:prstGeom>
-          <a:ln w="28575">
-            <a:solidFill>
-              <a:schemeClr val="accent1"/>
-            </a:solidFill>
-          </a:ln>
-        </p:spPr>
-        <p:style>
-          <a:lnRef idx="3">
-            <a:schemeClr val="accent2"/>
-          </a:lnRef>
-          <a:fillRef idx="0">
-            <a:schemeClr val="accent2"/>
-          </a:fillRef>
-          <a:effectRef idx="2">
-            <a:schemeClr val="accent2"/>
-          </a:effectRef>
-          <a:fontRef idx="minor">
-            <a:schemeClr val="tx1"/>
-          </a:fontRef>
-        </p:style>
-        <p:txBody>
-          <a:bodyPr rtlCol="0" anchor="ctr"/>
-          <a:lstStyle/>
-          <a:p>
-            <a:pPr algn="ctr"/>
-            <a:endParaRPr lang="en-US"/>
-          </a:p>
-        </p:txBody>
-      </p:sp>
-      <p:cxnSp>
-        <p:nvCxnSpPr>
-          <p:cNvPr id="7" name="Straight Arrow Connector 6"/>
-          <p:cNvCxnSpPr/>
-          <p:nvPr/>
-        </p:nvCxnSpPr>
-        <p:spPr>
-          <a:xfrm>
-            <a:off x="5912087" y="550930"/>
-            <a:ext cx="529547" cy="0"/>
-          </a:xfrm>
-          <a:prstGeom prst="straightConnector1">
-            <a:avLst/>
-          </a:prstGeom>
-          <a:ln>
-            <a:tailEnd type="triangle"/>
-          </a:ln>
-        </p:spPr>
-        <p:style>
-          <a:lnRef idx="1">
-            <a:schemeClr val="dk1"/>
-          </a:lnRef>
-          <a:fillRef idx="0">
-            <a:schemeClr val="dk1"/>
-          </a:fillRef>
-          <a:effectRef idx="0">
-            <a:schemeClr val="dk1"/>
-          </a:effectRef>
-          <a:fontRef idx="minor">
-            <a:schemeClr val="tx1"/>
-          </a:fontRef>
-        </p:style>
-      </p:cxnSp>
-      <p:sp>
-        <p:nvSpPr>
-          <p:cNvPr id="54" name="Oval 53"/>
-          <p:cNvSpPr/>
-          <p:nvPr/>
-        </p:nvSpPr>
-        <p:spPr>
-          <a:xfrm>
-            <a:off x="6606073" y="3197336"/>
-            <a:ext cx="324442" cy="462011"/>
-          </a:xfrm>
-          <a:prstGeom prst="ellipse">
-            <a:avLst/>
-          </a:prstGeom>
-          <a:gradFill flip="none" rotWithShape="1">
-            <a:gsLst>
-              <a:gs pos="0">
-                <a:schemeClr val="accent3">
-                  <a:lumMod val="75000"/>
-                  <a:tint val="66000"/>
-                  <a:satMod val="160000"/>
-                </a:schemeClr>
-              </a:gs>
-              <a:gs pos="50000">
-                <a:schemeClr val="accent3">
-                  <a:lumMod val="75000"/>
-                  <a:tint val="44500"/>
-                  <a:satMod val="160000"/>
-                </a:schemeClr>
-              </a:gs>
-              <a:gs pos="100000">
-                <a:schemeClr val="accent3">
-                  <a:lumMod val="75000"/>
-                  <a:tint val="23500"/>
-                  <a:satMod val="160000"/>
-                </a:schemeClr>
-              </a:gs>
-            </a:gsLst>
-            <a:path path="circle">
-              <a:fillToRect l="50000" t="50000" r="50000" b="50000"/>
-            </a:path>
-            <a:tileRect/>
-          </a:gradFill>
-          <a:ln>
-            <a:noFill/>
-          </a:ln>
-        </p:spPr>
-        <p:style>
-          <a:lnRef idx="2">
-            <a:schemeClr val="accent1">
-              <a:shade val="50000"/>
-            </a:schemeClr>
-          </a:lnRef>
-          <a:fillRef idx="1">
-            <a:schemeClr val="accent1"/>
-          </a:fillRef>
-          <a:effectRef idx="0">
-            <a:schemeClr val="accent1"/>
-          </a:effectRef>
-          <a:fontRef idx="minor">
-            <a:schemeClr val="lt1"/>
-          </a:fontRef>
-        </p:style>
-        <p:txBody>
-          <a:bodyPr rtlCol="0" anchor="ctr"/>
-          <a:lstStyle/>
-          <a:p>
-            <a:pPr algn="ctr"/>
-            <a:endParaRPr lang="en-US"/>
-          </a:p>
-        </p:txBody>
-      </p:sp>
-      <p:sp>
-        <p:nvSpPr>
-          <p:cNvPr id="55" name="Arc 54"/>
-          <p:cNvSpPr/>
-          <p:nvPr/>
-        </p:nvSpPr>
-        <p:spPr>
-          <a:xfrm flipV="1">
-            <a:off x="4655969" y="2878772"/>
-            <a:ext cx="3023121" cy="195944"/>
-          </a:xfrm>
-          <a:prstGeom prst="arc">
-            <a:avLst/>
-          </a:prstGeom>
-          <a:ln w="28575">
-            <a:solidFill>
-              <a:schemeClr val="accent1"/>
-            </a:solidFill>
-          </a:ln>
-        </p:spPr>
-        <p:style>
-          <a:lnRef idx="3">
-            <a:schemeClr val="accent2"/>
-          </a:lnRef>
-          <a:fillRef idx="0">
-            <a:schemeClr val="accent2"/>
-          </a:fillRef>
-          <a:effectRef idx="2">
-            <a:schemeClr val="accent2"/>
-          </a:effectRef>
-          <a:fontRef idx="minor">
-            <a:schemeClr val="tx1"/>
-          </a:fontRef>
-        </p:style>
-        <p:txBody>
-          <a:bodyPr rtlCol="0" anchor="ctr"/>
-          <a:lstStyle/>
-          <a:p>
-            <a:pPr algn="ctr"/>
-            <a:endParaRPr lang="en-US"/>
-          </a:p>
-        </p:txBody>
-      </p:sp>
-      <p:sp>
-        <p:nvSpPr>
-          <p:cNvPr id="56" name="Arc 55"/>
-          <p:cNvSpPr/>
-          <p:nvPr/>
-        </p:nvSpPr>
-        <p:spPr>
-          <a:xfrm rot="-10800000">
-            <a:off x="4670834" y="2889368"/>
-            <a:ext cx="3023121" cy="192024"/>
-          </a:xfrm>
-          <a:prstGeom prst="arc">
-            <a:avLst/>
-          </a:prstGeom>
-          <a:ln w="28575">
-            <a:solidFill>
-              <a:schemeClr val="accent1"/>
-            </a:solidFill>
-          </a:ln>
-        </p:spPr>
-        <p:style>
-          <a:lnRef idx="3">
-            <a:schemeClr val="accent2"/>
-          </a:lnRef>
-          <a:fillRef idx="0">
-            <a:schemeClr val="accent2"/>
-          </a:fillRef>
-          <a:effectRef idx="2">
-            <a:schemeClr val="accent2"/>
-          </a:effectRef>
-          <a:fontRef idx="minor">
-            <a:schemeClr val="tx1"/>
-          </a:fontRef>
-        </p:style>
-        <p:txBody>
-          <a:bodyPr rtlCol="0" anchor="ctr"/>
-          <a:lstStyle/>
-          <a:p>
-            <a:pPr algn="ctr"/>
-            <a:endParaRPr lang="en-US"/>
-          </a:p>
-        </p:txBody>
-      </p:sp>
-      <p:sp>
-        <p:nvSpPr>
-          <p:cNvPr id="57" name="Arc 56"/>
-          <p:cNvSpPr/>
-          <p:nvPr/>
-        </p:nvSpPr>
-        <p:spPr>
-          <a:xfrm rot="10800000" flipV="1">
-            <a:off x="4665302" y="3774064"/>
-            <a:ext cx="3023121" cy="195944"/>
-          </a:xfrm>
-          <a:prstGeom prst="arc">
-            <a:avLst/>
-          </a:prstGeom>
-          <a:ln w="28575">
-            <a:solidFill>
-              <a:schemeClr val="accent1"/>
-            </a:solidFill>
-          </a:ln>
-        </p:spPr>
-        <p:style>
-          <a:lnRef idx="3">
-            <a:schemeClr val="accent2"/>
-          </a:lnRef>
-          <a:fillRef idx="0">
-            <a:schemeClr val="accent2"/>
-          </a:fillRef>
-          <a:effectRef idx="2">
-            <a:schemeClr val="accent2"/>
-          </a:effectRef>
-          <a:fontRef idx="minor">
-            <a:schemeClr val="tx1"/>
-          </a:fontRef>
-        </p:style>
-        <p:txBody>
-          <a:bodyPr rtlCol="0" anchor="ctr"/>
-          <a:lstStyle/>
-          <a:p>
-            <a:pPr algn="ctr"/>
-            <a:endParaRPr lang="en-US"/>
-          </a:p>
-        </p:txBody>
-      </p:sp>
-      <p:sp>
-        <p:nvSpPr>
-          <p:cNvPr id="58" name="Arc 57"/>
-          <p:cNvSpPr/>
-          <p:nvPr/>
-        </p:nvSpPr>
-        <p:spPr>
-          <a:xfrm rot="21600000">
-            <a:off x="4665302" y="3771410"/>
-            <a:ext cx="3023121" cy="192024"/>
-          </a:xfrm>
-          <a:prstGeom prst="arc">
-            <a:avLst/>
-          </a:prstGeom>
-          <a:ln w="28575">
-            <a:solidFill>
-              <a:schemeClr val="accent1"/>
-            </a:solidFill>
-          </a:ln>
-        </p:spPr>
-        <p:style>
-          <a:lnRef idx="3">
-            <a:schemeClr val="accent2"/>
-          </a:lnRef>
-          <a:fillRef idx="0">
-            <a:schemeClr val="accent2"/>
-          </a:fillRef>
-          <a:effectRef idx="2">
-            <a:schemeClr val="accent2"/>
-          </a:effectRef>
-          <a:fontRef idx="minor">
-            <a:schemeClr val="tx1"/>
-          </a:fontRef>
-        </p:style>
-        <p:txBody>
-          <a:bodyPr rtlCol="0" anchor="ctr"/>
-          <a:lstStyle/>
-          <a:p>
-            <a:pPr algn="ctr"/>
-            <a:endParaRPr lang="en-US"/>
-          </a:p>
-        </p:txBody>
-      </p:sp>
-      <p:cxnSp>
-        <p:nvCxnSpPr>
-          <p:cNvPr id="59" name="Straight Arrow Connector 58"/>
-          <p:cNvCxnSpPr/>
-          <p:nvPr/>
-        </p:nvCxnSpPr>
-        <p:spPr>
-          <a:xfrm>
-            <a:off x="5924486" y="2778842"/>
-            <a:ext cx="529547" cy="0"/>
-          </a:xfrm>
-          <a:prstGeom prst="straightConnector1">
-            <a:avLst/>
-          </a:prstGeom>
-          <a:ln>
-            <a:tailEnd type="triangle"/>
-          </a:ln>
-        </p:spPr>
-        <p:style>
-          <a:lnRef idx="1">
-            <a:schemeClr val="dk1"/>
-          </a:lnRef>
-          <a:fillRef idx="0">
-            <a:schemeClr val="dk1"/>
-          </a:fillRef>
-          <a:effectRef idx="0">
-            <a:schemeClr val="dk1"/>
-          </a:effectRef>
-          <a:fontRef idx="minor">
-            <a:schemeClr val="tx1"/>
-          </a:fontRef>
-        </p:style>
-      </p:cxnSp>
-      <p:cxnSp>
-        <p:nvCxnSpPr>
-          <p:cNvPr id="66" name="Straight Connector 65"/>
-          <p:cNvCxnSpPr>
-            <a:stCxn id="58" idx="0"/>
-            <a:endCxn id="56" idx="0"/>
-          </p:cNvCxnSpPr>
-          <p:nvPr/>
-        </p:nvCxnSpPr>
-        <p:spPr>
-          <a:xfrm flipV="1">
-            <a:off x="6176863" y="3081392"/>
-            <a:ext cx="5531" cy="690018"/>
-          </a:xfrm>
-          <a:prstGeom prst="line">
-            <a:avLst/>
-          </a:prstGeom>
-          <a:ln w="12700">
-            <a:prstDash val="dash"/>
-          </a:ln>
-        </p:spPr>
-        <p:style>
-          <a:lnRef idx="1">
-            <a:schemeClr val="dk1"/>
-          </a:lnRef>
-          <a:fillRef idx="0">
-            <a:schemeClr val="dk1"/>
-          </a:fillRef>
-          <a:effectRef idx="0">
-            <a:schemeClr val="dk1"/>
-          </a:effectRef>
-          <a:fontRef idx="minor">
-            <a:schemeClr val="tx1"/>
-          </a:fontRef>
-        </p:style>
-      </p:cxnSp>
-      <p:sp>
-        <p:nvSpPr>
-          <p:cNvPr id="67" name="TextBox 66"/>
-          <p:cNvSpPr txBox="1"/>
-          <p:nvPr/>
-        </p:nvSpPr>
-        <p:spPr>
-          <a:xfrm rot="21267498">
-            <a:off x="4606907" y="1321381"/>
-            <a:ext cx="742950" cy="276999"/>
-          </a:xfrm>
-          <a:prstGeom prst="rect">
-            <a:avLst/>
-          </a:prstGeom>
-          <a:noFill/>
-        </p:spPr>
-        <p:txBody>
-          <a:bodyPr wrap="square" rtlCol="0">
-            <a:spAutoFit/>
-          </a:bodyPr>
-          <a:lstStyle/>
-          <a:p>
-            <a:r>
-              <a:rPr lang="en-US" sz="1200" dirty="0" smtClean="0">
-                <a:latin typeface="cmbx12" panose="020B0500000000000000" pitchFamily="34" charset="0"/>
-              </a:rPr>
-              <a:t>probe</a:t>
-            </a:r>
-            <a:endParaRPr lang="en-US" sz="1200" dirty="0">
-              <a:latin typeface="cmbx12" panose="020B0500000000000000" pitchFamily="34" charset="0"/>
-            </a:endParaRPr>
-          </a:p>
-        </p:txBody>
-      </p:sp>
-      <p:sp>
-        <p:nvSpPr>
-          <p:cNvPr id="68" name="TextBox 67"/>
-          <p:cNvSpPr txBox="1"/>
-          <p:nvPr/>
-        </p:nvSpPr>
-        <p:spPr>
-          <a:xfrm rot="21267498">
-            <a:off x="4606907" y="3566228"/>
-            <a:ext cx="742950" cy="276999"/>
-          </a:xfrm>
-          <a:prstGeom prst="rect">
-            <a:avLst/>
-          </a:prstGeom>
-          <a:noFill/>
-        </p:spPr>
-        <p:txBody>
-          <a:bodyPr wrap="square" rtlCol="0">
-            <a:spAutoFit/>
-          </a:bodyPr>
-          <a:lstStyle/>
-          <a:p>
-            <a:r>
-              <a:rPr lang="en-US" sz="1200" dirty="0" smtClean="0">
-                <a:latin typeface="cmbx12" panose="020B0500000000000000" pitchFamily="34" charset="0"/>
-              </a:rPr>
-              <a:t>probe</a:t>
-            </a:r>
-            <a:endParaRPr lang="en-US" sz="1200" dirty="0">
-              <a:latin typeface="cmbx12" panose="020B0500000000000000" pitchFamily="34" charset="0"/>
-            </a:endParaRPr>
-          </a:p>
-        </p:txBody>
-      </p:sp>
-      <mc:AlternateContent xmlns:mc="http://schemas.openxmlformats.org/markup-compatibility/2006" xmlns:a14="http://schemas.microsoft.com/office/drawing/2010/main">
-        <mc:Choice Requires="a14">
-          <p:sp>
-            <p:nvSpPr>
-              <p:cNvPr id="69" name="TextBox 68"/>
-              <p:cNvSpPr txBox="1"/>
-              <p:nvPr/>
-            </p:nvSpPr>
-            <p:spPr>
-              <a:xfrm>
-                <a:off x="5448003" y="1926014"/>
-                <a:ext cx="1482512" cy="276999"/>
-              </a:xfrm>
-              <a:prstGeom prst="rect">
-                <a:avLst/>
-              </a:prstGeom>
-              <a:noFill/>
-            </p:spPr>
-            <p:txBody>
-              <a:bodyPr wrap="square" rtlCol="0">
-                <a:spAutoFit/>
-              </a:bodyPr>
-              <a:lstStyle/>
-              <a:p>
-                <a:pPr/>
-                <a14:m>
-                  <m:oMathPara xmlns:m="http://schemas.openxmlformats.org/officeDocument/2006/math">
-                    <m:oMathParaPr>
-                      <m:jc m:val="centerGroup"/>
-                    </m:oMathParaPr>
-                    <m:oMath xmlns:m="http://schemas.openxmlformats.org/officeDocument/2006/math">
-                      <m:r>
-                        <a:rPr lang="en-US" sz="1200" b="0" i="1" smtClean="0">
-                          <a:solidFill>
-                            <a:schemeClr val="tx1"/>
-                          </a:solidFill>
-                          <a:latin typeface="Cambria Math" panose="02040503050406030204" pitchFamily="18" charset="0"/>
-                        </a:rPr>
-                        <m:t>𝑡</m:t>
-                      </m:r>
-                      <m:r>
-                        <a:rPr lang="en-US" sz="1200" b="0" i="1" smtClean="0">
-                          <a:solidFill>
-                            <a:schemeClr val="tx1"/>
-                          </a:solidFill>
-                          <a:latin typeface="Cambria Math" panose="02040503050406030204" pitchFamily="18" charset="0"/>
-                        </a:rPr>
-                        <m:t>=0</m:t>
-                      </m:r>
-                    </m:oMath>
-                  </m:oMathPara>
-                </a14:m>
-                <a:endParaRPr lang="en-US" sz="1200" dirty="0">
-                  <a:solidFill>
-                    <a:schemeClr val="tx1"/>
-                  </a:solidFill>
-                  <a:latin typeface="cmbx12" panose="020B0500000000000000" pitchFamily="34" charset="0"/>
-                </a:endParaRPr>
-              </a:p>
-            </p:txBody>
-          </p:sp>
-        </mc:Choice>
-        <mc:Fallback xmlns="">
-          <p:sp>
-            <p:nvSpPr>
-              <p:cNvPr id="69" name="TextBox 68"/>
-              <p:cNvSpPr txBox="1">
-                <a:spLocks noRot="1" noChangeAspect="1" noMove="1" noResize="1" noEditPoints="1" noAdjustHandles="1" noChangeArrowheads="1" noChangeShapeType="1" noTextEdit="1"/>
-              </p:cNvSpPr>
-              <p:nvPr/>
-            </p:nvSpPr>
-            <p:spPr>
-              <a:xfrm>
-                <a:off x="5448003" y="1926014"/>
-                <a:ext cx="1482512" cy="276999"/>
-              </a:xfrm>
-              <a:prstGeom prst="rect">
-                <a:avLst/>
-              </a:prstGeom>
-              <a:blipFill rotWithShape="0">
-                <a:blip r:embed="rId4"/>
-                <a:stretch>
-                  <a:fillRect/>
-                </a:stretch>
-              </a:blipFill>
-            </p:spPr>
-            <p:txBody>
-              <a:bodyPr/>
-              <a:lstStyle/>
-              <a:p>
-                <a:r>
-                  <a:rPr lang="en-US">
-                    <a:noFill/>
-                  </a:rPr>
-                  <a:t> </a:t>
-                </a:r>
-              </a:p>
-            </p:txBody>
-          </p:sp>
-        </mc:Fallback>
-      </mc:AlternateContent>
-      <mc:AlternateContent xmlns:mc="http://schemas.openxmlformats.org/markup-compatibility/2006" xmlns:a14="http://schemas.microsoft.com/office/drawing/2010/main">
-        <mc:Choice Requires="a14">
-          <p:sp>
-            <p:nvSpPr>
-              <p:cNvPr id="70" name="TextBox 69"/>
-              <p:cNvSpPr txBox="1"/>
-              <p:nvPr/>
-            </p:nvSpPr>
-            <p:spPr>
-              <a:xfrm>
-                <a:off x="5435604" y="3871895"/>
-                <a:ext cx="1482512" cy="276999"/>
-              </a:xfrm>
-              <a:prstGeom prst="rect">
-                <a:avLst/>
-              </a:prstGeom>
-              <a:noFill/>
-            </p:spPr>
-            <p:txBody>
-              <a:bodyPr wrap="square" rtlCol="0">
-                <a:spAutoFit/>
-              </a:bodyPr>
-              <a:lstStyle/>
-              <a:p>
-                <a:pPr/>
-                <a14:m>
-                  <m:oMathPara xmlns:m="http://schemas.openxmlformats.org/officeDocument/2006/math">
-                    <m:oMathParaPr>
-                      <m:jc m:val="centerGroup"/>
-                    </m:oMathParaPr>
-                    <m:oMath xmlns:m="http://schemas.openxmlformats.org/officeDocument/2006/math">
-                      <m:r>
-                        <a:rPr lang="en-US" sz="1200" b="0" i="1" smtClean="0">
-                          <a:solidFill>
-                            <a:schemeClr val="tx1"/>
-                          </a:solidFill>
-                          <a:latin typeface="Cambria Math" panose="02040503050406030204" pitchFamily="18" charset="0"/>
-                        </a:rPr>
-                        <m:t>𝑡</m:t>
-                      </m:r>
-                      <m:r>
-                        <a:rPr lang="en-US" sz="1200" b="0" i="1" smtClean="0">
-                          <a:solidFill>
-                            <a:schemeClr val="tx1"/>
-                          </a:solidFill>
-                          <a:latin typeface="Cambria Math" panose="02040503050406030204" pitchFamily="18" charset="0"/>
-                          <a:ea typeface="Cambria Math" panose="02040503050406030204" pitchFamily="18" charset="0"/>
-                        </a:rPr>
-                        <m:t>&gt;</m:t>
-                      </m:r>
-                      <m:r>
-                        <a:rPr lang="en-US" sz="1200" b="0" i="1" smtClean="0">
-                          <a:solidFill>
-                            <a:schemeClr val="tx1"/>
-                          </a:solidFill>
-                          <a:latin typeface="Cambria Math" panose="02040503050406030204" pitchFamily="18" charset="0"/>
-                        </a:rPr>
-                        <m:t>0</m:t>
-                      </m:r>
-                    </m:oMath>
-                  </m:oMathPara>
-                </a14:m>
-                <a:endParaRPr lang="en-US" sz="1200" dirty="0">
-                  <a:solidFill>
-                    <a:schemeClr val="tx1"/>
-                  </a:solidFill>
-                  <a:latin typeface="cmbx12" panose="020B0500000000000000" pitchFamily="34" charset="0"/>
-                </a:endParaRPr>
-              </a:p>
-            </p:txBody>
-          </p:sp>
-        </mc:Choice>
-        <mc:Fallback xmlns="">
-          <p:sp>
-            <p:nvSpPr>
-              <p:cNvPr id="70" name="TextBox 69"/>
-              <p:cNvSpPr txBox="1">
-                <a:spLocks noRot="1" noChangeAspect="1" noMove="1" noResize="1" noEditPoints="1" noAdjustHandles="1" noChangeArrowheads="1" noChangeShapeType="1" noTextEdit="1"/>
-              </p:cNvSpPr>
-              <p:nvPr/>
-            </p:nvSpPr>
-            <p:spPr>
-              <a:xfrm>
-                <a:off x="5435604" y="3871895"/>
-                <a:ext cx="1482512" cy="276999"/>
-              </a:xfrm>
-              <a:prstGeom prst="rect">
-                <a:avLst/>
-              </a:prstGeom>
-              <a:blipFill rotWithShape="0">
-                <a:blip r:embed="rId5"/>
-                <a:stretch>
-                  <a:fillRect/>
-                </a:stretch>
-              </a:blipFill>
-            </p:spPr>
-            <p:txBody>
-              <a:bodyPr/>
-              <a:lstStyle/>
-              <a:p>
-                <a:r>
-                  <a:rPr lang="en-US">
-                    <a:noFill/>
-                  </a:rPr>
-                  <a:t> </a:t>
-                </a:r>
-              </a:p>
-            </p:txBody>
-          </p:sp>
-        </mc:Fallback>
-      </mc:AlternateContent>
-      <mc:AlternateContent xmlns:mc="http://schemas.openxmlformats.org/markup-compatibility/2006" xmlns:a14="http://schemas.microsoft.com/office/drawing/2010/main">
-        <mc:Choice Requires="a14">
-          <p:sp>
-            <p:nvSpPr>
-              <p:cNvPr id="77" name="TextBox 76"/>
-              <p:cNvSpPr txBox="1"/>
-              <p:nvPr/>
-            </p:nvSpPr>
-            <p:spPr>
-              <a:xfrm>
-                <a:off x="5674396" y="2635618"/>
-                <a:ext cx="205486" cy="286447"/>
-              </a:xfrm>
-              <a:prstGeom prst="rect">
-                <a:avLst/>
-              </a:prstGeom>
-              <a:noFill/>
-            </p:spPr>
-            <p:txBody>
-              <a:bodyPr wrap="square" rtlCol="0">
-                <a:spAutoFit/>
-              </a:bodyPr>
-              <a:lstStyle/>
-              <a:p>
-                <a:pPr/>
                 <a14:m>
                   <m:oMathPara xmlns:m="http://schemas.openxmlformats.org/officeDocument/2006/math">
                     <m:oMathParaPr>
@@ -4798,45 +3003,70 @@
                       <m:sSub>
                         <m:sSubPr>
                           <m:ctrlPr>
-                            <a:rPr lang="en-US" sz="1200" i="1" smtClean="0">
+                            <a:rPr lang="en-US" i="1">
                               <a:latin typeface="Cambria Math" panose="02040503050406030204" pitchFamily="18" charset="0"/>
                             </a:rPr>
                           </m:ctrlPr>
                         </m:sSubPr>
                         <m:e>
                           <m:r>
-                            <a:rPr lang="en-US" sz="1200" b="0" i="1" smtClean="0">
+                            <a:rPr lang="en-US" i="1">
                               <a:latin typeface="Cambria Math" panose="02040503050406030204" pitchFamily="18" charset="0"/>
                             </a:rPr>
-                            <m:t>𝑒</m:t>
+                            <m:t>𝐼</m:t>
                           </m:r>
                         </m:e>
                         <m:sub>
                           <m:r>
-                            <a:rPr lang="en-US" sz="1200" b="0" i="1" smtClean="0">
+                            <a:rPr lang="en-US" i="1">
                               <a:latin typeface="Cambria Math" panose="02040503050406030204" pitchFamily="18" charset="0"/>
                             </a:rPr>
-                            <m:t>𝑧</m:t>
+                            <m:t>0</m:t>
                           </m:r>
                         </m:sub>
                       </m:sSub>
+                      <m:r>
+                        <a:rPr lang="en-US" i="1">
+                          <a:latin typeface="Cambria Math" panose="02040503050406030204" pitchFamily="18" charset="0"/>
+                        </a:rPr>
+                        <m:t>(</m:t>
+                      </m:r>
+                      <m:r>
+                        <a:rPr lang="en-US" i="1">
+                          <a:latin typeface="Cambria Math" panose="02040503050406030204" pitchFamily="18" charset="0"/>
+                        </a:rPr>
+                        <m:t>𝑥</m:t>
+                      </m:r>
+                      <m:r>
+                        <a:rPr lang="en-US" i="1">
+                          <a:latin typeface="Cambria Math" panose="02040503050406030204" pitchFamily="18" charset="0"/>
+                        </a:rPr>
+                        <m:t>,</m:t>
+                      </m:r>
+                      <m:r>
+                        <a:rPr lang="en-US" i="1">
+                          <a:latin typeface="Cambria Math" panose="02040503050406030204" pitchFamily="18" charset="0"/>
+                        </a:rPr>
+                        <m:t>𝑦</m:t>
+                      </m:r>
+                      <m:r>
+                        <a:rPr lang="en-US" i="1">
+                          <a:latin typeface="Cambria Math" panose="02040503050406030204" pitchFamily="18" charset="0"/>
+                        </a:rPr>
+                        <m:t>)</m:t>
+                      </m:r>
                     </m:oMath>
                   </m:oMathPara>
                 </a14:m>
-                <a:endParaRPr lang="en-US" sz="1200" dirty="0">
-                  <a:solidFill>
-                    <a:schemeClr val="tx1"/>
-                  </a:solidFill>
-                  <a:latin typeface="cmbx12" panose="020B0500000000000000" pitchFamily="34" charset="0"/>
-                </a:endParaRPr>
+                <a:endParaRPr lang="en-US" dirty="0"/>
               </a:p>
             </p:txBody>
           </p:sp>
         </mc:Choice>
-        <mc:Fallback xmlns="">
+        <mc:Fallback>
           <p:sp>
             <p:nvSpPr>
-              <p:cNvPr id="77" name="TextBox 76"/>
+              <p:cNvPr id="2" name="TextBox 1"/>
               <p:cNvSpPr txBox="1">
                 <a:spLocks noRot="1" noChangeAspect="1" noMove="1" noResize="1" noEditPoints="1" noAdjustHandles="1" noChangeArrowheads="1" noChangeShapeType="1" noTextEdit="1"/>
               </p:cNvSpPr>
@@ -4844,458 +3074,16 @@
             </p:nvSpPr>
             <p:spPr>
               <a:xfrm>
-                <a:off x="5674396" y="2635618"/>
-                <a:ext cx="205486" cy="286447"/>
+                <a:off x="1784594" y="4907902"/>
+                <a:ext cx="818647" cy="369332"/>
               </a:xfrm>
               <a:prstGeom prst="rect">
                 <a:avLst/>
               </a:prstGeom>
               <a:blipFill rotWithShape="0">
-                <a:blip r:embed="rId6"/>
+                <a:blip r:embed="rId2"/>
                 <a:stretch>
-                  <a:fillRect r="-20588"/>
-                </a:stretch>
-              </a:blipFill>
-            </p:spPr>
-            <p:txBody>
-              <a:bodyPr/>
-              <a:lstStyle/>
-              <a:p>
-                <a:r>
-                  <a:rPr lang="en-US">
-                    <a:noFill/>
-                  </a:rPr>
-                  <a:t> </a:t>
-                </a:r>
-              </a:p>
-            </p:txBody>
-          </p:sp>
-        </mc:Fallback>
-      </mc:AlternateContent>
-      <p:cxnSp>
-        <p:nvCxnSpPr>
-          <p:cNvPr id="81" name="Curved Connector 80"/>
-          <p:cNvCxnSpPr>
-            <a:stCxn id="28" idx="1"/>
-          </p:cNvCxnSpPr>
-          <p:nvPr/>
-        </p:nvCxnSpPr>
-        <p:spPr>
-          <a:xfrm rot="16200000" flipV="1">
-            <a:off x="5894217" y="861528"/>
-            <a:ext cx="66918" cy="271391"/>
-          </a:xfrm>
-          <a:prstGeom prst="curvedConnector2">
-            <a:avLst/>
-          </a:prstGeom>
-          <a:ln>
-            <a:tailEnd type="triangle"/>
-          </a:ln>
-        </p:spPr>
-        <p:style>
-          <a:lnRef idx="1">
-            <a:schemeClr val="accent1"/>
-          </a:lnRef>
-          <a:fillRef idx="0">
-            <a:schemeClr val="accent1"/>
-          </a:fillRef>
-          <a:effectRef idx="0">
-            <a:schemeClr val="accent1"/>
-          </a:effectRef>
-          <a:fontRef idx="minor">
-            <a:schemeClr val="tx1"/>
-          </a:fontRef>
-        </p:style>
-      </p:cxnSp>
-      <p:cxnSp>
-        <p:nvCxnSpPr>
-          <p:cNvPr id="83" name="Curved Connector 82"/>
-          <p:cNvCxnSpPr/>
-          <p:nvPr/>
-        </p:nvCxnSpPr>
-        <p:spPr>
-          <a:xfrm rot="5400000" flipH="1" flipV="1">
-            <a:off x="6133138" y="792861"/>
-            <a:ext cx="264672" cy="157678"/>
-          </a:xfrm>
-          <a:prstGeom prst="curvedConnector3">
-            <a:avLst/>
-          </a:prstGeom>
-          <a:ln>
-            <a:tailEnd type="triangle"/>
-          </a:ln>
-        </p:spPr>
-        <p:style>
-          <a:lnRef idx="1">
-            <a:schemeClr val="accent1"/>
-          </a:lnRef>
-          <a:fillRef idx="0">
-            <a:schemeClr val="accent1"/>
-          </a:fillRef>
-          <a:effectRef idx="0">
-            <a:schemeClr val="accent1"/>
-          </a:effectRef>
-          <a:fontRef idx="minor">
-            <a:schemeClr val="tx1"/>
-          </a:fontRef>
-        </p:style>
-      </p:cxnSp>
-      <p:cxnSp>
-        <p:nvCxnSpPr>
-          <p:cNvPr id="85" name="Curved Connector 84"/>
-          <p:cNvCxnSpPr>
-            <a:stCxn id="28" idx="6"/>
-          </p:cNvCxnSpPr>
-          <p:nvPr/>
-        </p:nvCxnSpPr>
-        <p:spPr>
-          <a:xfrm>
-            <a:off x="6344313" y="1158250"/>
-            <a:ext cx="370646" cy="124427"/>
-          </a:xfrm>
-          <a:prstGeom prst="curvedConnector3">
-            <a:avLst/>
-          </a:prstGeom>
-          <a:ln>
-            <a:tailEnd type="triangle"/>
-          </a:ln>
-        </p:spPr>
-        <p:style>
-          <a:lnRef idx="1">
-            <a:schemeClr val="accent1"/>
-          </a:lnRef>
-          <a:fillRef idx="0">
-            <a:schemeClr val="accent1"/>
-          </a:fillRef>
-          <a:effectRef idx="0">
-            <a:schemeClr val="accent1"/>
-          </a:effectRef>
-          <a:fontRef idx="minor">
-            <a:schemeClr val="tx1"/>
-          </a:fontRef>
-        </p:style>
-      </p:cxnSp>
-      <p:cxnSp>
-        <p:nvCxnSpPr>
-          <p:cNvPr id="87" name="Curved Connector 86"/>
-          <p:cNvCxnSpPr/>
-          <p:nvPr/>
-        </p:nvCxnSpPr>
-        <p:spPr>
-          <a:xfrm rot="16200000" flipH="1">
-            <a:off x="6112750" y="1374442"/>
-            <a:ext cx="231077" cy="111335"/>
-          </a:xfrm>
-          <a:prstGeom prst="curvedConnector3">
-            <a:avLst/>
-          </a:prstGeom>
-          <a:ln>
-            <a:tailEnd type="triangle"/>
-          </a:ln>
-        </p:spPr>
-        <p:style>
-          <a:lnRef idx="1">
-            <a:schemeClr val="accent1"/>
-          </a:lnRef>
-          <a:fillRef idx="0">
-            <a:schemeClr val="accent1"/>
-          </a:fillRef>
-          <a:effectRef idx="0">
-            <a:schemeClr val="accent1"/>
-          </a:effectRef>
-          <a:fontRef idx="minor">
-            <a:schemeClr val="tx1"/>
-          </a:fontRef>
-        </p:style>
-      </p:cxnSp>
-      <p:cxnSp>
-        <p:nvCxnSpPr>
-          <p:cNvPr id="89" name="Curved Connector 88"/>
-          <p:cNvCxnSpPr/>
-          <p:nvPr/>
-        </p:nvCxnSpPr>
-        <p:spPr>
-          <a:xfrm rot="5400000">
-            <a:off x="5903054" y="1165825"/>
-            <a:ext cx="55811" cy="239540"/>
-          </a:xfrm>
-          <a:prstGeom prst="curvedConnector2">
-            <a:avLst/>
-          </a:prstGeom>
-          <a:ln>
-            <a:tailEnd type="triangle"/>
-          </a:ln>
-        </p:spPr>
-        <p:style>
-          <a:lnRef idx="1">
-            <a:schemeClr val="accent1"/>
-          </a:lnRef>
-          <a:fillRef idx="0">
-            <a:schemeClr val="accent1"/>
-          </a:fillRef>
-          <a:effectRef idx="0">
-            <a:schemeClr val="accent1"/>
-          </a:effectRef>
-          <a:fontRef idx="minor">
-            <a:schemeClr val="tx1"/>
-          </a:fontRef>
-        </p:style>
-      </p:cxnSp>
-      <p:cxnSp>
-        <p:nvCxnSpPr>
-          <p:cNvPr id="96" name="Curved Connector 95"/>
-          <p:cNvCxnSpPr/>
-          <p:nvPr/>
-        </p:nvCxnSpPr>
-        <p:spPr>
-          <a:xfrm rot="16200000" flipV="1">
-            <a:off x="6496176" y="3084541"/>
-            <a:ext cx="66918" cy="271391"/>
-          </a:xfrm>
-          <a:prstGeom prst="curvedConnector2">
-            <a:avLst/>
-          </a:prstGeom>
-          <a:ln>
-            <a:tailEnd type="triangle"/>
-          </a:ln>
-        </p:spPr>
-        <p:style>
-          <a:lnRef idx="1">
-            <a:schemeClr val="accent1"/>
-          </a:lnRef>
-          <a:fillRef idx="0">
-            <a:schemeClr val="accent1"/>
-          </a:fillRef>
-          <a:effectRef idx="0">
-            <a:schemeClr val="accent1"/>
-          </a:effectRef>
-          <a:fontRef idx="minor">
-            <a:schemeClr val="tx1"/>
-          </a:fontRef>
-        </p:style>
-      </p:cxnSp>
-      <p:cxnSp>
-        <p:nvCxnSpPr>
-          <p:cNvPr id="97" name="Curved Connector 96"/>
-          <p:cNvCxnSpPr/>
-          <p:nvPr/>
-        </p:nvCxnSpPr>
-        <p:spPr>
-          <a:xfrm rot="5400000" flipH="1" flipV="1">
-            <a:off x="6785780" y="3030241"/>
-            <a:ext cx="264672" cy="157678"/>
-          </a:xfrm>
-          <a:prstGeom prst="curvedConnector3">
-            <a:avLst/>
-          </a:prstGeom>
-          <a:ln>
-            <a:tailEnd type="triangle"/>
-          </a:ln>
-        </p:spPr>
-        <p:style>
-          <a:lnRef idx="1">
-            <a:schemeClr val="accent1"/>
-          </a:lnRef>
-          <a:fillRef idx="0">
-            <a:schemeClr val="accent1"/>
-          </a:fillRef>
-          <a:effectRef idx="0">
-            <a:schemeClr val="accent1"/>
-          </a:effectRef>
-          <a:fontRef idx="minor">
-            <a:schemeClr val="tx1"/>
-          </a:fontRef>
-        </p:style>
-      </p:cxnSp>
-      <p:cxnSp>
-        <p:nvCxnSpPr>
-          <p:cNvPr id="98" name="Curved Connector 97"/>
-          <p:cNvCxnSpPr/>
-          <p:nvPr/>
-        </p:nvCxnSpPr>
-        <p:spPr>
-          <a:xfrm>
-            <a:off x="6907635" y="3525451"/>
-            <a:ext cx="370646" cy="124427"/>
-          </a:xfrm>
-          <a:prstGeom prst="curvedConnector3">
-            <a:avLst/>
-          </a:prstGeom>
-          <a:ln>
-            <a:tailEnd type="triangle"/>
-          </a:ln>
-        </p:spPr>
-        <p:style>
-          <a:lnRef idx="1">
-            <a:schemeClr val="accent1"/>
-          </a:lnRef>
-          <a:fillRef idx="0">
-            <a:schemeClr val="accent1"/>
-          </a:fillRef>
-          <a:effectRef idx="0">
-            <a:schemeClr val="accent1"/>
-          </a:effectRef>
-          <a:fontRef idx="minor">
-            <a:schemeClr val="tx1"/>
-          </a:fontRef>
-        </p:style>
-      </p:cxnSp>
-      <p:cxnSp>
-        <p:nvCxnSpPr>
-          <p:cNvPr id="100" name="Curved Connector 99"/>
-          <p:cNvCxnSpPr/>
-          <p:nvPr/>
-        </p:nvCxnSpPr>
-        <p:spPr>
-          <a:xfrm rot="16200000" flipH="1">
-            <a:off x="6703642" y="3700688"/>
-            <a:ext cx="231077" cy="111335"/>
-          </a:xfrm>
-          <a:prstGeom prst="curvedConnector3">
-            <a:avLst/>
-          </a:prstGeom>
-          <a:ln>
-            <a:tailEnd type="triangle"/>
-          </a:ln>
-        </p:spPr>
-        <p:style>
-          <a:lnRef idx="1">
-            <a:schemeClr val="accent1"/>
-          </a:lnRef>
-          <a:fillRef idx="0">
-            <a:schemeClr val="accent1"/>
-          </a:fillRef>
-          <a:effectRef idx="0">
-            <a:schemeClr val="accent1"/>
-          </a:effectRef>
-          <a:fontRef idx="minor">
-            <a:schemeClr val="tx1"/>
-          </a:fontRef>
-        </p:style>
-      </p:cxnSp>
-      <p:cxnSp>
-        <p:nvCxnSpPr>
-          <p:cNvPr id="101" name="Curved Connector 100"/>
-          <p:cNvCxnSpPr/>
-          <p:nvPr/>
-        </p:nvCxnSpPr>
-        <p:spPr>
-          <a:xfrm rot="5400000">
-            <a:off x="6511727" y="3474271"/>
-            <a:ext cx="55811" cy="239540"/>
-          </a:xfrm>
-          <a:prstGeom prst="curvedConnector2">
-            <a:avLst/>
-          </a:prstGeom>
-          <a:ln>
-            <a:tailEnd type="triangle"/>
-          </a:ln>
-        </p:spPr>
-        <p:style>
-          <a:lnRef idx="1">
-            <a:schemeClr val="accent1"/>
-          </a:lnRef>
-          <a:fillRef idx="0">
-            <a:schemeClr val="accent1"/>
-          </a:fillRef>
-          <a:effectRef idx="0">
-            <a:schemeClr val="accent1"/>
-          </a:effectRef>
-          <a:fontRef idx="minor">
-            <a:schemeClr val="tx1"/>
-          </a:fontRef>
-        </p:style>
-      </p:cxnSp>
-      <mc:AlternateContent xmlns:mc="http://schemas.openxmlformats.org/markup-compatibility/2006" xmlns:a14="http://schemas.microsoft.com/office/drawing/2010/main">
-        <mc:Choice Requires="a14">
-          <p:sp>
-            <p:nvSpPr>
-              <p:cNvPr id="45" name="TextBox 44"/>
-              <p:cNvSpPr txBox="1"/>
-              <p:nvPr/>
-            </p:nvSpPr>
-            <p:spPr>
-              <a:xfrm>
-                <a:off x="5672623" y="391112"/>
-                <a:ext cx="205486" cy="286447"/>
-              </a:xfrm>
-              <a:prstGeom prst="rect">
-                <a:avLst/>
-              </a:prstGeom>
-              <a:noFill/>
-            </p:spPr>
-            <p:txBody>
-              <a:bodyPr wrap="square" rtlCol="0">
-                <a:spAutoFit/>
-              </a:bodyPr>
-              <a:lstStyle/>
-              <a:p>
-                <a:pPr/>
-                <a14:m>
-                  <m:oMathPara xmlns:m="http://schemas.openxmlformats.org/officeDocument/2006/math">
-                    <m:oMathParaPr>
-                      <m:jc m:val="centerGroup"/>
-                    </m:oMathParaPr>
-                    <m:oMath xmlns:m="http://schemas.openxmlformats.org/officeDocument/2006/math">
-                      <m:sSub>
-                        <m:sSubPr>
-                          <m:ctrlPr>
-                            <a:rPr lang="en-US" sz="1200" i="1" smtClean="0">
-                              <a:latin typeface="Cambria Math" panose="02040503050406030204" pitchFamily="18" charset="0"/>
-                            </a:rPr>
-                          </m:ctrlPr>
-                        </m:sSubPr>
-                        <m:e>
-                          <m:r>
-                            <a:rPr lang="en-US" sz="1200" b="0" i="1" smtClean="0">
-                              <a:latin typeface="Cambria Math" panose="02040503050406030204" pitchFamily="18" charset="0"/>
-                            </a:rPr>
-                            <m:t>𝑒</m:t>
-                          </m:r>
-                        </m:e>
-                        <m:sub>
-                          <m:r>
-                            <a:rPr lang="en-US" sz="1200" b="0" i="1" smtClean="0">
-                              <a:latin typeface="Cambria Math" panose="02040503050406030204" pitchFamily="18" charset="0"/>
-                            </a:rPr>
-                            <m:t>𝑧</m:t>
-                          </m:r>
-                        </m:sub>
-                      </m:sSub>
-                    </m:oMath>
-                  </m:oMathPara>
-                </a14:m>
-                <a:endParaRPr lang="en-US" sz="1200" dirty="0">
-                  <a:solidFill>
-                    <a:schemeClr val="tx1"/>
-                  </a:solidFill>
-                  <a:latin typeface="cmbx12" panose="020B0500000000000000" pitchFamily="34" charset="0"/>
-                </a:endParaRPr>
-              </a:p>
-            </p:txBody>
-          </p:sp>
-        </mc:Choice>
-        <mc:Fallback xmlns="">
-          <p:sp>
-            <p:nvSpPr>
-              <p:cNvPr id="45" name="TextBox 44"/>
-              <p:cNvSpPr txBox="1">
-                <a:spLocks noRot="1" noChangeAspect="1" noMove="1" noResize="1" noEditPoints="1" noAdjustHandles="1" noChangeArrowheads="1" noChangeShapeType="1" noTextEdit="1"/>
-              </p:cNvSpPr>
-              <p:nvPr/>
-            </p:nvSpPr>
-            <p:spPr>
-              <a:xfrm>
-                <a:off x="5672623" y="391112"/>
-                <a:ext cx="205486" cy="286447"/>
-              </a:xfrm>
-              <a:prstGeom prst="rect">
-                <a:avLst/>
-              </a:prstGeom>
-              <a:blipFill rotWithShape="0">
-                <a:blip r:embed="rId6"/>
-                <a:stretch>
-                  <a:fillRect r="-24242"/>
+                  <a:fillRect r="-12687" b="-13115"/>
                 </a:stretch>
               </a:blipFill>
             </p:spPr>
@@ -5316,63 +3104,2280 @@
       </mc:AlternateContent>
       <p:grpSp>
         <p:nvGrpSpPr>
-          <p:cNvPr id="10" name="Group 9"/>
+          <p:cNvPr id="74" name="Group 73"/>
           <p:cNvGrpSpPr/>
           <p:nvPr/>
         </p:nvGrpSpPr>
         <p:grpSpPr>
           <a:xfrm>
-            <a:off x="836142" y="250134"/>
-            <a:ext cx="466410" cy="745311"/>
-            <a:chOff x="836142" y="221559"/>
-            <a:chExt cx="466410" cy="745311"/>
+            <a:off x="816743" y="192447"/>
+            <a:ext cx="3009478" cy="4226067"/>
+            <a:chOff x="816743" y="192447"/>
+            <a:chExt cx="3009478" cy="4226067"/>
+          </a:xfrm>
+        </p:grpSpPr>
+        <p:sp>
+          <p:nvSpPr>
+            <p:cNvPr id="23" name="TextBox 22"/>
+            <p:cNvSpPr txBox="1"/>
+            <p:nvPr/>
+          </p:nvSpPr>
+          <p:spPr>
+            <a:xfrm rot="1807636">
+              <a:off x="2690572" y="271481"/>
+              <a:ext cx="1135649" cy="369332"/>
+            </a:xfrm>
+            <a:prstGeom prst="rect">
+              <a:avLst/>
+            </a:prstGeom>
+            <a:noFill/>
+          </p:spPr>
+          <p:txBody>
+            <a:bodyPr wrap="square" rtlCol="0">
+              <a:spAutoFit/>
+            </a:bodyPr>
+            <a:lstStyle/>
+            <a:p>
+              <a:r>
+                <a:rPr lang="en-US" dirty="0" smtClean="0">
+                  <a:latin typeface="cmb10" panose="020B0500000000000000" pitchFamily="34" charset="0"/>
+                </a:rPr>
+                <a:t>Camera</a:t>
+              </a:r>
+              <a:endParaRPr lang="en-US" dirty="0">
+                <a:latin typeface="cmb10" panose="020B0500000000000000" pitchFamily="34" charset="0"/>
+              </a:endParaRPr>
+            </a:p>
+          </p:txBody>
+        </p:sp>
+        <p:grpSp>
+          <p:nvGrpSpPr>
+            <p:cNvPr id="73" name="Group 72"/>
+            <p:cNvGrpSpPr/>
+            <p:nvPr/>
+          </p:nvGrpSpPr>
+          <p:grpSpPr>
+            <a:xfrm>
+              <a:off x="816743" y="192447"/>
+              <a:ext cx="3006835" cy="4226067"/>
+              <a:chOff x="816743" y="192447"/>
+              <a:chExt cx="3006835" cy="4226067"/>
+            </a:xfrm>
+          </p:grpSpPr>
+          <p:sp>
+            <p:nvSpPr>
+              <p:cNvPr id="11" name="Right Arrow 10"/>
+              <p:cNvSpPr/>
+              <p:nvPr/>
+            </p:nvSpPr>
+            <p:spPr>
+              <a:xfrm rot="20683574">
+                <a:off x="876304" y="1207700"/>
+                <a:ext cx="852497" cy="537887"/>
+              </a:xfrm>
+              <a:prstGeom prst="rightArrow">
+                <a:avLst/>
+              </a:prstGeom>
+              <a:scene3d>
+                <a:camera prst="perspectiveRight"/>
+                <a:lightRig rig="threePt" dir="t"/>
+              </a:scene3d>
+              <a:sp3d>
+                <a:bevelT/>
+              </a:sp3d>
+            </p:spPr>
+            <p:style>
+              <a:lnRef idx="2">
+                <a:schemeClr val="accent1">
+                  <a:shade val="50000"/>
+                </a:schemeClr>
+              </a:lnRef>
+              <a:fillRef idx="1">
+                <a:schemeClr val="accent1"/>
+              </a:fillRef>
+              <a:effectRef idx="0">
+                <a:schemeClr val="accent1"/>
+              </a:effectRef>
+              <a:fontRef idx="minor">
+                <a:schemeClr val="lt1"/>
+              </a:fontRef>
+            </p:style>
+            <p:txBody>
+              <a:bodyPr rtlCol="0" anchor="ctr"/>
+              <a:lstStyle/>
+              <a:p>
+                <a:pPr algn="ctr"/>
+                <a:endParaRPr lang="en-US"/>
+              </a:p>
+            </p:txBody>
+          </p:sp>
+          <p:sp>
+            <p:nvSpPr>
+              <p:cNvPr id="12" name="Oval 11"/>
+              <p:cNvSpPr/>
+              <p:nvPr/>
+            </p:nvSpPr>
+            <p:spPr>
+              <a:xfrm>
+                <a:off x="1633913" y="935938"/>
+                <a:ext cx="781051" cy="800100"/>
+              </a:xfrm>
+              <a:prstGeom prst="ellipse">
+                <a:avLst/>
+              </a:prstGeom>
+              <a:solidFill>
+                <a:schemeClr val="accent3">
+                  <a:lumMod val="75000"/>
+                </a:schemeClr>
+              </a:solidFill>
+              <a:ln>
+                <a:solidFill>
+                  <a:schemeClr val="accent3">
+                    <a:lumMod val="75000"/>
+                  </a:schemeClr>
+                </a:solidFill>
+              </a:ln>
+              <a:effectLst>
+                <a:softEdge rad="63500"/>
+              </a:effectLst>
+              <a:scene3d>
+                <a:camera prst="isometricLeftDown"/>
+                <a:lightRig rig="threePt" dir="t"/>
+              </a:scene3d>
+              <a:sp3d>
+                <a:bevelT w="285750" h="342900"/>
+                <a:bevelB w="431800" h="361950"/>
+              </a:sp3d>
+            </p:spPr>
+            <p:style>
+              <a:lnRef idx="1">
+                <a:schemeClr val="accent6"/>
+              </a:lnRef>
+              <a:fillRef idx="2">
+                <a:schemeClr val="accent6"/>
+              </a:fillRef>
+              <a:effectRef idx="1">
+                <a:schemeClr val="accent6"/>
+              </a:effectRef>
+              <a:fontRef idx="minor">
+                <a:schemeClr val="dk1"/>
+              </a:fontRef>
+            </p:style>
+            <p:txBody>
+              <a:bodyPr rtlCol="0" anchor="ctr"/>
+              <a:lstStyle/>
+              <a:p>
+                <a:pPr algn="ctr"/>
+                <a:endParaRPr lang="en-US"/>
+              </a:p>
+            </p:txBody>
+          </p:sp>
+          <p:sp>
+            <p:nvSpPr>
+              <p:cNvPr id="13" name="Rectangle 12"/>
+              <p:cNvSpPr/>
+              <p:nvPr/>
+            </p:nvSpPr>
+            <p:spPr>
+              <a:xfrm>
+                <a:off x="2678304" y="467307"/>
+                <a:ext cx="948388" cy="1240155"/>
+              </a:xfrm>
+              <a:prstGeom prst="rect">
+                <a:avLst/>
+              </a:prstGeom>
+              <a:gradFill flip="none" rotWithShape="1">
+                <a:gsLst>
+                  <a:gs pos="0">
+                    <a:schemeClr val="accent1">
+                      <a:tint val="66000"/>
+                      <a:satMod val="160000"/>
+                    </a:schemeClr>
+                  </a:gs>
+                  <a:gs pos="50000">
+                    <a:schemeClr val="accent1">
+                      <a:tint val="44500"/>
+                      <a:satMod val="160000"/>
+                    </a:schemeClr>
+                  </a:gs>
+                  <a:gs pos="100000">
+                    <a:schemeClr val="accent1">
+                      <a:tint val="23500"/>
+                      <a:satMod val="160000"/>
+                    </a:schemeClr>
+                  </a:gs>
+                </a:gsLst>
+                <a:path path="circle">
+                  <a:fillToRect l="50000" t="50000" r="50000" b="50000"/>
+                </a:path>
+                <a:tileRect/>
+              </a:gradFill>
+              <a:ln>
+                <a:solidFill>
+                  <a:schemeClr val="tx1"/>
+                </a:solidFill>
+              </a:ln>
+              <a:scene3d>
+                <a:camera prst="isometricLeftDown"/>
+                <a:lightRig rig="threePt" dir="t"/>
+              </a:scene3d>
+              <a:sp3d>
+                <a:bevelT w="165100" prst="coolSlant"/>
+              </a:sp3d>
+            </p:spPr>
+            <p:style>
+              <a:lnRef idx="2">
+                <a:schemeClr val="accent1">
+                  <a:shade val="50000"/>
+                </a:schemeClr>
+              </a:lnRef>
+              <a:fillRef idx="1">
+                <a:schemeClr val="accent1"/>
+              </a:fillRef>
+              <a:effectRef idx="0">
+                <a:schemeClr val="accent1"/>
+              </a:effectRef>
+              <a:fontRef idx="minor">
+                <a:schemeClr val="lt1"/>
+              </a:fontRef>
+            </p:style>
+            <p:txBody>
+              <a:bodyPr rtlCol="0" anchor="ctr"/>
+              <a:lstStyle/>
+              <a:p>
+                <a:pPr algn="ctr"/>
+                <a:endParaRPr lang="en-US"/>
+              </a:p>
+            </p:txBody>
+          </p:sp>
+          <p:sp>
+            <p:nvSpPr>
+              <p:cNvPr id="14" name="Oval 13"/>
+              <p:cNvSpPr/>
+              <p:nvPr/>
+            </p:nvSpPr>
+            <p:spPr>
+              <a:xfrm>
+                <a:off x="2775607" y="678417"/>
+                <a:ext cx="781051" cy="800100"/>
+              </a:xfrm>
+              <a:prstGeom prst="ellipse">
+                <a:avLst/>
+              </a:prstGeom>
+              <a:gradFill flip="none" rotWithShape="1">
+                <a:gsLst>
+                  <a:gs pos="58000">
+                    <a:schemeClr val="accent1">
+                      <a:lumMod val="40000"/>
+                      <a:lumOff val="60000"/>
+                    </a:schemeClr>
+                  </a:gs>
+                  <a:gs pos="0">
+                    <a:schemeClr val="bg1"/>
+                  </a:gs>
+                </a:gsLst>
+                <a:path path="circle">
+                  <a:fillToRect l="50000" t="50000" r="50000" b="50000"/>
+                </a:path>
+                <a:tileRect/>
+              </a:gradFill>
+              <a:effectLst>
+                <a:softEdge rad="63500"/>
+              </a:effectLst>
+              <a:scene3d>
+                <a:camera prst="isometricLeftDown"/>
+                <a:lightRig rig="threePt" dir="t"/>
+              </a:scene3d>
+            </p:spPr>
+            <p:style>
+              <a:lnRef idx="1">
+                <a:schemeClr val="accent6"/>
+              </a:lnRef>
+              <a:fillRef idx="2">
+                <a:schemeClr val="accent6"/>
+              </a:fillRef>
+              <a:effectRef idx="1">
+                <a:schemeClr val="accent6"/>
+              </a:effectRef>
+              <a:fontRef idx="minor">
+                <a:schemeClr val="dk1"/>
+              </a:fontRef>
+            </p:style>
+            <p:txBody>
+              <a:bodyPr rtlCol="0" anchor="ctr"/>
+              <a:lstStyle/>
+              <a:p>
+                <a:pPr algn="ctr"/>
+                <a:endParaRPr lang="en-US"/>
+              </a:p>
+            </p:txBody>
+          </p:sp>
+          <p:sp>
+            <p:nvSpPr>
+              <p:cNvPr id="16" name="Rectangle 15"/>
+              <p:cNvSpPr/>
+              <p:nvPr/>
+            </p:nvSpPr>
+            <p:spPr>
+              <a:xfrm>
+                <a:off x="2678304" y="2623773"/>
+                <a:ext cx="948388" cy="1240155"/>
+              </a:xfrm>
+              <a:prstGeom prst="rect">
+                <a:avLst/>
+              </a:prstGeom>
+              <a:gradFill flip="none" rotWithShape="1">
+                <a:gsLst>
+                  <a:gs pos="0">
+                    <a:schemeClr val="accent1"/>
+                  </a:gs>
+                  <a:gs pos="66000">
+                    <a:schemeClr val="accent1">
+                      <a:tint val="44500"/>
+                      <a:satMod val="160000"/>
+                    </a:schemeClr>
+                  </a:gs>
+                  <a:gs pos="100000">
+                    <a:schemeClr val="accent1">
+                      <a:tint val="23500"/>
+                      <a:satMod val="160000"/>
+                    </a:schemeClr>
+                  </a:gs>
+                </a:gsLst>
+                <a:path path="circle">
+                  <a:fillToRect l="50000" t="50000" r="50000" b="50000"/>
+                </a:path>
+                <a:tileRect/>
+              </a:gradFill>
+              <a:ln>
+                <a:solidFill>
+                  <a:schemeClr val="tx1"/>
+                </a:solidFill>
+              </a:ln>
+              <a:scene3d>
+                <a:camera prst="isometricLeftDown"/>
+                <a:lightRig rig="threePt" dir="t"/>
+              </a:scene3d>
+              <a:sp3d>
+                <a:bevelT w="165100" prst="coolSlant"/>
+              </a:sp3d>
+            </p:spPr>
+            <p:style>
+              <a:lnRef idx="2">
+                <a:schemeClr val="accent1">
+                  <a:shade val="50000"/>
+                </a:schemeClr>
+              </a:lnRef>
+              <a:fillRef idx="1">
+                <a:schemeClr val="accent1"/>
+              </a:fillRef>
+              <a:effectRef idx="0">
+                <a:schemeClr val="accent1"/>
+              </a:effectRef>
+              <a:fontRef idx="minor">
+                <a:schemeClr val="lt1"/>
+              </a:fontRef>
+            </p:style>
+            <p:txBody>
+              <a:bodyPr rtlCol="0" anchor="ctr"/>
+              <a:lstStyle/>
+              <a:p>
+                <a:pPr algn="ctr"/>
+                <a:endParaRPr lang="en-US"/>
+              </a:p>
+            </p:txBody>
+          </p:sp>
+          <p:sp>
+            <p:nvSpPr>
+              <p:cNvPr id="17" name="TextBox 16"/>
+              <p:cNvSpPr txBox="1"/>
+              <p:nvPr/>
+            </p:nvSpPr>
+            <p:spPr>
+              <a:xfrm rot="20630855">
+                <a:off x="826701" y="1277427"/>
+                <a:ext cx="951576" cy="369332"/>
+              </a:xfrm>
+              <a:prstGeom prst="rect">
+                <a:avLst/>
+              </a:prstGeom>
+              <a:noFill/>
+            </p:spPr>
+            <p:txBody>
+              <a:bodyPr wrap="square" rtlCol="0">
+                <a:spAutoFit/>
+              </a:bodyPr>
+              <a:lstStyle/>
+              <a:p>
+                <a:r>
+                  <a:rPr lang="en-US" dirty="0" smtClean="0">
+                    <a:latin typeface="cmb10" panose="020B0500000000000000" pitchFamily="34" charset="0"/>
+                  </a:rPr>
+                  <a:t>probe</a:t>
+                </a:r>
+                <a:endParaRPr lang="en-US" dirty="0">
+                  <a:latin typeface="cmb10" panose="020B0500000000000000" pitchFamily="34" charset="0"/>
+                </a:endParaRPr>
+              </a:p>
+            </p:txBody>
+          </p:sp>
+          <p:sp>
+            <p:nvSpPr>
+              <p:cNvPr id="19" name="TextBox 18"/>
+              <p:cNvSpPr txBox="1"/>
+              <p:nvPr/>
+            </p:nvSpPr>
+            <p:spPr>
+              <a:xfrm>
+                <a:off x="1919700" y="1558236"/>
+                <a:ext cx="878355" cy="369332"/>
+              </a:xfrm>
+              <a:prstGeom prst="rect">
+                <a:avLst/>
+              </a:prstGeom>
+              <a:noFill/>
+            </p:spPr>
+            <p:txBody>
+              <a:bodyPr wrap="square" rtlCol="0">
+                <a:spAutoFit/>
+              </a:bodyPr>
+              <a:lstStyle/>
+              <a:p>
+                <a:r>
+                  <a:rPr lang="en-US" dirty="0" smtClean="0">
+                    <a:latin typeface="cmb10" panose="020B0500000000000000" pitchFamily="34" charset="0"/>
+                  </a:rPr>
+                  <a:t>atoms</a:t>
+                </a:r>
+                <a:endParaRPr lang="en-US" dirty="0">
+                  <a:latin typeface="cmb10" panose="020B0500000000000000" pitchFamily="34" charset="0"/>
+                </a:endParaRPr>
+              </a:p>
+            </p:txBody>
+          </p:sp>
+          <p:sp>
+            <p:nvSpPr>
+              <p:cNvPr id="20" name="TextBox 19"/>
+              <p:cNvSpPr txBox="1"/>
+              <p:nvPr/>
+            </p:nvSpPr>
+            <p:spPr>
+              <a:xfrm>
+                <a:off x="1016604" y="1960112"/>
+                <a:ext cx="2459856" cy="369332"/>
+              </a:xfrm>
+              <a:prstGeom prst="rect">
+                <a:avLst/>
+              </a:prstGeom>
+              <a:noFill/>
+            </p:spPr>
+            <p:txBody>
+              <a:bodyPr wrap="square" rtlCol="0">
+                <a:spAutoFit/>
+              </a:bodyPr>
+              <a:lstStyle/>
+              <a:p>
+                <a:r>
+                  <a:rPr lang="en-US" dirty="0" smtClean="0">
+                    <a:solidFill>
+                      <a:schemeClr val="tx1"/>
+                    </a:solidFill>
+                    <a:latin typeface="cmb10" panose="020B0500000000000000" pitchFamily="34" charset="0"/>
+                  </a:rPr>
+                  <a:t>Imaging with atoms</a:t>
+                </a:r>
+                <a:endParaRPr lang="en-US" dirty="0">
+                  <a:solidFill>
+                    <a:schemeClr val="tx1"/>
+                  </a:solidFill>
+                  <a:latin typeface="cmb10" panose="020B0500000000000000" pitchFamily="34" charset="0"/>
+                </a:endParaRPr>
+              </a:p>
+            </p:txBody>
+          </p:sp>
+          <p:sp>
+            <p:nvSpPr>
+              <p:cNvPr id="21" name="TextBox 20"/>
+              <p:cNvSpPr txBox="1"/>
+              <p:nvPr/>
+            </p:nvSpPr>
+            <p:spPr>
+              <a:xfrm>
+                <a:off x="835472" y="4049182"/>
+                <a:ext cx="2822121" cy="369332"/>
+              </a:xfrm>
+              <a:prstGeom prst="rect">
+                <a:avLst/>
+              </a:prstGeom>
+              <a:noFill/>
+            </p:spPr>
+            <p:txBody>
+              <a:bodyPr wrap="square" rtlCol="0">
+                <a:spAutoFit/>
+              </a:bodyPr>
+              <a:lstStyle/>
+              <a:p>
+                <a:r>
+                  <a:rPr lang="en-US" dirty="0" smtClean="0">
+                    <a:solidFill>
+                      <a:schemeClr val="tx1"/>
+                    </a:solidFill>
+                    <a:latin typeface="cmb10" panose="020B0500000000000000" pitchFamily="34" charset="0"/>
+                  </a:rPr>
+                  <a:t>Imaging without atoms</a:t>
+                </a:r>
+                <a:endParaRPr lang="en-US" dirty="0">
+                  <a:solidFill>
+                    <a:schemeClr val="tx1"/>
+                  </a:solidFill>
+                  <a:latin typeface="cmb10" panose="020B0500000000000000" pitchFamily="34" charset="0"/>
+                </a:endParaRPr>
+              </a:p>
+            </p:txBody>
+          </p:sp>
+          <p:sp>
+            <p:nvSpPr>
+              <p:cNvPr id="22" name="TextBox 21"/>
+              <p:cNvSpPr txBox="1"/>
+              <p:nvPr/>
+            </p:nvSpPr>
+            <p:spPr>
+              <a:xfrm rot="1807636">
+                <a:off x="2693215" y="2426542"/>
+                <a:ext cx="1130363" cy="369332"/>
+              </a:xfrm>
+              <a:prstGeom prst="rect">
+                <a:avLst/>
+              </a:prstGeom>
+              <a:noFill/>
+            </p:spPr>
+            <p:txBody>
+              <a:bodyPr wrap="square" rtlCol="0">
+                <a:spAutoFit/>
+              </a:bodyPr>
+              <a:lstStyle/>
+              <a:p>
+                <a:r>
+                  <a:rPr lang="en-US" dirty="0" smtClean="0">
+                    <a:latin typeface="cmb10" panose="020B0500000000000000" pitchFamily="34" charset="0"/>
+                  </a:rPr>
+                  <a:t>Camera</a:t>
+                </a:r>
+                <a:endParaRPr lang="en-US" dirty="0">
+                  <a:latin typeface="cmb10" panose="020B0500000000000000" pitchFamily="34" charset="0"/>
+                </a:endParaRPr>
+              </a:p>
+            </p:txBody>
+          </p:sp>
+          <p:sp>
+            <p:nvSpPr>
+              <p:cNvPr id="26" name="Right Arrow 25"/>
+              <p:cNvSpPr/>
+              <p:nvPr/>
+            </p:nvSpPr>
+            <p:spPr>
+              <a:xfrm rot="20683574">
+                <a:off x="876305" y="3215286"/>
+                <a:ext cx="852497" cy="537887"/>
+              </a:xfrm>
+              <a:prstGeom prst="rightArrow">
+                <a:avLst/>
+              </a:prstGeom>
+              <a:scene3d>
+                <a:camera prst="perspectiveRight"/>
+                <a:lightRig rig="threePt" dir="t"/>
+              </a:scene3d>
+              <a:sp3d>
+                <a:bevelT/>
+              </a:sp3d>
+            </p:spPr>
+            <p:style>
+              <a:lnRef idx="2">
+                <a:schemeClr val="accent1">
+                  <a:shade val="50000"/>
+                </a:schemeClr>
+              </a:lnRef>
+              <a:fillRef idx="1">
+                <a:schemeClr val="accent1"/>
+              </a:fillRef>
+              <a:effectRef idx="0">
+                <a:schemeClr val="accent1"/>
+              </a:effectRef>
+              <a:fontRef idx="minor">
+                <a:schemeClr val="lt1"/>
+              </a:fontRef>
+            </p:style>
+            <p:txBody>
+              <a:bodyPr rtlCol="0" anchor="ctr"/>
+              <a:lstStyle/>
+              <a:p>
+                <a:pPr algn="ctr"/>
+                <a:endParaRPr lang="en-US"/>
+              </a:p>
+            </p:txBody>
+          </p:sp>
+          <p:sp>
+            <p:nvSpPr>
+              <p:cNvPr id="27" name="TextBox 26"/>
+              <p:cNvSpPr txBox="1"/>
+              <p:nvPr/>
+            </p:nvSpPr>
+            <p:spPr>
+              <a:xfrm rot="20787053">
+                <a:off x="816743" y="3302642"/>
+                <a:ext cx="942756" cy="369332"/>
+              </a:xfrm>
+              <a:prstGeom prst="rect">
+                <a:avLst/>
+              </a:prstGeom>
+              <a:noFill/>
+            </p:spPr>
+            <p:txBody>
+              <a:bodyPr wrap="square" rtlCol="0">
+                <a:spAutoFit/>
+              </a:bodyPr>
+              <a:lstStyle/>
+              <a:p>
+                <a:r>
+                  <a:rPr lang="en-US" dirty="0" smtClean="0">
+                    <a:latin typeface="cmb10" panose="020B0500000000000000" pitchFamily="34" charset="0"/>
+                  </a:rPr>
+                  <a:t>probe</a:t>
+                </a:r>
+                <a:endParaRPr lang="en-US" dirty="0">
+                  <a:latin typeface="cmb10" panose="020B0500000000000000" pitchFamily="34" charset="0"/>
+                </a:endParaRPr>
+              </a:p>
+            </p:txBody>
+          </p:sp>
+          <p:cxnSp>
+            <p:nvCxnSpPr>
+              <p:cNvPr id="46" name="Straight Arrow Connector 45"/>
+              <p:cNvCxnSpPr/>
+              <p:nvPr/>
+            </p:nvCxnSpPr>
+            <p:spPr>
+              <a:xfrm rot="18060000">
+                <a:off x="1179128" y="511975"/>
+                <a:ext cx="0" cy="579082"/>
+              </a:xfrm>
+              <a:prstGeom prst="straightConnector1">
+                <a:avLst/>
+              </a:prstGeom>
+              <a:ln w="12700">
+                <a:tailEnd type="triangle"/>
+              </a:ln>
+            </p:spPr>
+            <p:style>
+              <a:lnRef idx="1">
+                <a:schemeClr val="accent1"/>
+              </a:lnRef>
+              <a:fillRef idx="0">
+                <a:schemeClr val="accent1"/>
+              </a:fillRef>
+              <a:effectRef idx="0">
+                <a:schemeClr val="accent1"/>
+              </a:effectRef>
+              <a:fontRef idx="minor">
+                <a:schemeClr val="tx1"/>
+              </a:fontRef>
+            </p:style>
+          </p:cxnSp>
+          <mc:AlternateContent xmlns:mc="http://schemas.openxmlformats.org/markup-compatibility/2006">
+            <mc:Choice xmlns:a14="http://schemas.microsoft.com/office/drawing/2010/main" Requires="a14">
+              <p:sp>
+                <p:nvSpPr>
+                  <p:cNvPr id="48" name="TextBox 47"/>
+                  <p:cNvSpPr txBox="1"/>
+                  <p:nvPr/>
+                </p:nvSpPr>
+                <p:spPr>
+                  <a:xfrm>
+                    <a:off x="1319347" y="647488"/>
+                    <a:ext cx="289184" cy="369332"/>
+                  </a:xfrm>
+                  <a:prstGeom prst="rect">
+                    <a:avLst/>
+                  </a:prstGeom>
+                  <a:noFill/>
+                </p:spPr>
+                <p:txBody>
+                  <a:bodyPr wrap="square" rtlCol="0">
+                    <a:spAutoFit/>
+                  </a:bodyPr>
+                  <a:lstStyle/>
+                  <a:p>
+                    <a:pPr/>
+                    <a14:m>
+                      <m:oMathPara xmlns:m="http://schemas.openxmlformats.org/officeDocument/2006/math">
+                        <m:oMathParaPr>
+                          <m:jc m:val="centerGroup"/>
+                        </m:oMathParaPr>
+                        <m:oMath xmlns:m="http://schemas.openxmlformats.org/officeDocument/2006/math">
+                          <m:sSub>
+                            <m:sSubPr>
+                              <m:ctrlPr>
+                                <a:rPr lang="en-US" i="1" smtClean="0">
+                                  <a:latin typeface="Cambria Math" panose="02040503050406030204" pitchFamily="18" charset="0"/>
+                                </a:rPr>
+                              </m:ctrlPr>
+                            </m:sSubPr>
+                            <m:e>
+                              <m:r>
+                                <a:rPr lang="en-US" b="0" i="1" smtClean="0">
+                                  <a:latin typeface="Cambria Math" panose="02040503050406030204" pitchFamily="18" charset="0"/>
+                                </a:rPr>
+                                <m:t>𝑒</m:t>
+                              </m:r>
+                            </m:e>
+                            <m:sub>
+                              <m:r>
+                                <a:rPr lang="en-US" b="0" i="1" smtClean="0">
+                                  <a:latin typeface="Cambria Math" panose="02040503050406030204" pitchFamily="18" charset="0"/>
+                                </a:rPr>
+                                <m:t>𝑥</m:t>
+                              </m:r>
+                            </m:sub>
+                          </m:sSub>
+                        </m:oMath>
+                      </m:oMathPara>
+                    </a14:m>
+                    <a:endParaRPr lang="en-US" dirty="0">
+                      <a:solidFill>
+                        <a:schemeClr val="tx1"/>
+                      </a:solidFill>
+                      <a:latin typeface="cmb10" panose="020B0500000000000000" pitchFamily="34" charset="0"/>
+                    </a:endParaRPr>
+                  </a:p>
+                </p:txBody>
+              </p:sp>
+            </mc:Choice>
+            <mc:Fallback>
+              <p:sp>
+                <p:nvSpPr>
+                  <p:cNvPr id="48" name="TextBox 47"/>
+                  <p:cNvSpPr txBox="1">
+                    <a:spLocks noRot="1" noChangeAspect="1" noMove="1" noResize="1" noEditPoints="1" noAdjustHandles="1" noChangeArrowheads="1" noChangeShapeType="1" noTextEdit="1"/>
+                  </p:cNvSpPr>
+                  <p:nvPr/>
+                </p:nvSpPr>
+                <p:spPr>
+                  <a:xfrm>
+                    <a:off x="1319347" y="647488"/>
+                    <a:ext cx="289184" cy="369332"/>
+                  </a:xfrm>
+                  <a:prstGeom prst="rect">
+                    <a:avLst/>
+                  </a:prstGeom>
+                  <a:blipFill rotWithShape="0">
+                    <a:blip r:embed="rId3"/>
+                    <a:stretch>
+                      <a:fillRect r="-20833"/>
+                    </a:stretch>
+                  </a:blipFill>
+                </p:spPr>
+                <p:txBody>
+                  <a:bodyPr/>
+                  <a:lstStyle/>
+                  <a:p>
+                    <a:r>
+                      <a:rPr lang="en-US">
+                        <a:noFill/>
+                      </a:rPr>
+                      <a:t> </a:t>
+                    </a:r>
+                  </a:p>
+                </p:txBody>
+              </p:sp>
+            </mc:Fallback>
+          </mc:AlternateContent>
+          <mc:AlternateContent xmlns:mc="http://schemas.openxmlformats.org/markup-compatibility/2006">
+            <mc:Choice xmlns:a14="http://schemas.microsoft.com/office/drawing/2010/main" Requires="a14">
+              <p:sp>
+                <p:nvSpPr>
+                  <p:cNvPr id="49" name="TextBox 48"/>
+                  <p:cNvSpPr txBox="1"/>
+                  <p:nvPr/>
+                </p:nvSpPr>
+                <p:spPr>
+                  <a:xfrm>
+                    <a:off x="1249149" y="192447"/>
+                    <a:ext cx="289184" cy="369332"/>
+                  </a:xfrm>
+                  <a:prstGeom prst="rect">
+                    <a:avLst/>
+                  </a:prstGeom>
+                  <a:noFill/>
+                </p:spPr>
+                <p:txBody>
+                  <a:bodyPr wrap="square" rtlCol="0">
+                    <a:spAutoFit/>
+                  </a:bodyPr>
+                  <a:lstStyle/>
+                  <a:p>
+                    <a:pPr/>
+                    <a14:m>
+                      <m:oMathPara xmlns:m="http://schemas.openxmlformats.org/officeDocument/2006/math">
+                        <m:oMathParaPr>
+                          <m:jc m:val="centerGroup"/>
+                        </m:oMathParaPr>
+                        <m:oMath xmlns:m="http://schemas.openxmlformats.org/officeDocument/2006/math">
+                          <m:sSub>
+                            <m:sSubPr>
+                              <m:ctrlPr>
+                                <a:rPr lang="en-US" i="1" smtClean="0">
+                                  <a:latin typeface="Cambria Math" panose="02040503050406030204" pitchFamily="18" charset="0"/>
+                                </a:rPr>
+                              </m:ctrlPr>
+                            </m:sSubPr>
+                            <m:e>
+                              <m:r>
+                                <a:rPr lang="en-US" b="0" i="1" smtClean="0">
+                                  <a:latin typeface="Cambria Math" panose="02040503050406030204" pitchFamily="18" charset="0"/>
+                                </a:rPr>
+                                <m:t>𝑒</m:t>
+                              </m:r>
+                            </m:e>
+                            <m:sub>
+                              <m:r>
+                                <a:rPr lang="en-US" b="0" i="1" smtClean="0">
+                                  <a:latin typeface="Cambria Math" panose="02040503050406030204" pitchFamily="18" charset="0"/>
+                                </a:rPr>
+                                <m:t>𝑧</m:t>
+                              </m:r>
+                            </m:sub>
+                          </m:sSub>
+                        </m:oMath>
+                      </m:oMathPara>
+                    </a14:m>
+                    <a:endParaRPr lang="en-US" dirty="0">
+                      <a:solidFill>
+                        <a:schemeClr val="tx1"/>
+                      </a:solidFill>
+                      <a:latin typeface="cmb10" panose="020B0500000000000000" pitchFamily="34" charset="0"/>
+                    </a:endParaRPr>
+                  </a:p>
+                </p:txBody>
+              </p:sp>
+            </mc:Choice>
+            <mc:Fallback>
+              <p:sp>
+                <p:nvSpPr>
+                  <p:cNvPr id="49" name="TextBox 48"/>
+                  <p:cNvSpPr txBox="1">
+                    <a:spLocks noRot="1" noChangeAspect="1" noMove="1" noResize="1" noEditPoints="1" noAdjustHandles="1" noChangeArrowheads="1" noChangeShapeType="1" noTextEdit="1"/>
+                  </p:cNvSpPr>
+                  <p:nvPr/>
+                </p:nvSpPr>
+                <p:spPr>
+                  <a:xfrm>
+                    <a:off x="1249149" y="192447"/>
+                    <a:ext cx="289184" cy="369332"/>
+                  </a:xfrm>
+                  <a:prstGeom prst="rect">
+                    <a:avLst/>
+                  </a:prstGeom>
+                  <a:blipFill rotWithShape="0">
+                    <a:blip r:embed="rId4"/>
+                    <a:stretch>
+                      <a:fillRect r="-17021"/>
+                    </a:stretch>
+                  </a:blipFill>
+                </p:spPr>
+                <p:txBody>
+                  <a:bodyPr/>
+                  <a:lstStyle/>
+                  <a:p>
+                    <a:r>
+                      <a:rPr lang="en-US">
+                        <a:noFill/>
+                      </a:rPr>
+                      <a:t> </a:t>
+                    </a:r>
+                  </a:p>
+                </p:txBody>
+              </p:sp>
+            </mc:Fallback>
+          </mc:AlternateContent>
+          <p:cxnSp>
+            <p:nvCxnSpPr>
+              <p:cNvPr id="60" name="Straight Arrow Connector 59"/>
+              <p:cNvCxnSpPr/>
+              <p:nvPr/>
+            </p:nvCxnSpPr>
+            <p:spPr>
+              <a:xfrm>
+                <a:off x="931178" y="660783"/>
+                <a:ext cx="0" cy="509584"/>
+              </a:xfrm>
+              <a:prstGeom prst="straightConnector1">
+                <a:avLst/>
+              </a:prstGeom>
+              <a:ln w="12700">
+                <a:tailEnd type="triangle"/>
+              </a:ln>
+            </p:spPr>
+            <p:style>
+              <a:lnRef idx="1">
+                <a:schemeClr val="accent1"/>
+              </a:lnRef>
+              <a:fillRef idx="0">
+                <a:schemeClr val="accent1"/>
+              </a:fillRef>
+              <a:effectRef idx="0">
+                <a:schemeClr val="accent1"/>
+              </a:effectRef>
+              <a:fontRef idx="minor">
+                <a:schemeClr val="tx1"/>
+              </a:fontRef>
+            </p:style>
+          </p:cxnSp>
+          <p:cxnSp>
+            <p:nvCxnSpPr>
+              <p:cNvPr id="61" name="Straight Arrow Connector 60"/>
+              <p:cNvCxnSpPr/>
+              <p:nvPr/>
+            </p:nvCxnSpPr>
+            <p:spPr>
+              <a:xfrm rot="4440000" flipV="1">
+                <a:off x="1209266" y="293691"/>
+                <a:ext cx="0" cy="579082"/>
+              </a:xfrm>
+              <a:prstGeom prst="straightConnector1">
+                <a:avLst/>
+              </a:prstGeom>
+              <a:ln w="12700">
+                <a:tailEnd type="triangle"/>
+              </a:ln>
+            </p:spPr>
+            <p:style>
+              <a:lnRef idx="1">
+                <a:schemeClr val="accent1"/>
+              </a:lnRef>
+              <a:fillRef idx="0">
+                <a:schemeClr val="accent1"/>
+              </a:fillRef>
+              <a:effectRef idx="0">
+                <a:schemeClr val="accent1"/>
+              </a:effectRef>
+              <a:fontRef idx="minor">
+                <a:schemeClr val="tx1"/>
+              </a:fontRef>
+            </p:style>
+          </p:cxnSp>
+          <mc:AlternateContent xmlns:mc="http://schemas.openxmlformats.org/markup-compatibility/2006">
+            <mc:Choice xmlns:a14="http://schemas.microsoft.com/office/drawing/2010/main" Requires="a14">
+              <p:sp>
+                <p:nvSpPr>
+                  <p:cNvPr id="62" name="TextBox 61"/>
+                  <p:cNvSpPr txBox="1"/>
+                  <p:nvPr/>
+                </p:nvSpPr>
+                <p:spPr>
+                  <a:xfrm>
+                    <a:off x="907736" y="875611"/>
+                    <a:ext cx="341799" cy="391261"/>
+                  </a:xfrm>
+                  <a:prstGeom prst="rect">
+                    <a:avLst/>
+                  </a:prstGeom>
+                  <a:noFill/>
+                </p:spPr>
+                <p:txBody>
+                  <a:bodyPr wrap="square" rtlCol="0">
+                    <a:spAutoFit/>
+                  </a:bodyPr>
+                  <a:lstStyle/>
+                  <a:p>
+                    <a:pPr/>
+                    <a14:m>
+                      <m:oMathPara xmlns:m="http://schemas.openxmlformats.org/officeDocument/2006/math">
+                        <m:oMathParaPr>
+                          <m:jc m:val="centerGroup"/>
+                        </m:oMathParaPr>
+                        <m:oMath xmlns:m="http://schemas.openxmlformats.org/officeDocument/2006/math">
+                          <m:sSub>
+                            <m:sSubPr>
+                              <m:ctrlPr>
+                                <a:rPr lang="en-US" i="1" smtClean="0">
+                                  <a:latin typeface="Cambria Math" panose="02040503050406030204" pitchFamily="18" charset="0"/>
+                                </a:rPr>
+                              </m:ctrlPr>
+                            </m:sSubPr>
+                            <m:e>
+                              <m:r>
+                                <a:rPr lang="en-US" b="0" i="1" smtClean="0">
+                                  <a:latin typeface="Cambria Math" panose="02040503050406030204" pitchFamily="18" charset="0"/>
+                                </a:rPr>
+                                <m:t>𝑒</m:t>
+                              </m:r>
+                            </m:e>
+                            <m:sub>
+                              <m:r>
+                                <a:rPr lang="en-US" b="0" i="1" smtClean="0">
+                                  <a:latin typeface="Cambria Math" panose="02040503050406030204" pitchFamily="18" charset="0"/>
+                                </a:rPr>
+                                <m:t>𝑦</m:t>
+                              </m:r>
+                            </m:sub>
+                          </m:sSub>
+                        </m:oMath>
+                      </m:oMathPara>
+                    </a14:m>
+                    <a:endParaRPr lang="en-US" dirty="0">
+                      <a:solidFill>
+                        <a:schemeClr val="tx1"/>
+                      </a:solidFill>
+                      <a:latin typeface="cmb10" panose="020B0500000000000000" pitchFamily="34" charset="0"/>
+                    </a:endParaRPr>
+                  </a:p>
+                </p:txBody>
+              </p:sp>
+            </mc:Choice>
+            <mc:Fallback>
+              <p:sp>
+                <p:nvSpPr>
+                  <p:cNvPr id="62" name="TextBox 61"/>
+                  <p:cNvSpPr txBox="1">
+                    <a:spLocks noRot="1" noChangeAspect="1" noMove="1" noResize="1" noEditPoints="1" noAdjustHandles="1" noChangeArrowheads="1" noChangeShapeType="1" noTextEdit="1"/>
+                  </p:cNvSpPr>
+                  <p:nvPr/>
+                </p:nvSpPr>
+                <p:spPr>
+                  <a:xfrm>
+                    <a:off x="907736" y="875611"/>
+                    <a:ext cx="341799" cy="391261"/>
+                  </a:xfrm>
+                  <a:prstGeom prst="rect">
+                    <a:avLst/>
+                  </a:prstGeom>
+                  <a:blipFill rotWithShape="0">
+                    <a:blip r:embed="rId5"/>
+                    <a:stretch>
+                      <a:fillRect r="-8929" b="-3125"/>
+                    </a:stretch>
+                  </a:blipFill>
+                </p:spPr>
+                <p:txBody>
+                  <a:bodyPr/>
+                  <a:lstStyle/>
+                  <a:p>
+                    <a:r>
+                      <a:rPr lang="en-US">
+                        <a:noFill/>
+                      </a:rPr>
+                      <a:t> </a:t>
+                    </a:r>
+                  </a:p>
+                </p:txBody>
+              </p:sp>
+            </mc:Fallback>
+          </mc:AlternateContent>
+          <mc:AlternateContent xmlns:mc="http://schemas.openxmlformats.org/markup-compatibility/2006">
+            <mc:Choice xmlns:a14="http://schemas.microsoft.com/office/drawing/2010/main" Requires="a14">
+              <p:sp>
+                <p:nvSpPr>
+                  <p:cNvPr id="53" name="TextBox 52"/>
+                  <p:cNvSpPr txBox="1"/>
+                  <p:nvPr/>
+                </p:nvSpPr>
+                <p:spPr>
+                  <a:xfrm rot="1807636">
+                    <a:off x="2701625" y="1523342"/>
+                    <a:ext cx="949140" cy="391582"/>
+                  </a:xfrm>
+                  <a:prstGeom prst="rect">
+                    <a:avLst/>
+                  </a:prstGeom>
+                  <a:noFill/>
+                </p:spPr>
+                <p:txBody>
+                  <a:bodyPr wrap="square" rtlCol="0">
+                    <a:spAutoFit/>
+                  </a:bodyPr>
+                  <a:lstStyle/>
+                  <a:p>
+                    <a:pPr/>
+                    <a14:m>
+                      <m:oMathPara xmlns:m="http://schemas.openxmlformats.org/officeDocument/2006/math">
+                        <m:oMathParaPr>
+                          <m:jc m:val="centerGroup"/>
+                        </m:oMathParaPr>
+                        <m:oMath xmlns:m="http://schemas.openxmlformats.org/officeDocument/2006/math">
+                          <m:sSub>
+                            <m:sSubPr>
+                              <m:ctrlPr>
+                                <a:rPr lang="en-US" i="1" smtClean="0">
+                                  <a:latin typeface="Cambria Math" panose="02040503050406030204" pitchFamily="18" charset="0"/>
+                                </a:rPr>
+                              </m:ctrlPr>
+                            </m:sSubPr>
+                            <m:e>
+                              <m:r>
+                                <a:rPr lang="en-US" i="1">
+                                  <a:latin typeface="Cambria Math" panose="02040503050406030204" pitchFamily="18" charset="0"/>
+                                </a:rPr>
+                                <m:t>𝐼</m:t>
+                              </m:r>
+                            </m:e>
+                            <m:sub>
+                              <m:r>
+                                <a:rPr lang="en-US" b="0" i="1" smtClean="0">
+                                  <a:latin typeface="Cambria Math" panose="02040503050406030204" pitchFamily="18" charset="0"/>
+                                </a:rPr>
+                                <m:t>𝑓</m:t>
+                              </m:r>
+                            </m:sub>
+                          </m:sSub>
+                          <m:r>
+                            <a:rPr lang="en-US" i="1">
+                              <a:latin typeface="Cambria Math" panose="02040503050406030204" pitchFamily="18" charset="0"/>
+                            </a:rPr>
+                            <m:t>(</m:t>
+                          </m:r>
+                          <m:r>
+                            <m:rPr>
+                              <m:sty m:val="p"/>
+                            </m:rPr>
+                            <a:rPr lang="en-US" i="0">
+                              <a:latin typeface="Cambria Math" panose="02040503050406030204" pitchFamily="18" charset="0"/>
+                            </a:rPr>
+                            <m:t>x</m:t>
+                          </m:r>
+                          <m:r>
+                            <a:rPr lang="en-US" i="1">
+                              <a:latin typeface="Cambria Math" panose="02040503050406030204" pitchFamily="18" charset="0"/>
+                            </a:rPr>
+                            <m:t>,</m:t>
+                          </m:r>
+                          <m:r>
+                            <a:rPr lang="en-US" i="1">
+                              <a:latin typeface="Cambria Math" panose="02040503050406030204" pitchFamily="18" charset="0"/>
+                            </a:rPr>
+                            <m:t>𝑦</m:t>
+                          </m:r>
+                          <m:r>
+                            <a:rPr lang="en-US" i="1">
+                              <a:latin typeface="Cambria Math" panose="02040503050406030204" pitchFamily="18" charset="0"/>
+                            </a:rPr>
+                            <m:t>)</m:t>
+                          </m:r>
+                        </m:oMath>
+                      </m:oMathPara>
+                    </a14:m>
+                    <a:endParaRPr lang="en-US" dirty="0">
+                      <a:latin typeface="cmb10" panose="020B0500000000000000" pitchFamily="34" charset="0"/>
+                    </a:endParaRPr>
+                  </a:p>
+                </p:txBody>
+              </p:sp>
+            </mc:Choice>
+            <mc:Fallback>
+              <p:sp>
+                <p:nvSpPr>
+                  <p:cNvPr id="53" name="TextBox 52"/>
+                  <p:cNvSpPr txBox="1">
+                    <a:spLocks noRot="1" noChangeAspect="1" noMove="1" noResize="1" noEditPoints="1" noAdjustHandles="1" noChangeArrowheads="1" noChangeShapeType="1" noTextEdit="1"/>
+                  </p:cNvSpPr>
+                  <p:nvPr/>
+                </p:nvSpPr>
+                <p:spPr>
+                  <a:xfrm rot="1807636">
+                    <a:off x="2701625" y="1523342"/>
+                    <a:ext cx="949140" cy="391582"/>
+                  </a:xfrm>
+                  <a:prstGeom prst="rect">
+                    <a:avLst/>
+                  </a:prstGeom>
+                  <a:blipFill rotWithShape="0">
+                    <a:blip r:embed="rId6"/>
+                    <a:stretch>
+                      <a:fillRect b="-2239"/>
+                    </a:stretch>
+                  </a:blipFill>
+                </p:spPr>
+                <p:txBody>
+                  <a:bodyPr/>
+                  <a:lstStyle/>
+                  <a:p>
+                    <a:r>
+                      <a:rPr lang="en-US">
+                        <a:noFill/>
+                      </a:rPr>
+                      <a:t> </a:t>
+                    </a:r>
+                  </a:p>
+                </p:txBody>
+              </p:sp>
+            </mc:Fallback>
+          </mc:AlternateContent>
+          <mc:AlternateContent xmlns:mc="http://schemas.openxmlformats.org/markup-compatibility/2006">
+            <mc:Choice xmlns:a14="http://schemas.microsoft.com/office/drawing/2010/main" Requires="a14">
+              <p:sp>
+                <p:nvSpPr>
+                  <p:cNvPr id="64" name="TextBox 63"/>
+                  <p:cNvSpPr txBox="1"/>
+                  <p:nvPr/>
+                </p:nvSpPr>
+                <p:spPr>
+                  <a:xfrm rot="1807636">
+                    <a:off x="2708195" y="3695476"/>
+                    <a:ext cx="936000" cy="369332"/>
+                  </a:xfrm>
+                  <a:prstGeom prst="rect">
+                    <a:avLst/>
+                  </a:prstGeom>
+                  <a:noFill/>
+                </p:spPr>
+                <p:txBody>
+                  <a:bodyPr wrap="square" rtlCol="0">
+                    <a:spAutoFit/>
+                  </a:bodyPr>
+                  <a:lstStyle/>
+                  <a:p>
+                    <a:pPr/>
+                    <a14:m>
+                      <m:oMathPara xmlns:m="http://schemas.openxmlformats.org/officeDocument/2006/math">
+                        <m:oMathParaPr>
+                          <m:jc m:val="centerGroup"/>
+                        </m:oMathParaPr>
+                        <m:oMath xmlns:m="http://schemas.openxmlformats.org/officeDocument/2006/math">
+                          <m:sSub>
+                            <m:sSubPr>
+                              <m:ctrlPr>
+                                <a:rPr lang="en-US" i="1">
+                                  <a:latin typeface="Cambria Math" panose="02040503050406030204" pitchFamily="18" charset="0"/>
+                                </a:rPr>
+                              </m:ctrlPr>
+                            </m:sSubPr>
+                            <m:e>
+                              <m:r>
+                                <a:rPr lang="en-US" i="1">
+                                  <a:latin typeface="Cambria Math" panose="02040503050406030204" pitchFamily="18" charset="0"/>
+                                </a:rPr>
+                                <m:t>𝐼</m:t>
+                              </m:r>
+                            </m:e>
+                            <m:sub>
+                              <m:r>
+                                <a:rPr lang="en-US" i="1">
+                                  <a:latin typeface="Cambria Math" panose="02040503050406030204" pitchFamily="18" charset="0"/>
+                                </a:rPr>
+                                <m:t>0</m:t>
+                              </m:r>
+                            </m:sub>
+                          </m:sSub>
+                          <m:r>
+                            <a:rPr lang="en-US" i="1">
+                              <a:latin typeface="Cambria Math" panose="02040503050406030204" pitchFamily="18" charset="0"/>
+                            </a:rPr>
+                            <m:t>(</m:t>
+                          </m:r>
+                          <m:r>
+                            <a:rPr lang="en-US" i="1">
+                              <a:latin typeface="Cambria Math" panose="02040503050406030204" pitchFamily="18" charset="0"/>
+                            </a:rPr>
+                            <m:t>𝑥</m:t>
+                          </m:r>
+                          <m:r>
+                            <a:rPr lang="en-US" i="1">
+                              <a:latin typeface="Cambria Math" panose="02040503050406030204" pitchFamily="18" charset="0"/>
+                            </a:rPr>
+                            <m:t>,</m:t>
+                          </m:r>
+                          <m:r>
+                            <a:rPr lang="en-US" i="1">
+                              <a:latin typeface="Cambria Math" panose="02040503050406030204" pitchFamily="18" charset="0"/>
+                            </a:rPr>
+                            <m:t>𝑦</m:t>
+                          </m:r>
+                          <m:r>
+                            <a:rPr lang="en-US" i="1">
+                              <a:latin typeface="Cambria Math" panose="02040503050406030204" pitchFamily="18" charset="0"/>
+                            </a:rPr>
+                            <m:t>)</m:t>
+                          </m:r>
+                        </m:oMath>
+                      </m:oMathPara>
+                    </a14:m>
+                    <a:endParaRPr lang="en-US" dirty="0"/>
+                  </a:p>
+                </p:txBody>
+              </p:sp>
+            </mc:Choice>
+            <mc:Fallback>
+              <p:sp>
+                <p:nvSpPr>
+                  <p:cNvPr id="64" name="TextBox 63"/>
+                  <p:cNvSpPr txBox="1">
+                    <a:spLocks noRot="1" noChangeAspect="1" noMove="1" noResize="1" noEditPoints="1" noAdjustHandles="1" noChangeArrowheads="1" noChangeShapeType="1" noTextEdit="1"/>
+                  </p:cNvSpPr>
+                  <p:nvPr/>
+                </p:nvSpPr>
+                <p:spPr>
+                  <a:xfrm rot="1807636">
+                    <a:off x="2708195" y="3695476"/>
+                    <a:ext cx="936000" cy="369332"/>
+                  </a:xfrm>
+                  <a:prstGeom prst="rect">
+                    <a:avLst/>
+                  </a:prstGeom>
+                  <a:blipFill rotWithShape="0">
+                    <a:blip r:embed="rId7"/>
+                    <a:stretch>
+                      <a:fillRect b="-4580"/>
+                    </a:stretch>
+                  </a:blipFill>
+                </p:spPr>
+                <p:txBody>
+                  <a:bodyPr/>
+                  <a:lstStyle/>
+                  <a:p>
+                    <a:r>
+                      <a:rPr lang="en-US">
+                        <a:noFill/>
+                      </a:rPr>
+                      <a:t> </a:t>
+                    </a:r>
+                  </a:p>
+                </p:txBody>
+              </p:sp>
+            </mc:Fallback>
+          </mc:AlternateContent>
+        </p:grpSp>
+      </p:grpSp>
+      <p:grpSp>
+        <p:nvGrpSpPr>
+          <p:cNvPr id="72" name="Group 71"/>
+          <p:cNvGrpSpPr/>
+          <p:nvPr/>
+        </p:nvGrpSpPr>
+        <p:grpSpPr>
+          <a:xfrm>
+            <a:off x="4606594" y="391112"/>
+            <a:ext cx="3087361" cy="3850115"/>
+            <a:chOff x="4606594" y="391112"/>
+            <a:chExt cx="3087361" cy="3850115"/>
           </a:xfrm>
         </p:grpSpPr>
         <p:cxnSp>
           <p:nvCxnSpPr>
-            <p:cNvPr id="46" name="Straight Arrow Connector 45"/>
-            <p:cNvCxnSpPr/>
+            <p:cNvPr id="63" name="Straight Connector 62"/>
+            <p:cNvCxnSpPr>
+              <a:stCxn id="32" idx="0"/>
+              <a:endCxn id="30" idx="0"/>
+            </p:cNvCxnSpPr>
             <p:nvPr/>
           </p:nvCxnSpPr>
           <p:spPr>
-            <a:xfrm rot="18060000">
-              <a:off x="1075397" y="439820"/>
-              <a:ext cx="0" cy="411480"/>
+            <a:xfrm flipV="1">
+              <a:off x="6176863" y="769504"/>
+              <a:ext cx="5530" cy="773997"/>
             </a:xfrm>
-            <a:prstGeom prst="straightConnector1">
+            <a:prstGeom prst="line">
               <a:avLst/>
             </a:prstGeom>
             <a:ln w="12700">
-              <a:tailEnd type="triangle"/>
+              <a:prstDash val="dash"/>
             </a:ln>
           </p:spPr>
           <p:style>
             <a:lnRef idx="1">
-              <a:schemeClr val="accent1"/>
+              <a:schemeClr val="dk1"/>
             </a:lnRef>
             <a:fillRef idx="0">
+              <a:schemeClr val="dk1"/>
+            </a:fillRef>
+            <a:effectRef idx="0">
+              <a:schemeClr val="dk1"/>
+            </a:effectRef>
+            <a:fontRef idx="minor">
+              <a:schemeClr val="tx1"/>
+            </a:fontRef>
+          </p:style>
+        </p:cxnSp>
+        <p:sp>
+          <p:nvSpPr>
+            <p:cNvPr id="28" name="Oval 27"/>
+            <p:cNvSpPr/>
+            <p:nvPr/>
+          </p:nvSpPr>
+          <p:spPr>
+            <a:xfrm>
+              <a:off x="6015169" y="977843"/>
+              <a:ext cx="329144" cy="360814"/>
+            </a:xfrm>
+            <a:prstGeom prst="ellipse">
+              <a:avLst/>
+            </a:prstGeom>
+            <a:gradFill flip="none" rotWithShape="1">
+              <a:gsLst>
+                <a:gs pos="0">
+                  <a:schemeClr val="accent3">
+                    <a:lumMod val="75000"/>
+                    <a:tint val="66000"/>
+                    <a:satMod val="160000"/>
+                  </a:schemeClr>
+                </a:gs>
+                <a:gs pos="50000">
+                  <a:schemeClr val="accent3">
+                    <a:lumMod val="75000"/>
+                    <a:tint val="44500"/>
+                    <a:satMod val="160000"/>
+                  </a:schemeClr>
+                </a:gs>
+                <a:gs pos="100000">
+                  <a:schemeClr val="accent3">
+                    <a:lumMod val="75000"/>
+                    <a:tint val="23500"/>
+                    <a:satMod val="160000"/>
+                  </a:schemeClr>
+                </a:gs>
+              </a:gsLst>
+              <a:path path="circle">
+                <a:fillToRect l="50000" t="50000" r="50000" b="50000"/>
+              </a:path>
+              <a:tileRect/>
+            </a:gradFill>
+            <a:ln>
+              <a:noFill/>
+            </a:ln>
+          </p:spPr>
+          <p:style>
+            <a:lnRef idx="2">
+              <a:schemeClr val="accent1">
+                <a:shade val="50000"/>
+              </a:schemeClr>
+            </a:lnRef>
+            <a:fillRef idx="1">
               <a:schemeClr val="accent1"/>
             </a:fillRef>
             <a:effectRef idx="0">
               <a:schemeClr val="accent1"/>
             </a:effectRef>
             <a:fontRef idx="minor">
+              <a:schemeClr val="lt1"/>
+            </a:fontRef>
+          </p:style>
+          <p:txBody>
+            <a:bodyPr rtlCol="0" anchor="ctr"/>
+            <a:lstStyle/>
+            <a:p>
+              <a:pPr algn="ctr"/>
+              <a:endParaRPr lang="en-US"/>
+            </a:p>
+          </p:txBody>
+        </p:sp>
+        <p:sp>
+          <p:nvSpPr>
+            <p:cNvPr id="29" name="Arc 28"/>
+            <p:cNvSpPr/>
+            <p:nvPr/>
+          </p:nvSpPr>
+          <p:spPr>
+            <a:xfrm flipV="1">
+              <a:off x="4655969" y="566884"/>
+              <a:ext cx="3023121" cy="195944"/>
+            </a:xfrm>
+            <a:prstGeom prst="arc">
+              <a:avLst/>
+            </a:prstGeom>
+            <a:ln w="28575">
+              <a:solidFill>
+                <a:schemeClr val="accent1"/>
+              </a:solidFill>
+            </a:ln>
+          </p:spPr>
+          <p:style>
+            <a:lnRef idx="3">
+              <a:schemeClr val="accent2"/>
+            </a:lnRef>
+            <a:fillRef idx="0">
+              <a:schemeClr val="accent2"/>
+            </a:fillRef>
+            <a:effectRef idx="2">
+              <a:schemeClr val="accent2"/>
+            </a:effectRef>
+            <a:fontRef idx="minor">
+              <a:schemeClr val="tx1"/>
+            </a:fontRef>
+          </p:style>
+          <p:txBody>
+            <a:bodyPr rtlCol="0" anchor="ctr"/>
+            <a:lstStyle/>
+            <a:p>
+              <a:pPr algn="ctr"/>
+              <a:endParaRPr lang="en-US"/>
+            </a:p>
+          </p:txBody>
+        </p:sp>
+        <p:sp>
+          <p:nvSpPr>
+            <p:cNvPr id="30" name="Arc 29"/>
+            <p:cNvSpPr/>
+            <p:nvPr/>
+          </p:nvSpPr>
+          <p:spPr>
+            <a:xfrm rot="-10800000">
+              <a:off x="4670833" y="577480"/>
+              <a:ext cx="3023121" cy="192024"/>
+            </a:xfrm>
+            <a:prstGeom prst="arc">
+              <a:avLst/>
+            </a:prstGeom>
+            <a:ln w="28575">
+              <a:solidFill>
+                <a:schemeClr val="accent1"/>
+              </a:solidFill>
+            </a:ln>
+          </p:spPr>
+          <p:style>
+            <a:lnRef idx="3">
+              <a:schemeClr val="accent2"/>
+            </a:lnRef>
+            <a:fillRef idx="0">
+              <a:schemeClr val="accent2"/>
+            </a:fillRef>
+            <a:effectRef idx="2">
+              <a:schemeClr val="accent2"/>
+            </a:effectRef>
+            <a:fontRef idx="minor">
+              <a:schemeClr val="tx1"/>
+            </a:fontRef>
+          </p:style>
+          <p:txBody>
+            <a:bodyPr rtlCol="0" anchor="ctr"/>
+            <a:lstStyle/>
+            <a:p>
+              <a:pPr algn="ctr"/>
+              <a:endParaRPr lang="en-US"/>
+            </a:p>
+          </p:txBody>
+        </p:sp>
+        <p:sp>
+          <p:nvSpPr>
+            <p:cNvPr id="31" name="Arc 30"/>
+            <p:cNvSpPr/>
+            <p:nvPr/>
+          </p:nvSpPr>
+          <p:spPr>
+            <a:xfrm rot="10800000" flipV="1">
+              <a:off x="4665301" y="1536824"/>
+              <a:ext cx="3023121" cy="195944"/>
+            </a:xfrm>
+            <a:prstGeom prst="arc">
+              <a:avLst/>
+            </a:prstGeom>
+            <a:ln w="28575">
+              <a:solidFill>
+                <a:schemeClr val="accent1"/>
+              </a:solidFill>
+            </a:ln>
+          </p:spPr>
+          <p:style>
+            <a:lnRef idx="3">
+              <a:schemeClr val="accent2"/>
+            </a:lnRef>
+            <a:fillRef idx="0">
+              <a:schemeClr val="accent2"/>
+            </a:fillRef>
+            <a:effectRef idx="2">
+              <a:schemeClr val="accent2"/>
+            </a:effectRef>
+            <a:fontRef idx="minor">
+              <a:schemeClr val="tx1"/>
+            </a:fontRef>
+          </p:style>
+          <p:txBody>
+            <a:bodyPr rtlCol="0" anchor="ctr"/>
+            <a:lstStyle/>
+            <a:p>
+              <a:pPr algn="ctr"/>
+              <a:endParaRPr lang="en-US"/>
+            </a:p>
+          </p:txBody>
+        </p:sp>
+        <p:sp>
+          <p:nvSpPr>
+            <p:cNvPr id="32" name="Arc 31"/>
+            <p:cNvSpPr/>
+            <p:nvPr/>
+          </p:nvSpPr>
+          <p:spPr>
+            <a:xfrm rot="21600000">
+              <a:off x="4665302" y="1543501"/>
+              <a:ext cx="3023121" cy="192024"/>
+            </a:xfrm>
+            <a:prstGeom prst="arc">
+              <a:avLst/>
+            </a:prstGeom>
+            <a:ln w="28575">
+              <a:solidFill>
+                <a:schemeClr val="accent1"/>
+              </a:solidFill>
+            </a:ln>
+          </p:spPr>
+          <p:style>
+            <a:lnRef idx="3">
+              <a:schemeClr val="accent2"/>
+            </a:lnRef>
+            <a:fillRef idx="0">
+              <a:schemeClr val="accent2"/>
+            </a:fillRef>
+            <a:effectRef idx="2">
+              <a:schemeClr val="accent2"/>
+            </a:effectRef>
+            <a:fontRef idx="minor">
+              <a:schemeClr val="tx1"/>
+            </a:fontRef>
+          </p:style>
+          <p:txBody>
+            <a:bodyPr rtlCol="0" anchor="ctr"/>
+            <a:lstStyle/>
+            <a:p>
+              <a:pPr algn="ctr"/>
+              <a:endParaRPr lang="en-US"/>
+            </a:p>
+          </p:txBody>
+        </p:sp>
+        <p:cxnSp>
+          <p:nvCxnSpPr>
+            <p:cNvPr id="7" name="Straight Arrow Connector 6"/>
+            <p:cNvCxnSpPr/>
+            <p:nvPr/>
+          </p:nvCxnSpPr>
+          <p:spPr>
+            <a:xfrm>
+              <a:off x="5912087" y="550930"/>
+              <a:ext cx="529547" cy="0"/>
+            </a:xfrm>
+            <a:prstGeom prst="straightConnector1">
+              <a:avLst/>
+            </a:prstGeom>
+            <a:ln>
+              <a:tailEnd type="triangle"/>
+            </a:ln>
+          </p:spPr>
+          <p:style>
+            <a:lnRef idx="1">
+              <a:schemeClr val="dk1"/>
+            </a:lnRef>
+            <a:fillRef idx="0">
+              <a:schemeClr val="dk1"/>
+            </a:fillRef>
+            <a:effectRef idx="0">
+              <a:schemeClr val="dk1"/>
+            </a:effectRef>
+            <a:fontRef idx="minor">
               <a:schemeClr val="tx1"/>
             </a:fontRef>
           </p:style>
         </p:cxnSp>
+        <p:sp>
+          <p:nvSpPr>
+            <p:cNvPr id="54" name="Oval 53"/>
+            <p:cNvSpPr/>
+            <p:nvPr/>
+          </p:nvSpPr>
+          <p:spPr>
+            <a:xfrm>
+              <a:off x="6606073" y="3197336"/>
+              <a:ext cx="324442" cy="462011"/>
+            </a:xfrm>
+            <a:prstGeom prst="ellipse">
+              <a:avLst/>
+            </a:prstGeom>
+            <a:gradFill flip="none" rotWithShape="1">
+              <a:gsLst>
+                <a:gs pos="0">
+                  <a:schemeClr val="accent3">
+                    <a:lumMod val="75000"/>
+                    <a:tint val="66000"/>
+                    <a:satMod val="160000"/>
+                  </a:schemeClr>
+                </a:gs>
+                <a:gs pos="50000">
+                  <a:schemeClr val="accent3">
+                    <a:lumMod val="75000"/>
+                    <a:tint val="44500"/>
+                    <a:satMod val="160000"/>
+                  </a:schemeClr>
+                </a:gs>
+                <a:gs pos="100000">
+                  <a:schemeClr val="accent3">
+                    <a:lumMod val="75000"/>
+                    <a:tint val="23500"/>
+                    <a:satMod val="160000"/>
+                  </a:schemeClr>
+                </a:gs>
+              </a:gsLst>
+              <a:path path="circle">
+                <a:fillToRect l="50000" t="50000" r="50000" b="50000"/>
+              </a:path>
+              <a:tileRect/>
+            </a:gradFill>
+            <a:ln>
+              <a:noFill/>
+            </a:ln>
+          </p:spPr>
+          <p:style>
+            <a:lnRef idx="2">
+              <a:schemeClr val="accent1">
+                <a:shade val="50000"/>
+              </a:schemeClr>
+            </a:lnRef>
+            <a:fillRef idx="1">
+              <a:schemeClr val="accent1"/>
+            </a:fillRef>
+            <a:effectRef idx="0">
+              <a:schemeClr val="accent1"/>
+            </a:effectRef>
+            <a:fontRef idx="minor">
+              <a:schemeClr val="lt1"/>
+            </a:fontRef>
+          </p:style>
+          <p:txBody>
+            <a:bodyPr rtlCol="0" anchor="ctr"/>
+            <a:lstStyle/>
+            <a:p>
+              <a:pPr algn="ctr"/>
+              <a:endParaRPr lang="en-US"/>
+            </a:p>
+          </p:txBody>
+        </p:sp>
+        <p:sp>
+          <p:nvSpPr>
+            <p:cNvPr id="55" name="Arc 54"/>
+            <p:cNvSpPr/>
+            <p:nvPr/>
+          </p:nvSpPr>
+          <p:spPr>
+            <a:xfrm flipV="1">
+              <a:off x="4655969" y="2878772"/>
+              <a:ext cx="3023121" cy="195944"/>
+            </a:xfrm>
+            <a:prstGeom prst="arc">
+              <a:avLst/>
+            </a:prstGeom>
+            <a:ln w="28575">
+              <a:solidFill>
+                <a:schemeClr val="accent1"/>
+              </a:solidFill>
+            </a:ln>
+          </p:spPr>
+          <p:style>
+            <a:lnRef idx="3">
+              <a:schemeClr val="accent2"/>
+            </a:lnRef>
+            <a:fillRef idx="0">
+              <a:schemeClr val="accent2"/>
+            </a:fillRef>
+            <a:effectRef idx="2">
+              <a:schemeClr val="accent2"/>
+            </a:effectRef>
+            <a:fontRef idx="minor">
+              <a:schemeClr val="tx1"/>
+            </a:fontRef>
+          </p:style>
+          <p:txBody>
+            <a:bodyPr rtlCol="0" anchor="ctr"/>
+            <a:lstStyle/>
+            <a:p>
+              <a:pPr algn="ctr"/>
+              <a:endParaRPr lang="en-US"/>
+            </a:p>
+          </p:txBody>
+        </p:sp>
+        <p:sp>
+          <p:nvSpPr>
+            <p:cNvPr id="56" name="Arc 55"/>
+            <p:cNvSpPr/>
+            <p:nvPr/>
+          </p:nvSpPr>
+          <p:spPr>
+            <a:xfrm rot="-10800000">
+              <a:off x="4670834" y="2889368"/>
+              <a:ext cx="3023121" cy="192024"/>
+            </a:xfrm>
+            <a:prstGeom prst="arc">
+              <a:avLst/>
+            </a:prstGeom>
+            <a:ln w="28575">
+              <a:solidFill>
+                <a:schemeClr val="accent1"/>
+              </a:solidFill>
+            </a:ln>
+          </p:spPr>
+          <p:style>
+            <a:lnRef idx="3">
+              <a:schemeClr val="accent2"/>
+            </a:lnRef>
+            <a:fillRef idx="0">
+              <a:schemeClr val="accent2"/>
+            </a:fillRef>
+            <a:effectRef idx="2">
+              <a:schemeClr val="accent2"/>
+            </a:effectRef>
+            <a:fontRef idx="minor">
+              <a:schemeClr val="tx1"/>
+            </a:fontRef>
+          </p:style>
+          <p:txBody>
+            <a:bodyPr rtlCol="0" anchor="ctr"/>
+            <a:lstStyle/>
+            <a:p>
+              <a:pPr algn="ctr"/>
+              <a:endParaRPr lang="en-US"/>
+            </a:p>
+          </p:txBody>
+        </p:sp>
+        <p:sp>
+          <p:nvSpPr>
+            <p:cNvPr id="57" name="Arc 56"/>
+            <p:cNvSpPr/>
+            <p:nvPr/>
+          </p:nvSpPr>
+          <p:spPr>
+            <a:xfrm rot="10800000" flipV="1">
+              <a:off x="4665302" y="3774064"/>
+              <a:ext cx="3023121" cy="195944"/>
+            </a:xfrm>
+            <a:prstGeom prst="arc">
+              <a:avLst/>
+            </a:prstGeom>
+            <a:ln w="28575">
+              <a:solidFill>
+                <a:schemeClr val="accent1"/>
+              </a:solidFill>
+            </a:ln>
+          </p:spPr>
+          <p:style>
+            <a:lnRef idx="3">
+              <a:schemeClr val="accent2"/>
+            </a:lnRef>
+            <a:fillRef idx="0">
+              <a:schemeClr val="accent2"/>
+            </a:fillRef>
+            <a:effectRef idx="2">
+              <a:schemeClr val="accent2"/>
+            </a:effectRef>
+            <a:fontRef idx="minor">
+              <a:schemeClr val="tx1"/>
+            </a:fontRef>
+          </p:style>
+          <p:txBody>
+            <a:bodyPr rtlCol="0" anchor="ctr"/>
+            <a:lstStyle/>
+            <a:p>
+              <a:pPr algn="ctr"/>
+              <a:endParaRPr lang="en-US"/>
+            </a:p>
+          </p:txBody>
+        </p:sp>
+        <p:sp>
+          <p:nvSpPr>
+            <p:cNvPr id="58" name="Arc 57"/>
+            <p:cNvSpPr/>
+            <p:nvPr/>
+          </p:nvSpPr>
+          <p:spPr>
+            <a:xfrm rot="21600000">
+              <a:off x="4665302" y="3771410"/>
+              <a:ext cx="3023121" cy="192024"/>
+            </a:xfrm>
+            <a:prstGeom prst="arc">
+              <a:avLst/>
+            </a:prstGeom>
+            <a:ln w="28575">
+              <a:solidFill>
+                <a:schemeClr val="accent1"/>
+              </a:solidFill>
+            </a:ln>
+          </p:spPr>
+          <p:style>
+            <a:lnRef idx="3">
+              <a:schemeClr val="accent2"/>
+            </a:lnRef>
+            <a:fillRef idx="0">
+              <a:schemeClr val="accent2"/>
+            </a:fillRef>
+            <a:effectRef idx="2">
+              <a:schemeClr val="accent2"/>
+            </a:effectRef>
+            <a:fontRef idx="minor">
+              <a:schemeClr val="tx1"/>
+            </a:fontRef>
+          </p:style>
+          <p:txBody>
+            <a:bodyPr rtlCol="0" anchor="ctr"/>
+            <a:lstStyle/>
+            <a:p>
+              <a:pPr algn="ctr"/>
+              <a:endParaRPr lang="en-US"/>
+            </a:p>
+          </p:txBody>
+        </p:sp>
+        <p:cxnSp>
+          <p:nvCxnSpPr>
+            <p:cNvPr id="59" name="Straight Arrow Connector 58"/>
+            <p:cNvCxnSpPr/>
+            <p:nvPr/>
+          </p:nvCxnSpPr>
+          <p:spPr>
+            <a:xfrm>
+              <a:off x="5924486" y="2778842"/>
+              <a:ext cx="529547" cy="0"/>
+            </a:xfrm>
+            <a:prstGeom prst="straightConnector1">
+              <a:avLst/>
+            </a:prstGeom>
+            <a:ln>
+              <a:tailEnd type="triangle"/>
+            </a:ln>
+          </p:spPr>
+          <p:style>
+            <a:lnRef idx="1">
+              <a:schemeClr val="dk1"/>
+            </a:lnRef>
+            <a:fillRef idx="0">
+              <a:schemeClr val="dk1"/>
+            </a:fillRef>
+            <a:effectRef idx="0">
+              <a:schemeClr val="dk1"/>
+            </a:effectRef>
+            <a:fontRef idx="minor">
+              <a:schemeClr val="tx1"/>
+            </a:fontRef>
+          </p:style>
+        </p:cxnSp>
+        <p:cxnSp>
+          <p:nvCxnSpPr>
+            <p:cNvPr id="66" name="Straight Connector 65"/>
+            <p:cNvCxnSpPr>
+              <a:stCxn id="58" idx="0"/>
+              <a:endCxn id="56" idx="0"/>
+            </p:cNvCxnSpPr>
+            <p:nvPr/>
+          </p:nvCxnSpPr>
+          <p:spPr>
+            <a:xfrm flipV="1">
+              <a:off x="6176863" y="3081392"/>
+              <a:ext cx="5531" cy="690018"/>
+            </a:xfrm>
+            <a:prstGeom prst="line">
+              <a:avLst/>
+            </a:prstGeom>
+            <a:ln w="12700">
+              <a:prstDash val="dash"/>
+            </a:ln>
+          </p:spPr>
+          <p:style>
+            <a:lnRef idx="1">
+              <a:schemeClr val="dk1"/>
+            </a:lnRef>
+            <a:fillRef idx="0">
+              <a:schemeClr val="dk1"/>
+            </a:fillRef>
+            <a:effectRef idx="0">
+              <a:schemeClr val="dk1"/>
+            </a:effectRef>
+            <a:fontRef idx="minor">
+              <a:schemeClr val="tx1"/>
+            </a:fontRef>
+          </p:style>
+        </p:cxnSp>
+        <p:sp>
+          <p:nvSpPr>
+            <p:cNvPr id="67" name="TextBox 66"/>
+            <p:cNvSpPr txBox="1"/>
+            <p:nvPr/>
+          </p:nvSpPr>
+          <p:spPr>
+            <a:xfrm rot="21267498">
+              <a:off x="4606594" y="1268767"/>
+              <a:ext cx="876471" cy="369332"/>
+            </a:xfrm>
+            <a:prstGeom prst="rect">
+              <a:avLst/>
+            </a:prstGeom>
+            <a:noFill/>
+          </p:spPr>
+          <p:txBody>
+            <a:bodyPr wrap="square" rtlCol="0">
+              <a:spAutoFit/>
+            </a:bodyPr>
+            <a:lstStyle/>
+            <a:p>
+              <a:r>
+                <a:rPr lang="en-US" dirty="0" smtClean="0">
+                  <a:latin typeface="cmb10" panose="020B0500000000000000" pitchFamily="34" charset="0"/>
+                </a:rPr>
+                <a:t>probe</a:t>
+              </a:r>
+              <a:endParaRPr lang="en-US" dirty="0">
+                <a:latin typeface="cmb10" panose="020B0500000000000000" pitchFamily="34" charset="0"/>
+              </a:endParaRPr>
+            </a:p>
+          </p:txBody>
+        </p:sp>
+        <p:sp>
+          <p:nvSpPr>
+            <p:cNvPr id="68" name="TextBox 67"/>
+            <p:cNvSpPr txBox="1"/>
+            <p:nvPr/>
+          </p:nvSpPr>
+          <p:spPr>
+            <a:xfrm rot="21267498">
+              <a:off x="4606621" y="3514162"/>
+              <a:ext cx="865125" cy="369332"/>
+            </a:xfrm>
+            <a:prstGeom prst="rect">
+              <a:avLst/>
+            </a:prstGeom>
+            <a:noFill/>
+          </p:spPr>
+          <p:txBody>
+            <a:bodyPr wrap="square" rtlCol="0">
+              <a:spAutoFit/>
+            </a:bodyPr>
+            <a:lstStyle/>
+            <a:p>
+              <a:r>
+                <a:rPr lang="en-US" dirty="0" smtClean="0">
+                  <a:latin typeface="cmb10" panose="020B0500000000000000" pitchFamily="34" charset="0"/>
+                </a:rPr>
+                <a:t>probe</a:t>
+              </a:r>
+              <a:endParaRPr lang="en-US" dirty="0">
+                <a:latin typeface="cmb10" panose="020B0500000000000000" pitchFamily="34" charset="0"/>
+              </a:endParaRPr>
+            </a:p>
+          </p:txBody>
+        </p:sp>
         <mc:AlternateContent xmlns:mc="http://schemas.openxmlformats.org/markup-compatibility/2006">
           <mc:Choice xmlns:a14="http://schemas.microsoft.com/office/drawing/2010/main" Requires="a14">
             <p:sp>
               <p:nvSpPr>
-                <p:cNvPr id="48" name="TextBox 47"/>
+                <p:cNvPr id="69" name="TextBox 68"/>
                 <p:cNvSpPr txBox="1"/>
                 <p:nvPr/>
               </p:nvSpPr>
               <p:spPr>
                 <a:xfrm>
-                  <a:off x="1049060" y="483512"/>
-                  <a:ext cx="205486" cy="276999"/>
+                  <a:off x="5448003" y="1926014"/>
+                  <a:ext cx="1482512" cy="369332"/>
+                </a:xfrm>
+                <a:prstGeom prst="rect">
+                  <a:avLst/>
+                </a:prstGeom>
+                <a:noFill/>
+              </p:spPr>
+              <p:txBody>
+                <a:bodyPr wrap="square" rtlCol="0">
+                  <a:spAutoFit/>
+                </a:bodyPr>
+                <a:lstStyle/>
+                <a:p>
+                  <a:pPr/>
+                  <a14:m>
+                    <m:oMathPara xmlns:m="http://schemas.openxmlformats.org/officeDocument/2006/math">
+                      <m:oMathParaPr>
+                        <m:jc m:val="centerGroup"/>
+                      </m:oMathParaPr>
+                      <m:oMath xmlns:m="http://schemas.openxmlformats.org/officeDocument/2006/math">
+                        <m:r>
+                          <a:rPr lang="en-US" b="0" i="1" smtClean="0">
+                            <a:solidFill>
+                              <a:schemeClr val="tx1"/>
+                            </a:solidFill>
+                            <a:latin typeface="Cambria Math" panose="02040503050406030204" pitchFamily="18" charset="0"/>
+                          </a:rPr>
+                          <m:t>𝑡</m:t>
+                        </m:r>
+                        <m:r>
+                          <a:rPr lang="en-US" b="0" i="1" smtClean="0">
+                            <a:solidFill>
+                              <a:schemeClr val="tx1"/>
+                            </a:solidFill>
+                            <a:latin typeface="Cambria Math" panose="02040503050406030204" pitchFamily="18" charset="0"/>
+                          </a:rPr>
+                          <m:t>=0</m:t>
+                        </m:r>
+                      </m:oMath>
+                    </m:oMathPara>
+                  </a14:m>
+                  <a:endParaRPr lang="en-US" dirty="0">
+                    <a:solidFill>
+                      <a:schemeClr val="tx1"/>
+                    </a:solidFill>
+                    <a:latin typeface="cmb10" panose="020B0500000000000000" pitchFamily="34" charset="0"/>
+                  </a:endParaRPr>
+                </a:p>
+              </p:txBody>
+            </p:sp>
+          </mc:Choice>
+          <mc:Fallback>
+            <p:sp>
+              <p:nvSpPr>
+                <p:cNvPr id="69" name="TextBox 68"/>
+                <p:cNvSpPr txBox="1">
+                  <a:spLocks noRot="1" noChangeAspect="1" noMove="1" noResize="1" noEditPoints="1" noAdjustHandles="1" noChangeArrowheads="1" noChangeShapeType="1" noTextEdit="1"/>
+                </p:cNvSpPr>
+                <p:nvPr/>
+              </p:nvSpPr>
+              <p:spPr>
+                <a:xfrm>
+                  <a:off x="5448003" y="1926014"/>
+                  <a:ext cx="1482512" cy="369332"/>
+                </a:xfrm>
+                <a:prstGeom prst="rect">
+                  <a:avLst/>
+                </a:prstGeom>
+                <a:blipFill rotWithShape="0">
+                  <a:blip r:embed="rId8"/>
+                  <a:stretch>
+                    <a:fillRect/>
+                  </a:stretch>
+                </a:blipFill>
+              </p:spPr>
+              <p:txBody>
+                <a:bodyPr/>
+                <a:lstStyle/>
+                <a:p>
+                  <a:r>
+                    <a:rPr lang="en-US">
+                      <a:noFill/>
+                    </a:rPr>
+                    <a:t> </a:t>
+                  </a:r>
+                </a:p>
+              </p:txBody>
+            </p:sp>
+          </mc:Fallback>
+        </mc:AlternateContent>
+        <mc:AlternateContent xmlns:mc="http://schemas.openxmlformats.org/markup-compatibility/2006">
+          <mc:Choice xmlns:a14="http://schemas.microsoft.com/office/drawing/2010/main" Requires="a14">
+            <p:sp>
+              <p:nvSpPr>
+                <p:cNvPr id="70" name="TextBox 69"/>
+                <p:cNvSpPr txBox="1"/>
+                <p:nvPr/>
+              </p:nvSpPr>
+              <p:spPr>
+                <a:xfrm>
+                  <a:off x="5435604" y="3871895"/>
+                  <a:ext cx="1482512" cy="369332"/>
+                </a:xfrm>
+                <a:prstGeom prst="rect">
+                  <a:avLst/>
+                </a:prstGeom>
+                <a:noFill/>
+              </p:spPr>
+              <p:txBody>
+                <a:bodyPr wrap="square" rtlCol="0">
+                  <a:spAutoFit/>
+                </a:bodyPr>
+                <a:lstStyle/>
+                <a:p>
+                  <a:pPr/>
+                  <a14:m>
+                    <m:oMathPara xmlns:m="http://schemas.openxmlformats.org/officeDocument/2006/math">
+                      <m:oMathParaPr>
+                        <m:jc m:val="centerGroup"/>
+                      </m:oMathParaPr>
+                      <m:oMath xmlns:m="http://schemas.openxmlformats.org/officeDocument/2006/math">
+                        <m:r>
+                          <a:rPr lang="en-US" b="0" i="1" smtClean="0">
+                            <a:solidFill>
+                              <a:schemeClr val="tx1"/>
+                            </a:solidFill>
+                            <a:latin typeface="Cambria Math" panose="02040503050406030204" pitchFamily="18" charset="0"/>
+                          </a:rPr>
+                          <m:t>𝑡</m:t>
+                        </m:r>
+                        <m:r>
+                          <a:rPr lang="en-US" b="0" i="1" smtClean="0">
+                            <a:solidFill>
+                              <a:schemeClr val="tx1"/>
+                            </a:solidFill>
+                            <a:latin typeface="Cambria Math" panose="02040503050406030204" pitchFamily="18" charset="0"/>
+                            <a:ea typeface="Cambria Math" panose="02040503050406030204" pitchFamily="18" charset="0"/>
+                          </a:rPr>
+                          <m:t>&gt;</m:t>
+                        </m:r>
+                        <m:r>
+                          <a:rPr lang="en-US" b="0" i="1" smtClean="0">
+                            <a:solidFill>
+                              <a:schemeClr val="tx1"/>
+                            </a:solidFill>
+                            <a:latin typeface="Cambria Math" panose="02040503050406030204" pitchFamily="18" charset="0"/>
+                          </a:rPr>
+                          <m:t>0</m:t>
+                        </m:r>
+                      </m:oMath>
+                    </m:oMathPara>
+                  </a14:m>
+                  <a:endParaRPr lang="en-US" dirty="0">
+                    <a:solidFill>
+                      <a:schemeClr val="tx1"/>
+                    </a:solidFill>
+                    <a:latin typeface="cmb10" panose="020B0500000000000000" pitchFamily="34" charset="0"/>
+                  </a:endParaRPr>
+                </a:p>
+              </p:txBody>
+            </p:sp>
+          </mc:Choice>
+          <mc:Fallback>
+            <p:sp>
+              <p:nvSpPr>
+                <p:cNvPr id="70" name="TextBox 69"/>
+                <p:cNvSpPr txBox="1">
+                  <a:spLocks noRot="1" noChangeAspect="1" noMove="1" noResize="1" noEditPoints="1" noAdjustHandles="1" noChangeArrowheads="1" noChangeShapeType="1" noTextEdit="1"/>
+                </p:cNvSpPr>
+                <p:nvPr/>
+              </p:nvSpPr>
+              <p:spPr>
+                <a:xfrm>
+                  <a:off x="5435604" y="3871895"/>
+                  <a:ext cx="1482512" cy="369332"/>
+                </a:xfrm>
+                <a:prstGeom prst="rect">
+                  <a:avLst/>
+                </a:prstGeom>
+                <a:blipFill rotWithShape="0">
+                  <a:blip r:embed="rId9"/>
+                  <a:stretch>
+                    <a:fillRect/>
+                  </a:stretch>
+                </a:blipFill>
+              </p:spPr>
+              <p:txBody>
+                <a:bodyPr/>
+                <a:lstStyle/>
+                <a:p>
+                  <a:r>
+                    <a:rPr lang="en-US">
+                      <a:noFill/>
+                    </a:rPr>
+                    <a:t> </a:t>
+                  </a:r>
+                </a:p>
+              </p:txBody>
+            </p:sp>
+          </mc:Fallback>
+        </mc:AlternateContent>
+        <mc:AlternateContent xmlns:mc="http://schemas.openxmlformats.org/markup-compatibility/2006">
+          <mc:Choice xmlns:a14="http://schemas.microsoft.com/office/drawing/2010/main" Requires="a14">
+            <p:sp>
+              <p:nvSpPr>
+                <p:cNvPr id="77" name="TextBox 76"/>
+                <p:cNvSpPr txBox="1"/>
+                <p:nvPr/>
+              </p:nvSpPr>
+              <p:spPr>
+                <a:xfrm>
+                  <a:off x="5674396" y="2635618"/>
+                  <a:ext cx="205486" cy="369332"/>
                 </a:xfrm>
                 <a:prstGeom prst="rect">
                   <a:avLst/>
@@ -5395,14 +5400,14 @@
                         <m:sSub>
                           <m:sSubPr>
                             <m:ctrlPr>
-                              <a:rPr lang="en-US" sz="1200" i="1" smtClean="0">
+                              <a:rPr lang="en-US" i="1" smtClean="0">
                                 <a:latin typeface="Cambria Math" panose="02040503050406030204" pitchFamily="18" charset="0"/>
                               </a:rPr>
                             </m:ctrlPr>
                           </m:sSubPr>
                           <m:e>
                             <m:r>
-                              <a:rPr lang="en-US" sz="1200" b="0" i="1" smtClean="0">
+                              <a:rPr lang="en-US" b="0" i="1" smtClean="0">
                                 <a:latin typeface="Cambria Math" panose="02040503050406030204" pitchFamily="18" charset="0"/>
                               </a:rPr>
                               <m:t>𝑒</m:t>
@@ -5410,21 +5415,21 @@
                           </m:e>
                           <m:sub>
                             <m:r>
-                              <a:rPr lang="en-US" sz="1200" b="0" i="1" smtClean="0">
+                              <a:rPr lang="en-US" b="0" i="1" smtClean="0">
                                 <a:latin typeface="Cambria Math" panose="02040503050406030204" pitchFamily="18" charset="0"/>
                               </a:rPr>
-                              <m:t>𝑥</m:t>
+                              <m:t>𝑧</m:t>
                             </m:r>
                           </m:sub>
                         </m:sSub>
                       </m:oMath>
                     </m:oMathPara>
                   </a14:m>
-                  <a:endParaRPr lang="en-US" sz="1200" dirty="0">
+                  <a:endParaRPr lang="en-US" dirty="0">
                     <a:solidFill>
                       <a:schemeClr val="tx1"/>
                     </a:solidFill>
-                    <a:latin typeface="cmbx12" panose="020B0500000000000000" pitchFamily="34" charset="0"/>
+                    <a:latin typeface="cmb10" panose="020B0500000000000000" pitchFamily="34" charset="0"/>
                   </a:endParaRPr>
                 </a:p>
               </p:txBody>
@@ -5433,7 +5438,7 @@
           <mc:Fallback>
             <p:sp>
               <p:nvSpPr>
-                <p:cNvPr id="48" name="TextBox 47"/>
+                <p:cNvPr id="77" name="TextBox 76"/>
                 <p:cNvSpPr txBox="1">
                   <a:spLocks noRot="1" noChangeAspect="1" noMove="1" noResize="1" noEditPoints="1" noAdjustHandles="1" noChangeArrowheads="1" noChangeShapeType="1" noTextEdit="1"/>
                 </p:cNvSpPr>
@@ -5441,16 +5446,16 @@
               </p:nvSpPr>
               <p:spPr>
                 <a:xfrm>
-                  <a:off x="1049060" y="483512"/>
-                  <a:ext cx="205486" cy="276999"/>
+                  <a:off x="5674396" y="2635618"/>
+                  <a:ext cx="205486" cy="369332"/>
                 </a:xfrm>
                 <a:prstGeom prst="rect">
                   <a:avLst/>
                 </a:prstGeom>
                 <a:blipFill rotWithShape="0">
-                  <a:blip r:embed="rId7"/>
+                  <a:blip r:embed="rId10"/>
                   <a:stretch>
-                    <a:fillRect r="-23529"/>
+                    <a:fillRect r="-61765"/>
                   </a:stretch>
                 </a:blipFill>
               </p:spPr>
@@ -5473,14 +5478,14 @@
           <mc:Choice xmlns:a14="http://schemas.microsoft.com/office/drawing/2010/main" Requires="a14">
             <p:sp>
               <p:nvSpPr>
-                <p:cNvPr id="49" name="TextBox 48"/>
+                <p:cNvPr id="45" name="TextBox 44"/>
                 <p:cNvSpPr txBox="1"/>
                 <p:nvPr/>
               </p:nvSpPr>
               <p:spPr>
                 <a:xfrm>
-                  <a:off x="972654" y="221559"/>
-                  <a:ext cx="205486" cy="276999"/>
+                  <a:off x="5672623" y="391112"/>
+                  <a:ext cx="205486" cy="369332"/>
                 </a:xfrm>
                 <a:prstGeom prst="rect">
                   <a:avLst/>
@@ -5503,14 +5508,14 @@
                         <m:sSub>
                           <m:sSubPr>
                             <m:ctrlPr>
-                              <a:rPr lang="en-US" sz="1200" i="1" smtClean="0">
+                              <a:rPr lang="en-US" i="1" smtClean="0">
                                 <a:latin typeface="Cambria Math" panose="02040503050406030204" pitchFamily="18" charset="0"/>
                               </a:rPr>
                             </m:ctrlPr>
                           </m:sSubPr>
                           <m:e>
                             <m:r>
-                              <a:rPr lang="en-US" sz="1200" b="0" i="1" smtClean="0">
+                              <a:rPr lang="en-US" b="0" i="1" smtClean="0">
                                 <a:latin typeface="Cambria Math" panose="02040503050406030204" pitchFamily="18" charset="0"/>
                               </a:rPr>
                               <m:t>𝑒</m:t>
@@ -5518,7 +5523,7 @@
                           </m:e>
                           <m:sub>
                             <m:r>
-                              <a:rPr lang="en-US" sz="1200" b="0" i="1" smtClean="0">
+                              <a:rPr lang="en-US" b="0" i="1" smtClean="0">
                                 <a:latin typeface="Cambria Math" panose="02040503050406030204" pitchFamily="18" charset="0"/>
                               </a:rPr>
                               <m:t>𝑧</m:t>
@@ -5528,11 +5533,11 @@
                       </m:oMath>
                     </m:oMathPara>
                   </a14:m>
-                  <a:endParaRPr lang="en-US" sz="1200" dirty="0">
+                  <a:endParaRPr lang="en-US" dirty="0">
                     <a:solidFill>
                       <a:schemeClr val="tx1"/>
                     </a:solidFill>
-                    <a:latin typeface="cmbx12" panose="020B0500000000000000" pitchFamily="34" charset="0"/>
+                    <a:latin typeface="cmb10" panose="020B0500000000000000" pitchFamily="34" charset="0"/>
                   </a:endParaRPr>
                 </a:p>
               </p:txBody>
@@ -5541,7 +5546,7 @@
           <mc:Fallback>
             <p:sp>
               <p:nvSpPr>
-                <p:cNvPr id="49" name="TextBox 48"/>
+                <p:cNvPr id="45" name="TextBox 44"/>
                 <p:cNvSpPr txBox="1">
                   <a:spLocks noRot="1" noChangeAspect="1" noMove="1" noResize="1" noEditPoints="1" noAdjustHandles="1" noChangeArrowheads="1" noChangeShapeType="1" noTextEdit="1"/>
                 </p:cNvSpPr>
@@ -5549,16 +5554,16 @@
               </p:nvSpPr>
               <p:spPr>
                 <a:xfrm>
-                  <a:off x="972654" y="221559"/>
-                  <a:ext cx="205486" cy="276999"/>
+                  <a:off x="5672623" y="391112"/>
+                  <a:ext cx="205486" cy="369332"/>
                 </a:xfrm>
                 <a:prstGeom prst="rect">
                   <a:avLst/>
                 </a:prstGeom>
                 <a:blipFill rotWithShape="0">
-                  <a:blip r:embed="rId8"/>
+                  <a:blip r:embed="rId11"/>
                   <a:stretch>
-                    <a:fillRect r="-24242"/>
+                    <a:fillRect r="-66667"/>
                   </a:stretch>
                 </a:blipFill>
               </p:spPr>
@@ -5579,19 +5584,21 @@
         </mc:AlternateContent>
         <p:cxnSp>
           <p:nvCxnSpPr>
-            <p:cNvPr id="60" name="Straight Arrow Connector 59"/>
-            <p:cNvCxnSpPr/>
+            <p:cNvPr id="8" name="Straight Arrow Connector 7"/>
+            <p:cNvCxnSpPr>
+              <a:stCxn id="54" idx="7"/>
+            </p:cNvCxnSpPr>
             <p:nvPr/>
           </p:nvCxnSpPr>
           <p:spPr>
-            <a:xfrm>
-              <a:off x="899210" y="539455"/>
-              <a:ext cx="0" cy="411480"/>
+            <a:xfrm flipV="1">
+              <a:off x="6883002" y="3112498"/>
+              <a:ext cx="236255" cy="152498"/>
             </a:xfrm>
             <a:prstGeom prst="straightConnector1">
               <a:avLst/>
             </a:prstGeom>
-            <a:ln w="12700">
+            <a:ln>
               <a:tailEnd type="triangle"/>
             </a:ln>
           </p:spPr>
@@ -5612,19 +5619,21 @@
         </p:cxnSp>
         <p:cxnSp>
           <p:nvCxnSpPr>
-            <p:cNvPr id="61" name="Straight Arrow Connector 60"/>
-            <p:cNvCxnSpPr/>
+            <p:cNvPr id="15" name="Straight Arrow Connector 14"/>
+            <p:cNvCxnSpPr>
+              <a:stCxn id="54" idx="6"/>
+            </p:cNvCxnSpPr>
             <p:nvPr/>
           </p:nvCxnSpPr>
           <p:spPr>
-            <a:xfrm rot="4440000" flipV="1">
-              <a:off x="1096812" y="278629"/>
-              <a:ext cx="0" cy="411480"/>
+            <a:xfrm>
+              <a:off x="6930515" y="3428342"/>
+              <a:ext cx="272718" cy="154613"/>
             </a:xfrm>
             <a:prstGeom prst="straightConnector1">
               <a:avLst/>
             </a:prstGeom>
-            <a:ln w="12700">
+            <a:ln>
               <a:tailEnd type="triangle"/>
             </a:ln>
           </p:spPr>
@@ -5643,114 +5652,286 @@
             </a:fontRef>
           </p:style>
         </p:cxnSp>
-        <mc:AlternateContent xmlns:mc="http://schemas.openxmlformats.org/markup-compatibility/2006">
-          <mc:Choice xmlns:a14="http://schemas.microsoft.com/office/drawing/2010/main" Requires="a14">
-            <p:sp>
-              <p:nvSpPr>
-                <p:cNvPr id="62" name="TextBox 61"/>
-                <p:cNvSpPr txBox="1"/>
-                <p:nvPr/>
-              </p:nvSpPr>
-              <p:spPr>
-                <a:xfrm>
-                  <a:off x="836142" y="675252"/>
-                  <a:ext cx="205486" cy="291618"/>
-                </a:xfrm>
-                <a:prstGeom prst="rect">
-                  <a:avLst/>
-                </a:prstGeom>
-                <a:noFill/>
-              </p:spPr>
-              <p:txBody>
-                <a:bodyPr wrap="square" rtlCol="0">
-                  <a:spAutoFit/>
-                </a:bodyPr>
-                <a:lstStyle/>
-                <a:p>
-                  <a:pPr/>
-                  <a14:m>
-                    <m:oMathPara xmlns:m="http://schemas.openxmlformats.org/officeDocument/2006/math">
-                      <m:oMathParaPr>
-                        <m:jc m:val="centerGroup"/>
-                      </m:oMathParaPr>
-                      <m:oMath xmlns:m="http://schemas.openxmlformats.org/officeDocument/2006/math">
-                        <m:sSub>
-                          <m:sSubPr>
-                            <m:ctrlPr>
-                              <a:rPr lang="en-US" sz="1200" i="1" smtClean="0">
-                                <a:latin typeface="Cambria Math" panose="02040503050406030204" pitchFamily="18" charset="0"/>
-                              </a:rPr>
-                            </m:ctrlPr>
-                          </m:sSubPr>
-                          <m:e>
-                            <m:r>
-                              <a:rPr lang="en-US" sz="1200" b="0" i="1" smtClean="0">
-                                <a:latin typeface="Cambria Math" panose="02040503050406030204" pitchFamily="18" charset="0"/>
-                              </a:rPr>
-                              <m:t>𝑒</m:t>
-                            </m:r>
-                          </m:e>
-                          <m:sub>
-                            <m:r>
-                              <a:rPr lang="en-US" sz="1200" b="0" i="1" smtClean="0">
-                                <a:latin typeface="Cambria Math" panose="02040503050406030204" pitchFamily="18" charset="0"/>
-                              </a:rPr>
-                              <m:t>𝑦</m:t>
-                            </m:r>
-                          </m:sub>
-                        </m:sSub>
-                      </m:oMath>
-                    </m:oMathPara>
-                  </a14:m>
-                  <a:endParaRPr lang="en-US" sz="1200" dirty="0">
-                    <a:solidFill>
-                      <a:schemeClr val="tx1"/>
-                    </a:solidFill>
-                    <a:latin typeface="cmbx12" panose="020B0500000000000000" pitchFamily="34" charset="0"/>
-                  </a:endParaRPr>
-                </a:p>
-              </p:txBody>
-            </p:sp>
-          </mc:Choice>
-          <mc:Fallback>
-            <p:sp>
-              <p:nvSpPr>
-                <p:cNvPr id="62" name="TextBox 61"/>
-                <p:cNvSpPr txBox="1">
-                  <a:spLocks noRot="1" noChangeAspect="1" noMove="1" noResize="1" noEditPoints="1" noAdjustHandles="1" noChangeArrowheads="1" noChangeShapeType="1" noTextEdit="1"/>
-                </p:cNvSpPr>
-                <p:nvPr/>
-              </p:nvSpPr>
-              <p:spPr>
-                <a:xfrm>
-                  <a:off x="836142" y="675252"/>
-                  <a:ext cx="205486" cy="291618"/>
-                </a:xfrm>
-                <a:prstGeom prst="rect">
-                  <a:avLst/>
-                </a:prstGeom>
-                <a:blipFill rotWithShape="0">
-                  <a:blip r:embed="rId9"/>
-                  <a:stretch>
-                    <a:fillRect r="-29412"/>
-                  </a:stretch>
-                </a:blipFill>
-              </p:spPr>
-              <p:txBody>
-                <a:bodyPr/>
-                <a:lstStyle/>
-                <a:p>
-                  <a:r>
-                    <a:rPr lang="en-US">
-                      <a:noFill/>
-                    </a:rPr>
-                    <a:t> </a:t>
-                  </a:r>
-                </a:p>
-              </p:txBody>
-            </p:sp>
-          </mc:Fallback>
-        </mc:AlternateContent>
+        <p:cxnSp>
+          <p:nvCxnSpPr>
+            <p:cNvPr id="24" name="Straight Arrow Connector 23"/>
+            <p:cNvCxnSpPr>
+              <a:stCxn id="54" idx="1"/>
+            </p:cNvCxnSpPr>
+            <p:nvPr/>
+          </p:nvCxnSpPr>
+          <p:spPr>
+            <a:xfrm flipH="1" flipV="1">
+              <a:off x="6451675" y="3197336"/>
+              <a:ext cx="201911" cy="67660"/>
+            </a:xfrm>
+            <a:prstGeom prst="straightConnector1">
+              <a:avLst/>
+            </a:prstGeom>
+            <a:ln>
+              <a:tailEnd type="triangle"/>
+            </a:ln>
+          </p:spPr>
+          <p:style>
+            <a:lnRef idx="1">
+              <a:schemeClr val="accent1"/>
+            </a:lnRef>
+            <a:fillRef idx="0">
+              <a:schemeClr val="accent1"/>
+            </a:fillRef>
+            <a:effectRef idx="0">
+              <a:schemeClr val="accent1"/>
+            </a:effectRef>
+            <a:fontRef idx="minor">
+              <a:schemeClr val="tx1"/>
+            </a:fontRef>
+          </p:style>
+        </p:cxnSp>
+        <p:cxnSp>
+          <p:nvCxnSpPr>
+            <p:cNvPr id="33" name="Straight Arrow Connector 32"/>
+            <p:cNvCxnSpPr>
+              <a:stCxn id="54" idx="3"/>
+            </p:cNvCxnSpPr>
+            <p:nvPr/>
+          </p:nvCxnSpPr>
+          <p:spPr>
+            <a:xfrm flipH="1">
+              <a:off x="6454033" y="3591687"/>
+              <a:ext cx="199553" cy="179722"/>
+            </a:xfrm>
+            <a:prstGeom prst="straightConnector1">
+              <a:avLst/>
+            </a:prstGeom>
+            <a:ln>
+              <a:tailEnd type="triangle"/>
+            </a:ln>
+          </p:spPr>
+          <p:style>
+            <a:lnRef idx="1">
+              <a:schemeClr val="accent1"/>
+            </a:lnRef>
+            <a:fillRef idx="0">
+              <a:schemeClr val="accent1"/>
+            </a:fillRef>
+            <a:effectRef idx="0">
+              <a:schemeClr val="accent1"/>
+            </a:effectRef>
+            <a:fontRef idx="minor">
+              <a:schemeClr val="tx1"/>
+            </a:fontRef>
+          </p:style>
+        </p:cxnSp>
+        <p:cxnSp>
+          <p:nvCxnSpPr>
+            <p:cNvPr id="35" name="Straight Arrow Connector 34"/>
+            <p:cNvCxnSpPr>
+              <a:stCxn id="54" idx="5"/>
+            </p:cNvCxnSpPr>
+            <p:nvPr/>
+          </p:nvCxnSpPr>
+          <p:spPr>
+            <a:xfrm>
+              <a:off x="6883002" y="3591687"/>
+              <a:ext cx="110585" cy="179722"/>
+            </a:xfrm>
+            <a:prstGeom prst="straightConnector1">
+              <a:avLst/>
+            </a:prstGeom>
+            <a:ln>
+              <a:tailEnd type="triangle"/>
+            </a:ln>
+          </p:spPr>
+          <p:style>
+            <a:lnRef idx="1">
+              <a:schemeClr val="accent1"/>
+            </a:lnRef>
+            <a:fillRef idx="0">
+              <a:schemeClr val="accent1"/>
+            </a:fillRef>
+            <a:effectRef idx="0">
+              <a:schemeClr val="accent1"/>
+            </a:effectRef>
+            <a:fontRef idx="minor">
+              <a:schemeClr val="tx1"/>
+            </a:fontRef>
+          </p:style>
+        </p:cxnSp>
+        <p:cxnSp>
+          <p:nvCxnSpPr>
+            <p:cNvPr id="37" name="Straight Arrow Connector 36"/>
+            <p:cNvCxnSpPr>
+              <a:stCxn id="28" idx="7"/>
+            </p:cNvCxnSpPr>
+            <p:nvPr/>
+          </p:nvCxnSpPr>
+          <p:spPr>
+            <a:xfrm flipV="1">
+              <a:off x="6296111" y="791052"/>
+              <a:ext cx="105061" cy="239631"/>
+            </a:xfrm>
+            <a:prstGeom prst="straightConnector1">
+              <a:avLst/>
+            </a:prstGeom>
+            <a:ln>
+              <a:tailEnd type="triangle"/>
+            </a:ln>
+          </p:spPr>
+          <p:style>
+            <a:lnRef idx="1">
+              <a:schemeClr val="accent1"/>
+            </a:lnRef>
+            <a:fillRef idx="0">
+              <a:schemeClr val="accent1"/>
+            </a:fillRef>
+            <a:effectRef idx="0">
+              <a:schemeClr val="accent1"/>
+            </a:effectRef>
+            <a:fontRef idx="minor">
+              <a:schemeClr val="tx1"/>
+            </a:fontRef>
+          </p:style>
+        </p:cxnSp>
+        <p:cxnSp>
+          <p:nvCxnSpPr>
+            <p:cNvPr id="39" name="Straight Arrow Connector 38"/>
+            <p:cNvCxnSpPr>
+              <a:stCxn id="28" idx="1"/>
+            </p:cNvCxnSpPr>
+            <p:nvPr/>
+          </p:nvCxnSpPr>
+          <p:spPr>
+            <a:xfrm flipH="1" flipV="1">
+              <a:off x="5958310" y="772113"/>
+              <a:ext cx="105061" cy="258570"/>
+            </a:xfrm>
+            <a:prstGeom prst="straightConnector1">
+              <a:avLst/>
+            </a:prstGeom>
+            <a:ln>
+              <a:tailEnd type="triangle"/>
+            </a:ln>
+          </p:spPr>
+          <p:style>
+            <a:lnRef idx="1">
+              <a:schemeClr val="accent1"/>
+            </a:lnRef>
+            <a:fillRef idx="0">
+              <a:schemeClr val="accent1"/>
+            </a:fillRef>
+            <a:effectRef idx="0">
+              <a:schemeClr val="accent1"/>
+            </a:effectRef>
+            <a:fontRef idx="minor">
+              <a:schemeClr val="tx1"/>
+            </a:fontRef>
+          </p:style>
+        </p:cxnSp>
+        <p:cxnSp>
+          <p:nvCxnSpPr>
+            <p:cNvPr id="41" name="Straight Arrow Connector 40"/>
+            <p:cNvCxnSpPr>
+              <a:stCxn id="28" idx="3"/>
+            </p:cNvCxnSpPr>
+            <p:nvPr/>
+          </p:nvCxnSpPr>
+          <p:spPr>
+            <a:xfrm flipH="1" flipV="1">
+              <a:off x="5732796" y="1158250"/>
+              <a:ext cx="330575" cy="127567"/>
+            </a:xfrm>
+            <a:prstGeom prst="straightConnector1">
+              <a:avLst/>
+            </a:prstGeom>
+            <a:ln>
+              <a:tailEnd type="triangle"/>
+            </a:ln>
+          </p:spPr>
+          <p:style>
+            <a:lnRef idx="1">
+              <a:schemeClr val="accent1"/>
+            </a:lnRef>
+            <a:fillRef idx="0">
+              <a:schemeClr val="accent1"/>
+            </a:fillRef>
+            <a:effectRef idx="0">
+              <a:schemeClr val="accent1"/>
+            </a:effectRef>
+            <a:fontRef idx="minor">
+              <a:schemeClr val="tx1"/>
+            </a:fontRef>
+          </p:style>
+        </p:cxnSp>
+        <p:cxnSp>
+          <p:nvCxnSpPr>
+            <p:cNvPr id="47" name="Straight Arrow Connector 46"/>
+            <p:cNvCxnSpPr>
+              <a:stCxn id="28" idx="5"/>
+            </p:cNvCxnSpPr>
+            <p:nvPr/>
+          </p:nvCxnSpPr>
+          <p:spPr>
+            <a:xfrm>
+              <a:off x="6296111" y="1285817"/>
+              <a:ext cx="155564" cy="219901"/>
+            </a:xfrm>
+            <a:prstGeom prst="straightConnector1">
+              <a:avLst/>
+            </a:prstGeom>
+            <a:ln>
+              <a:tailEnd type="triangle"/>
+            </a:ln>
+          </p:spPr>
+          <p:style>
+            <a:lnRef idx="1">
+              <a:schemeClr val="accent1"/>
+            </a:lnRef>
+            <a:fillRef idx="0">
+              <a:schemeClr val="accent1"/>
+            </a:fillRef>
+            <a:effectRef idx="0">
+              <a:schemeClr val="accent1"/>
+            </a:effectRef>
+            <a:fontRef idx="minor">
+              <a:schemeClr val="tx1"/>
+            </a:fontRef>
+          </p:style>
+        </p:cxnSp>
+        <p:cxnSp>
+          <p:nvCxnSpPr>
+            <p:cNvPr id="51" name="Straight Arrow Connector 50"/>
+            <p:cNvCxnSpPr>
+              <a:stCxn id="28" idx="6"/>
+            </p:cNvCxnSpPr>
+            <p:nvPr/>
+          </p:nvCxnSpPr>
+          <p:spPr>
+            <a:xfrm flipV="1">
+              <a:off x="6344313" y="1030683"/>
+              <a:ext cx="295814" cy="127567"/>
+            </a:xfrm>
+            <a:prstGeom prst="straightConnector1">
+              <a:avLst/>
+            </a:prstGeom>
+            <a:ln>
+              <a:tailEnd type="triangle"/>
+            </a:ln>
+          </p:spPr>
+          <p:style>
+            <a:lnRef idx="1">
+              <a:schemeClr val="accent1"/>
+            </a:lnRef>
+            <a:fillRef idx="0">
+              <a:schemeClr val="accent1"/>
+            </a:fillRef>
+            <a:effectRef idx="0">
+              <a:schemeClr val="accent1"/>
+            </a:effectRef>
+            <a:fontRef idx="minor">
+              <a:schemeClr val="tx1"/>
+            </a:fontRef>
+          </p:style>
+        </p:cxnSp>
       </p:grpSp>
     </p:spTree>
     <p:extLst>
@@ -5782,498 +5963,198 @@
           <a:chExt cx="0" cy="0"/>
         </a:xfrm>
       </p:grpSpPr>
-      <p:sp>
-        <p:nvSpPr>
-          <p:cNvPr id="10" name="Oval 9"/>
-          <p:cNvSpPr/>
+      <p:grpSp>
+        <p:nvGrpSpPr>
+          <p:cNvPr id="14" name="Group 13"/>
+          <p:cNvGrpSpPr/>
           <p:nvPr/>
-        </p:nvSpPr>
-        <p:spPr>
+        </p:nvGrpSpPr>
+        <p:grpSpPr>
           <a:xfrm>
-            <a:off x="2212263" y="3964264"/>
-            <a:ext cx="2095308" cy="2093976"/>
+            <a:off x="2438822" y="3964264"/>
+            <a:ext cx="1645920" cy="1645920"/>
+            <a:chOff x="2212261" y="3964270"/>
+            <a:chExt cx="2095307" cy="2093979"/>
           </a:xfrm>
-          <a:prstGeom prst="ellipse">
-            <a:avLst/>
-          </a:prstGeom>
-          <a:pattFill prst="pct25">
-            <a:fgClr>
+        </p:grpSpPr>
+        <p:sp>
+          <p:nvSpPr>
+            <p:cNvPr id="10" name="Oval 9"/>
+            <p:cNvSpPr/>
+            <p:nvPr/>
+          </p:nvSpPr>
+          <p:spPr>
+            <a:xfrm>
+              <a:off x="2212261" y="3964270"/>
+              <a:ext cx="2095307" cy="2093979"/>
+            </a:xfrm>
+            <a:prstGeom prst="ellipse">
+              <a:avLst/>
+            </a:prstGeom>
+            <a:pattFill prst="pct25">
+              <a:fgClr>
+                <a:schemeClr val="accent1"/>
+              </a:fgClr>
+              <a:bgClr>
+                <a:schemeClr val="bg1"/>
+              </a:bgClr>
+            </a:pattFill>
+            <a:ln>
+              <a:noFill/>
+            </a:ln>
+          </p:spPr>
+          <p:style>
+            <a:lnRef idx="2">
+              <a:schemeClr val="accent1">
+                <a:shade val="50000"/>
+              </a:schemeClr>
+            </a:lnRef>
+            <a:fillRef idx="1">
               <a:schemeClr val="accent1"/>
-            </a:fgClr>
-            <a:bgClr>
-              <a:schemeClr val="bg1"/>
-            </a:bgClr>
-          </a:pattFill>
-          <a:ln>
-            <a:noFill/>
-          </a:ln>
-        </p:spPr>
-        <p:style>
-          <a:lnRef idx="2">
-            <a:schemeClr val="accent1">
-              <a:shade val="50000"/>
-            </a:schemeClr>
-          </a:lnRef>
-          <a:fillRef idx="1">
-            <a:schemeClr val="accent1"/>
-          </a:fillRef>
-          <a:effectRef idx="0">
-            <a:schemeClr val="accent1"/>
-          </a:effectRef>
-          <a:fontRef idx="minor">
-            <a:schemeClr val="lt1"/>
-          </a:fontRef>
-        </p:style>
-        <p:txBody>
-          <a:bodyPr rtlCol="0" anchor="ctr"/>
-          <a:lstStyle/>
-          <a:p>
-            <a:pPr algn="ctr"/>
-            <a:endParaRPr lang="en-US"/>
-          </a:p>
-        </p:txBody>
-      </p:sp>
-      <p:sp>
-        <p:nvSpPr>
-          <p:cNvPr id="8" name="Oval 7"/>
-          <p:cNvSpPr/>
-          <p:nvPr/>
-        </p:nvSpPr>
-        <p:spPr>
-          <a:xfrm>
-            <a:off x="5192973" y="2405509"/>
-            <a:ext cx="856403" cy="859536"/>
-          </a:xfrm>
-          <a:prstGeom prst="ellipse">
-            <a:avLst/>
-          </a:prstGeom>
-          <a:gradFill>
-            <a:gsLst>
-              <a:gs pos="0">
+            </a:fillRef>
+            <a:effectRef idx="0">
+              <a:schemeClr val="accent1"/>
+            </a:effectRef>
+            <a:fontRef idx="minor">
+              <a:schemeClr val="lt1"/>
+            </a:fontRef>
+          </p:style>
+          <p:txBody>
+            <a:bodyPr rtlCol="0" anchor="ctr"/>
+            <a:lstStyle/>
+            <a:p>
+              <a:pPr algn="ctr"/>
+              <a:endParaRPr lang="en-US"/>
+            </a:p>
+          </p:txBody>
+        </p:sp>
+        <p:sp>
+          <p:nvSpPr>
+            <p:cNvPr id="3" name="Oval 2"/>
+            <p:cNvSpPr/>
+            <p:nvPr/>
+          </p:nvSpPr>
+          <p:spPr>
+            <a:xfrm>
+              <a:off x="2212261" y="4782654"/>
+              <a:ext cx="457200" cy="457200"/>
+            </a:xfrm>
+            <a:prstGeom prst="ellipse">
+              <a:avLst/>
+            </a:prstGeom>
+            <a:pattFill prst="pct50">
+              <a:fgClr>
                 <a:schemeClr val="accent1">
-                  <a:lumMod val="5000"/>
-                  <a:lumOff val="95000"/>
+                  <a:lumMod val="75000"/>
                 </a:schemeClr>
-              </a:gs>
-              <a:gs pos="71000">
+              </a:fgClr>
+              <a:bgClr>
                 <a:schemeClr val="bg1"/>
-              </a:gs>
-              <a:gs pos="83000">
+              </a:bgClr>
+            </a:pattFill>
+            <a:ln>
+              <a:noFill/>
+            </a:ln>
+            <a:scene3d>
+              <a:camera prst="orthographicFront">
+                <a:rot lat="0" lon="0" rev="0"/>
+              </a:camera>
+              <a:lightRig rig="threePt" dir="t"/>
+            </a:scene3d>
+            <a:sp3d prstMaterial="matte">
+              <a:bevelT w="254000" h="254000"/>
+              <a:bevelB w="254000" h="254000"/>
+            </a:sp3d>
+          </p:spPr>
+          <p:style>
+            <a:lnRef idx="2">
+              <a:schemeClr val="accent1">
+                <a:shade val="50000"/>
+              </a:schemeClr>
+            </a:lnRef>
+            <a:fillRef idx="1">
+              <a:schemeClr val="accent1"/>
+            </a:fillRef>
+            <a:effectRef idx="0">
+              <a:schemeClr val="accent1"/>
+            </a:effectRef>
+            <a:fontRef idx="minor">
+              <a:schemeClr val="lt1"/>
+            </a:fontRef>
+          </p:style>
+          <p:txBody>
+            <a:bodyPr rtlCol="0" anchor="ctr"/>
+            <a:lstStyle/>
+            <a:p>
+              <a:pPr algn="ctr"/>
+              <a:endParaRPr lang="en-US"/>
+            </a:p>
+          </p:txBody>
+        </p:sp>
+        <p:sp>
+          <p:nvSpPr>
+            <p:cNvPr id="5" name="Oval 4"/>
+            <p:cNvSpPr/>
+            <p:nvPr/>
+          </p:nvSpPr>
+          <p:spPr>
+            <a:xfrm>
+              <a:off x="3847996" y="4782651"/>
+              <a:ext cx="457200" cy="457200"/>
+            </a:xfrm>
+            <a:prstGeom prst="ellipse">
+              <a:avLst/>
+            </a:prstGeom>
+            <a:pattFill prst="pct50">
+              <a:fgClr>
                 <a:schemeClr val="accent1">
-                  <a:lumMod val="45000"/>
-                  <a:lumOff val="55000"/>
+                  <a:lumMod val="75000"/>
                 </a:schemeClr>
-              </a:gs>
-              <a:gs pos="100000">
-                <a:schemeClr val="accent1">
-                  <a:lumMod val="30000"/>
-                  <a:lumOff val="70000"/>
-                </a:schemeClr>
-              </a:gs>
-            </a:gsLst>
-            <a:lin ang="5400000" scaled="1"/>
-          </a:gradFill>
-          <a:ln>
-            <a:gradFill>
-              <a:gsLst>
-                <a:gs pos="0">
-                  <a:schemeClr val="accent1">
-                    <a:lumMod val="5000"/>
-                    <a:lumOff val="95000"/>
-                  </a:schemeClr>
-                </a:gs>
-                <a:gs pos="74000">
-                  <a:schemeClr val="accent1">
-                    <a:lumMod val="45000"/>
-                    <a:lumOff val="55000"/>
-                  </a:schemeClr>
-                </a:gs>
-                <a:gs pos="83000">
-                  <a:schemeClr val="accent1">
-                    <a:lumMod val="45000"/>
-                    <a:lumOff val="55000"/>
-                  </a:schemeClr>
-                </a:gs>
-                <a:gs pos="100000">
-                  <a:schemeClr val="accent1">
-                    <a:lumMod val="30000"/>
-                    <a:lumOff val="70000"/>
-                  </a:schemeClr>
-                </a:gs>
-              </a:gsLst>
-              <a:lin ang="5400000" scaled="1"/>
-            </a:gradFill>
-          </a:ln>
-          <a:scene3d>
-            <a:camera prst="orthographicFront">
-              <a:rot lat="0" lon="0" rev="0"/>
-            </a:camera>
-            <a:lightRig rig="threePt" dir="t"/>
-          </a:scene3d>
-          <a:sp3d prstMaterial="powder">
-            <a:bevelT w="889000" h="889000"/>
-            <a:bevelB w="889000" h="889000"/>
-          </a:sp3d>
-        </p:spPr>
-        <p:style>
-          <a:lnRef idx="2">
-            <a:schemeClr val="accent1">
-              <a:shade val="50000"/>
-            </a:schemeClr>
-          </a:lnRef>
-          <a:fillRef idx="1">
-            <a:schemeClr val="accent1"/>
-          </a:fillRef>
-          <a:effectRef idx="0">
-            <a:schemeClr val="accent1"/>
-          </a:effectRef>
-          <a:fontRef idx="minor">
-            <a:schemeClr val="lt1"/>
-          </a:fontRef>
-        </p:style>
-        <p:txBody>
-          <a:bodyPr rtlCol="0" anchor="ctr"/>
-          <a:lstStyle/>
-          <a:p>
-            <a:pPr algn="ctr"/>
-            <a:endParaRPr lang="en-US"/>
-          </a:p>
-        </p:txBody>
-      </p:sp>
-      <p:sp>
-        <p:nvSpPr>
-          <p:cNvPr id="2" name="Oval 1"/>
-          <p:cNvSpPr/>
-          <p:nvPr/>
-        </p:nvSpPr>
-        <p:spPr>
-          <a:xfrm>
-            <a:off x="3122087" y="2835277"/>
-            <a:ext cx="206829" cy="217714"/>
-          </a:xfrm>
-          <a:prstGeom prst="ellipse">
-            <a:avLst/>
-          </a:prstGeom>
-          <a:scene3d>
-            <a:camera prst="orthographicFront">
-              <a:rot lat="0" lon="0" rev="0"/>
-            </a:camera>
-            <a:lightRig rig="threePt" dir="t"/>
-          </a:scene3d>
-          <a:sp3d>
-            <a:bevelT w="127000" h="133350"/>
-            <a:bevelB w="127000" h="127000"/>
-          </a:sp3d>
-        </p:spPr>
-        <p:style>
-          <a:lnRef idx="2">
-            <a:schemeClr val="accent1">
-              <a:shade val="50000"/>
-            </a:schemeClr>
-          </a:lnRef>
-          <a:fillRef idx="1">
-            <a:schemeClr val="accent1"/>
-          </a:fillRef>
-          <a:effectRef idx="0">
-            <a:schemeClr val="accent1"/>
-          </a:effectRef>
-          <a:fontRef idx="minor">
-            <a:schemeClr val="lt1"/>
-          </a:fontRef>
-        </p:style>
-        <p:txBody>
-          <a:bodyPr rtlCol="0" anchor="ctr"/>
-          <a:lstStyle/>
-          <a:p>
-            <a:pPr algn="ctr"/>
-            <a:endParaRPr lang="en-US"/>
-          </a:p>
-        </p:txBody>
-      </p:sp>
-      <p:sp>
-        <p:nvSpPr>
-          <p:cNvPr id="3" name="Oval 2"/>
-          <p:cNvSpPr/>
-          <p:nvPr/>
-        </p:nvSpPr>
-        <p:spPr>
-          <a:xfrm>
-            <a:off x="2212263" y="4782652"/>
-            <a:ext cx="457200" cy="457200"/>
-          </a:xfrm>
-          <a:prstGeom prst="ellipse">
-            <a:avLst/>
-          </a:prstGeom>
-          <a:pattFill prst="pct50">
-            <a:fgClr>
+              </a:fgClr>
+              <a:bgClr>
+                <a:schemeClr val="bg1"/>
+              </a:bgClr>
+            </a:pattFill>
+            <a:ln>
+              <a:noFill/>
+            </a:ln>
+            <a:scene3d>
+              <a:camera prst="orthographicFront">
+                <a:rot lat="0" lon="0" rev="0"/>
+              </a:camera>
+              <a:lightRig rig="threePt" dir="t"/>
+            </a:scene3d>
+            <a:sp3d prstMaterial="matte">
+              <a:bevelT w="254000" h="254000"/>
+              <a:bevelB w="254000" h="254000"/>
+            </a:sp3d>
+          </p:spPr>
+          <p:style>
+            <a:lnRef idx="2">
               <a:schemeClr val="accent1">
-                <a:lumMod val="75000"/>
+                <a:shade val="50000"/>
               </a:schemeClr>
-            </a:fgClr>
-            <a:bgClr>
-              <a:schemeClr val="bg1"/>
-            </a:bgClr>
-          </a:pattFill>
-          <a:ln>
-            <a:noFill/>
-          </a:ln>
-          <a:scene3d>
-            <a:camera prst="orthographicFront">
-              <a:rot lat="0" lon="0" rev="0"/>
-            </a:camera>
-            <a:lightRig rig="threePt" dir="t"/>
-          </a:scene3d>
-          <a:sp3d prstMaterial="matte">
-            <a:bevelT w="254000" h="254000"/>
-            <a:bevelB w="254000" h="254000"/>
-          </a:sp3d>
-        </p:spPr>
-        <p:style>
-          <a:lnRef idx="2">
-            <a:schemeClr val="accent1">
-              <a:shade val="50000"/>
-            </a:schemeClr>
-          </a:lnRef>
-          <a:fillRef idx="1">
-            <a:schemeClr val="accent1"/>
-          </a:fillRef>
-          <a:effectRef idx="0">
-            <a:schemeClr val="accent1"/>
-          </a:effectRef>
-          <a:fontRef idx="minor">
-            <a:schemeClr val="lt1"/>
-          </a:fontRef>
-        </p:style>
-        <p:txBody>
-          <a:bodyPr rtlCol="0" anchor="ctr"/>
-          <a:lstStyle/>
-          <a:p>
-            <a:pPr algn="ctr"/>
-            <a:endParaRPr lang="en-US"/>
-          </a:p>
-        </p:txBody>
-      </p:sp>
-      <p:sp>
-        <p:nvSpPr>
-          <p:cNvPr id="4" name="Oval 3"/>
-          <p:cNvSpPr/>
-          <p:nvPr/>
-        </p:nvSpPr>
-        <p:spPr>
-          <a:xfrm rot="10373843">
-            <a:off x="7916853" y="1644246"/>
-            <a:ext cx="2072644" cy="1692322"/>
-          </a:xfrm>
-          <a:prstGeom prst="ellipse">
-            <a:avLst/>
-          </a:prstGeom>
-          <a:solidFill>
-            <a:schemeClr val="accent1">
-              <a:alpha val="46000"/>
-            </a:schemeClr>
-          </a:solidFill>
-          <a:ln>
-            <a:noFill/>
-          </a:ln>
-          <a:effectLst>
-            <a:softEdge rad="0"/>
-          </a:effectLst>
-          <a:scene3d>
-            <a:camera prst="orthographicFront">
-              <a:rot lat="300003" lon="0" rev="0"/>
-            </a:camera>
-            <a:lightRig rig="threePt" dir="t"/>
-          </a:scene3d>
-          <a:sp3d extrusionH="76200" contourW="12700">
-            <a:bevelT w="1619250" h="1352550"/>
-            <a:bevelB w="635000" h="635000"/>
-            <a:extrusionClr>
-              <a:schemeClr val="accent1">
-                <a:lumMod val="40000"/>
-                <a:lumOff val="60000"/>
-              </a:schemeClr>
-            </a:extrusionClr>
-            <a:contourClr>
-              <a:schemeClr val="bg1"/>
-            </a:contourClr>
-          </a:sp3d>
-        </p:spPr>
-        <p:style>
-          <a:lnRef idx="2">
-            <a:schemeClr val="accent1">
-              <a:shade val="50000"/>
-            </a:schemeClr>
-          </a:lnRef>
-          <a:fillRef idx="1">
-            <a:schemeClr val="accent1"/>
-          </a:fillRef>
-          <a:effectRef idx="0">
-            <a:schemeClr val="accent1"/>
-          </a:effectRef>
-          <a:fontRef idx="minor">
-            <a:schemeClr val="lt1"/>
-          </a:fontRef>
-        </p:style>
-        <p:txBody>
-          <a:bodyPr rtlCol="0" anchor="ctr"/>
-          <a:lstStyle/>
-          <a:p>
-            <a:pPr algn="ctr"/>
-            <a:endParaRPr lang="en-US"/>
-          </a:p>
-        </p:txBody>
-      </p:sp>
-      <p:sp>
-        <p:nvSpPr>
-          <p:cNvPr id="5" name="Oval 4"/>
-          <p:cNvSpPr/>
-          <p:nvPr/>
-        </p:nvSpPr>
-        <p:spPr>
-          <a:xfrm>
-            <a:off x="3847996" y="4782652"/>
-            <a:ext cx="457200" cy="457200"/>
-          </a:xfrm>
-          <a:prstGeom prst="ellipse">
-            <a:avLst/>
-          </a:prstGeom>
-          <a:pattFill prst="pct50">
-            <a:fgClr>
-              <a:schemeClr val="accent1">
-                <a:lumMod val="75000"/>
-              </a:schemeClr>
-            </a:fgClr>
-            <a:bgClr>
-              <a:schemeClr val="bg1"/>
-            </a:bgClr>
-          </a:pattFill>
-          <a:ln>
-            <a:noFill/>
-          </a:ln>
-          <a:scene3d>
-            <a:camera prst="orthographicFront">
-              <a:rot lat="0" lon="0" rev="0"/>
-            </a:camera>
-            <a:lightRig rig="threePt" dir="t"/>
-          </a:scene3d>
-          <a:sp3d prstMaterial="matte">
-            <a:bevelT w="254000" h="254000"/>
-            <a:bevelB w="254000" h="254000"/>
-          </a:sp3d>
-        </p:spPr>
-        <p:style>
-          <a:lnRef idx="2">
-            <a:schemeClr val="accent1">
-              <a:shade val="50000"/>
-            </a:schemeClr>
-          </a:lnRef>
-          <a:fillRef idx="1">
-            <a:schemeClr val="accent1"/>
-          </a:fillRef>
-          <a:effectRef idx="0">
-            <a:schemeClr val="accent1"/>
-          </a:effectRef>
-          <a:fontRef idx="minor">
-            <a:schemeClr val="lt1"/>
-          </a:fontRef>
-        </p:style>
-        <p:txBody>
-          <a:bodyPr rtlCol="0" anchor="ctr"/>
-          <a:lstStyle/>
-          <a:p>
-            <a:pPr algn="ctr"/>
-            <a:endParaRPr lang="en-US"/>
-          </a:p>
-        </p:txBody>
-      </p:sp>
-      <p:sp>
-        <p:nvSpPr>
-          <p:cNvPr id="6" name="Oval 5"/>
-          <p:cNvSpPr/>
-          <p:nvPr/>
-        </p:nvSpPr>
-        <p:spPr>
-          <a:xfrm>
-            <a:off x="4307571" y="855755"/>
-            <a:ext cx="1770803" cy="1773936"/>
-          </a:xfrm>
-          <a:prstGeom prst="ellipse">
-            <a:avLst/>
-          </a:prstGeom>
-          <a:solidFill>
-            <a:schemeClr val="accent1">
-              <a:lumMod val="75000"/>
-              <a:alpha val="28000"/>
-            </a:schemeClr>
-          </a:solidFill>
-          <a:ln w="457200">
-            <a:gradFill>
-              <a:gsLst>
-                <a:gs pos="0">
-                  <a:schemeClr val="accent1">
-                    <a:lumMod val="5000"/>
-                    <a:lumOff val="95000"/>
-                    <a:alpha val="0"/>
-                  </a:schemeClr>
-                </a:gs>
-                <a:gs pos="74000">
-                  <a:schemeClr val="accent1">
-                    <a:lumMod val="45000"/>
-                    <a:lumOff val="55000"/>
-                  </a:schemeClr>
-                </a:gs>
-                <a:gs pos="83000">
-                  <a:schemeClr val="accent1">
-                    <a:lumMod val="45000"/>
-                    <a:lumOff val="55000"/>
-                  </a:schemeClr>
-                </a:gs>
-                <a:gs pos="100000">
-                  <a:schemeClr val="accent1">
-                    <a:lumMod val="30000"/>
-                    <a:lumOff val="70000"/>
-                  </a:schemeClr>
-                </a:gs>
-              </a:gsLst>
-              <a:lin ang="5400000" scaled="1"/>
-            </a:gradFill>
-          </a:ln>
-          <a:scene3d>
-            <a:camera prst="orthographicFront">
-              <a:rot lat="0" lon="16199975" rev="0"/>
-            </a:camera>
-            <a:lightRig rig="threePt" dir="t"/>
-          </a:scene3d>
-          <a:sp3d prstMaterial="matte">
-            <a:bevelT w="889000" h="889000"/>
-            <a:bevelB w="1143000" h="1143000"/>
-          </a:sp3d>
-        </p:spPr>
-        <p:style>
-          <a:lnRef idx="2">
-            <a:schemeClr val="accent1">
-              <a:shade val="50000"/>
-            </a:schemeClr>
-          </a:lnRef>
-          <a:fillRef idx="1">
-            <a:schemeClr val="accent1"/>
-          </a:fillRef>
-          <a:effectRef idx="0">
-            <a:schemeClr val="accent1"/>
-          </a:effectRef>
-          <a:fontRef idx="minor">
-            <a:schemeClr val="lt1"/>
-          </a:fontRef>
-        </p:style>
-        <p:txBody>
-          <a:bodyPr rtlCol="0" anchor="ctr"/>
-          <a:lstStyle/>
-          <a:p>
-            <a:pPr algn="ctr"/>
-            <a:endParaRPr lang="en-US"/>
-          </a:p>
-        </p:txBody>
-      </p:sp>
+            </a:lnRef>
+            <a:fillRef idx="1">
+              <a:schemeClr val="accent1"/>
+            </a:fillRef>
+            <a:effectRef idx="0">
+              <a:schemeClr val="accent1"/>
+            </a:effectRef>
+            <a:fontRef idx="minor">
+              <a:schemeClr val="lt1"/>
+            </a:fontRef>
+          </p:style>
+          <p:txBody>
+            <a:bodyPr rtlCol="0" anchor="ctr"/>
+            <a:lstStyle/>
+            <a:p>
+              <a:pPr algn="ctr"/>
+              <a:endParaRPr lang="en-US"/>
+            </a:p>
+          </p:txBody>
+        </p:sp>
+      </p:grpSp>
       <p:sp>
         <p:nvSpPr>
           <p:cNvPr id="11" name="Oval 10"/>
@@ -6282,8 +6163,8 @@
         </p:nvSpPr>
         <p:spPr>
           <a:xfrm>
-            <a:off x="2669463" y="4421464"/>
-            <a:ext cx="1180908" cy="1179576"/>
+            <a:off x="2797965" y="4323635"/>
+            <a:ext cx="927635" cy="927178"/>
           </a:xfrm>
           <a:prstGeom prst="ellipse">
             <a:avLst/>
@@ -6328,8 +6209,8 @@
         </p:nvSpPr>
         <p:spPr>
           <a:xfrm>
-            <a:off x="1326863" y="4725675"/>
-            <a:ext cx="802887" cy="571155"/>
+            <a:off x="1336193" y="2789626"/>
+            <a:ext cx="1037424" cy="571155"/>
           </a:xfrm>
           <a:prstGeom prst="rightArrow">
             <a:avLst/>
@@ -6362,54 +6243,14 @@
       </p:sp>
       <p:sp>
         <p:nvSpPr>
-          <p:cNvPr id="13" name="Right Arrow 12"/>
-          <p:cNvSpPr/>
-          <p:nvPr/>
-        </p:nvSpPr>
-        <p:spPr>
-          <a:xfrm rot="10800000">
-            <a:off x="4390085" y="4725674"/>
-            <a:ext cx="802887" cy="571155"/>
-          </a:xfrm>
-          <a:prstGeom prst="rightArrow">
-            <a:avLst/>
-          </a:prstGeom>
-        </p:spPr>
-        <p:style>
-          <a:lnRef idx="2">
-            <a:schemeClr val="accent1">
-              <a:shade val="50000"/>
-            </a:schemeClr>
-          </a:lnRef>
-          <a:fillRef idx="1">
-            <a:schemeClr val="accent1"/>
-          </a:fillRef>
-          <a:effectRef idx="0">
-            <a:schemeClr val="accent1"/>
-          </a:effectRef>
-          <a:fontRef idx="minor">
-            <a:schemeClr val="lt1"/>
-          </a:fontRef>
-        </p:style>
-        <p:txBody>
-          <a:bodyPr rtlCol="0" anchor="ctr"/>
-          <a:lstStyle/>
-          <a:p>
-            <a:pPr algn="ctr"/>
-            <a:endParaRPr lang="en-US"/>
-          </a:p>
-        </p:txBody>
-      </p:sp>
-      <p:sp>
-        <p:nvSpPr>
           <p:cNvPr id="15" name="TextBox 14"/>
           <p:cNvSpPr txBox="1"/>
           <p:nvPr/>
         </p:nvSpPr>
         <p:spPr>
           <a:xfrm>
-            <a:off x="1258702" y="4876462"/>
-            <a:ext cx="1159859" cy="276999"/>
+            <a:off x="1268032" y="2905926"/>
+            <a:ext cx="1083282" cy="338554"/>
           </a:xfrm>
           <a:prstGeom prst="rect">
             <a:avLst/>
@@ -6423,47 +6264,13 @@
           <a:lstStyle/>
           <a:p>
             <a:r>
-              <a:rPr lang="en-US" sz="1200" dirty="0" smtClean="0">
-                <a:latin typeface="cmbx12" panose="020B0500000000000000" pitchFamily="34" charset="0"/>
+              <a:rPr lang="en-US" sz="1600" dirty="0" smtClean="0">
+                <a:latin typeface="cmb10" panose="020B0500000000000000" pitchFamily="34" charset="0"/>
               </a:rPr>
               <a:t>1D lattice</a:t>
             </a:r>
-            <a:endParaRPr lang="en-US" sz="1200" dirty="0">
-              <a:latin typeface="cmbx12" panose="020B0500000000000000" pitchFamily="34" charset="0"/>
-            </a:endParaRPr>
-          </a:p>
-        </p:txBody>
-      </p:sp>
-      <p:sp>
-        <p:nvSpPr>
-          <p:cNvPr id="16" name="TextBox 15"/>
-          <p:cNvSpPr txBox="1"/>
-          <p:nvPr/>
-        </p:nvSpPr>
-        <p:spPr>
-          <a:xfrm>
-            <a:off x="4367782" y="4876462"/>
-            <a:ext cx="1159859" cy="276999"/>
-          </a:xfrm>
-          <a:prstGeom prst="rect">
-            <a:avLst/>
-          </a:prstGeom>
-          <a:noFill/>
-        </p:spPr>
-        <p:txBody>
-          <a:bodyPr wrap="square" rtlCol="0">
-            <a:spAutoFit/>
-          </a:bodyPr>
-          <a:lstStyle/>
-          <a:p>
-            <a:r>
-              <a:rPr lang="en-US" sz="1200" dirty="0" smtClean="0">
-                <a:latin typeface="cmbx12" panose="020B0500000000000000" pitchFamily="34" charset="0"/>
-              </a:rPr>
-              <a:t>1D lattice</a:t>
-            </a:r>
-            <a:endParaRPr lang="en-US" sz="1200" dirty="0">
-              <a:latin typeface="cmbx12" panose="020B0500000000000000" pitchFamily="34" charset="0"/>
+            <a:endParaRPr lang="en-US" sz="1600" dirty="0">
+              <a:latin typeface="cmb10" panose="020B0500000000000000" pitchFamily="34" charset="0"/>
             </a:endParaRPr>
           </a:p>
         </p:txBody>
@@ -6476,7 +6283,7 @@
         </p:nvCxnSpPr>
         <p:spPr>
           <a:xfrm>
-            <a:off x="4802679" y="5779458"/>
+            <a:off x="1608876" y="5601040"/>
             <a:ext cx="411480" cy="0"/>
           </a:xfrm>
           <a:prstGeom prst="straightConnector1">
@@ -6509,7 +6316,7 @@
         </p:nvCxnSpPr>
         <p:spPr>
           <a:xfrm flipH="1" flipV="1">
-            <a:off x="4791528" y="5370624"/>
+            <a:off x="1597725" y="5192206"/>
             <a:ext cx="7722" cy="408835"/>
           </a:xfrm>
           <a:prstGeom prst="straightConnector1">
@@ -6544,8 +6351,8 @@
             </p:nvSpPr>
             <p:spPr>
               <a:xfrm>
-                <a:off x="4529996" y="5314593"/>
-                <a:ext cx="205486" cy="291618"/>
+                <a:off x="1550798" y="4893577"/>
+                <a:ext cx="205486" cy="357983"/>
               </a:xfrm>
               <a:prstGeom prst="rect">
                 <a:avLst/>
@@ -6568,14 +6375,14 @@
                       <m:sSub>
                         <m:sSubPr>
                           <m:ctrlPr>
-                            <a:rPr lang="en-US" sz="1200" i="1" smtClean="0">
+                            <a:rPr lang="en-US" sz="1600" i="1" smtClean="0">
                               <a:latin typeface="Cambria Math" panose="02040503050406030204" pitchFamily="18" charset="0"/>
                             </a:rPr>
                           </m:ctrlPr>
                         </m:sSubPr>
                         <m:e>
                           <m:r>
-                            <a:rPr lang="en-US" sz="1200" b="0" i="1" smtClean="0">
+                            <a:rPr lang="en-US" sz="1600" b="0" i="1" smtClean="0">
                               <a:latin typeface="Cambria Math" panose="02040503050406030204" pitchFamily="18" charset="0"/>
                             </a:rPr>
                             <m:t>𝑒</m:t>
@@ -6583,7 +6390,7 @@
                         </m:e>
                         <m:sub>
                           <m:r>
-                            <a:rPr lang="en-US" sz="1200" b="0" i="1" smtClean="0">
+                            <a:rPr lang="en-US" sz="1600" b="0" i="1" smtClean="0">
                               <a:latin typeface="Cambria Math" panose="02040503050406030204" pitchFamily="18" charset="0"/>
                             </a:rPr>
                             <m:t>𝑦</m:t>
@@ -6593,11 +6400,11 @@
                     </m:oMath>
                   </m:oMathPara>
                 </a14:m>
-                <a:endParaRPr lang="en-US" sz="1200" dirty="0">
+                <a:endParaRPr lang="en-US" sz="1600" dirty="0">
                   <a:solidFill>
                     <a:schemeClr val="tx1"/>
                   </a:solidFill>
-                  <a:latin typeface="cmbx12" panose="020B0500000000000000" pitchFamily="34" charset="0"/>
+                  <a:latin typeface="cmb10" panose="020B0500000000000000" pitchFamily="34" charset="0"/>
                 </a:endParaRPr>
               </a:p>
             </p:txBody>
@@ -6614,8 +6421,8 @@
             </p:nvSpPr>
             <p:spPr>
               <a:xfrm>
-                <a:off x="4529996" y="5314593"/>
-                <a:ext cx="205486" cy="291618"/>
+                <a:off x="1550798" y="4893577"/>
+                <a:ext cx="205486" cy="357983"/>
               </a:xfrm>
               <a:prstGeom prst="rect">
                 <a:avLst/>
@@ -6623,7 +6430,7 @@
               <a:blipFill rotWithShape="0">
                 <a:blip r:embed="rId2"/>
                 <a:stretch>
-                  <a:fillRect r="-29412"/>
+                  <a:fillRect r="-58824" b="-3448"/>
                 </a:stretch>
               </a:blipFill>
             </p:spPr>
@@ -6642,8 +6449,8 @@
           </p:sp>
         </mc:Fallback>
       </mc:AlternateContent>
-      <mc:AlternateContent xmlns:mc="http://schemas.openxmlformats.org/markup-compatibility/2006" xmlns:a14="http://schemas.microsoft.com/office/drawing/2010/main">
-        <mc:Choice Requires="a14">
+      <mc:AlternateContent xmlns:mc="http://schemas.openxmlformats.org/markup-compatibility/2006">
+        <mc:Choice xmlns:a14="http://schemas.microsoft.com/office/drawing/2010/main" Requires="a14">
           <p:sp>
             <p:nvSpPr>
               <p:cNvPr id="27" name="TextBox 26"/>
@@ -6652,8 +6459,8 @@
             </p:nvSpPr>
             <p:spPr>
               <a:xfrm>
-                <a:off x="4942936" y="5520741"/>
-                <a:ext cx="205486" cy="276999"/>
+                <a:off x="1889093" y="5323661"/>
+                <a:ext cx="205486" cy="338554"/>
               </a:xfrm>
               <a:prstGeom prst="rect">
                 <a:avLst/>
@@ -6676,14 +6483,14 @@
                       <m:sSub>
                         <m:sSubPr>
                           <m:ctrlPr>
-                            <a:rPr lang="en-US" sz="1200" i="1" smtClean="0">
+                            <a:rPr lang="en-US" sz="1600" i="1" smtClean="0">
                               <a:latin typeface="Cambria Math" panose="02040503050406030204" pitchFamily="18" charset="0"/>
                             </a:rPr>
                           </m:ctrlPr>
                         </m:sSubPr>
                         <m:e>
                           <m:r>
-                            <a:rPr lang="en-US" sz="1200" b="0" i="1" smtClean="0">
+                            <a:rPr lang="en-US" sz="1600" b="0" i="1" smtClean="0">
                               <a:latin typeface="Cambria Math" panose="02040503050406030204" pitchFamily="18" charset="0"/>
                             </a:rPr>
                             <m:t>𝑒</m:t>
@@ -6691,7 +6498,7 @@
                         </m:e>
                         <m:sub>
                           <m:r>
-                            <a:rPr lang="en-US" sz="1200" b="0" i="1" smtClean="0">
+                            <a:rPr lang="en-US" sz="1600" b="0" i="1" smtClean="0">
                               <a:latin typeface="Cambria Math" panose="02040503050406030204" pitchFamily="18" charset="0"/>
                             </a:rPr>
                             <m:t>𝑥</m:t>
@@ -6701,17 +6508,17 @@
                     </m:oMath>
                   </m:oMathPara>
                 </a14:m>
-                <a:endParaRPr lang="en-US" sz="1200" dirty="0">
+                <a:endParaRPr lang="en-US" sz="1600" dirty="0">
                   <a:solidFill>
                     <a:schemeClr val="tx1"/>
                   </a:solidFill>
-                  <a:latin typeface="cmbx12" panose="020B0500000000000000" pitchFamily="34" charset="0"/>
+                  <a:latin typeface="cmb10" panose="020B0500000000000000" pitchFamily="34" charset="0"/>
                 </a:endParaRPr>
               </a:p>
             </p:txBody>
           </p:sp>
         </mc:Choice>
-        <mc:Fallback xmlns="">
+        <mc:Fallback>
           <p:sp>
             <p:nvSpPr>
               <p:cNvPr id="27" name="TextBox 26"/>
@@ -6722,8 +6529,8 @@
             </p:nvSpPr>
             <p:spPr>
               <a:xfrm>
-                <a:off x="4942936" y="5520741"/>
-                <a:ext cx="205486" cy="276999"/>
+                <a:off x="1889093" y="5323661"/>
+                <a:ext cx="205486" cy="338554"/>
               </a:xfrm>
               <a:prstGeom prst="rect">
                 <a:avLst/>
@@ -6731,7 +6538,7 @@
               <a:blipFill rotWithShape="0">
                 <a:blip r:embed="rId3"/>
                 <a:stretch>
-                  <a:fillRect r="-23529"/>
+                  <a:fillRect r="-47059"/>
                 </a:stretch>
               </a:blipFill>
             </p:spPr>
@@ -6760,8 +6567,8 @@
             </p:nvSpPr>
             <p:spPr>
               <a:xfrm>
-                <a:off x="4545099" y="5722705"/>
-                <a:ext cx="205486" cy="276999"/>
+                <a:off x="1351296" y="5544287"/>
+                <a:ext cx="205486" cy="338554"/>
               </a:xfrm>
               <a:prstGeom prst="rect">
                 <a:avLst/>
@@ -6784,14 +6591,14 @@
                       <m:sSub>
                         <m:sSubPr>
                           <m:ctrlPr>
-                            <a:rPr lang="en-US" sz="1200" i="1" smtClean="0">
+                            <a:rPr lang="en-US" sz="1600" i="1" smtClean="0">
                               <a:latin typeface="Cambria Math" panose="02040503050406030204" pitchFamily="18" charset="0"/>
                             </a:rPr>
                           </m:ctrlPr>
                         </m:sSubPr>
                         <m:e>
                           <m:r>
-                            <a:rPr lang="en-US" sz="1200" b="0" i="1" smtClean="0">
+                            <a:rPr lang="en-US" sz="1600" b="0" i="1" smtClean="0">
                               <a:latin typeface="Cambria Math" panose="02040503050406030204" pitchFamily="18" charset="0"/>
                             </a:rPr>
                             <m:t>𝑒</m:t>
@@ -6799,7 +6606,7 @@
                         </m:e>
                         <m:sub>
                           <m:r>
-                            <a:rPr lang="en-US" sz="1200" b="0" i="1" smtClean="0">
+                            <a:rPr lang="en-US" sz="1600" b="0" i="1" smtClean="0">
                               <a:latin typeface="Cambria Math" panose="02040503050406030204" pitchFamily="18" charset="0"/>
                             </a:rPr>
                             <m:t>𝑧</m:t>
@@ -6809,11 +6616,11 @@
                     </m:oMath>
                   </m:oMathPara>
                 </a14:m>
-                <a:endParaRPr lang="en-US" sz="1200" dirty="0">
+                <a:endParaRPr lang="en-US" sz="1600" dirty="0">
                   <a:solidFill>
                     <a:schemeClr val="tx1"/>
                   </a:solidFill>
-                  <a:latin typeface="cmbx12" panose="020B0500000000000000" pitchFamily="34" charset="0"/>
+                  <a:latin typeface="cmb10" panose="020B0500000000000000" pitchFamily="34" charset="0"/>
                 </a:endParaRPr>
               </a:p>
             </p:txBody>
@@ -6830,8 +6637,8 @@
             </p:nvSpPr>
             <p:spPr>
               <a:xfrm>
-                <a:off x="4545099" y="5722705"/>
-                <a:ext cx="205486" cy="276999"/>
+                <a:off x="1351296" y="5544287"/>
+                <a:ext cx="205486" cy="338554"/>
               </a:xfrm>
               <a:prstGeom prst="rect">
                 <a:avLst/>
@@ -6839,7 +6646,7 @@
               <a:blipFill rotWithShape="0">
                 <a:blip r:embed="rId4"/>
                 <a:stretch>
-                  <a:fillRect r="-24242"/>
+                  <a:fillRect r="-48485"/>
                 </a:stretch>
               </a:blipFill>
             </p:spPr>
@@ -6858,8 +6665,8 @@
           </p:sp>
         </mc:Fallback>
       </mc:AlternateContent>
-      <mc:AlternateContent xmlns:mc="http://schemas.openxmlformats.org/markup-compatibility/2006" xmlns:a14="http://schemas.microsoft.com/office/drawing/2010/main">
-        <mc:Choice Requires="a14">
+      <mc:AlternateContent xmlns:mc="http://schemas.openxmlformats.org/markup-compatibility/2006">
+        <mc:Choice xmlns:a14="http://schemas.microsoft.com/office/drawing/2010/main" Requires="a14">
           <p:sp>
             <p:nvSpPr>
               <p:cNvPr id="30" name="TextBox 29"/>
@@ -6868,8 +6675,8 @@
             </p:nvSpPr>
             <p:spPr>
               <a:xfrm>
-                <a:off x="1933181" y="5633137"/>
-                <a:ext cx="205486" cy="276999"/>
+                <a:off x="1672460" y="3442614"/>
+                <a:ext cx="205486" cy="338554"/>
               </a:xfrm>
               <a:prstGeom prst="rect">
                 <a:avLst/>
@@ -6890,7 +6697,7 @@
                     </m:oMathParaPr>
                     <m:oMath xmlns:m="http://schemas.openxmlformats.org/officeDocument/2006/math">
                       <m:r>
-                        <a:rPr lang="en-US" sz="1200" i="1" smtClean="0">
+                        <a:rPr lang="en-US" sz="1600" i="1" smtClean="0">
                           <a:latin typeface="Cambria Math" panose="02040503050406030204" pitchFamily="18" charset="0"/>
                         </a:rPr>
                         <m:t>𝐵</m:t>
@@ -6898,17 +6705,17 @@
                     </m:oMath>
                   </m:oMathPara>
                 </a14:m>
-                <a:endParaRPr lang="en-US" sz="1200" dirty="0">
+                <a:endParaRPr lang="en-US" sz="1600" dirty="0">
                   <a:solidFill>
                     <a:schemeClr val="tx1"/>
                   </a:solidFill>
-                  <a:latin typeface="cmbx12" panose="020B0500000000000000" pitchFamily="34" charset="0"/>
+                  <a:latin typeface="cmb10" panose="020B0500000000000000" pitchFamily="34" charset="0"/>
                 </a:endParaRPr>
               </a:p>
             </p:txBody>
           </p:sp>
         </mc:Choice>
-        <mc:Fallback xmlns="">
+        <mc:Fallback>
           <p:sp>
             <p:nvSpPr>
               <p:cNvPr id="30" name="TextBox 29"/>
@@ -6919,8 +6726,8 @@
             </p:nvSpPr>
             <p:spPr>
               <a:xfrm>
-                <a:off x="1933181" y="5633137"/>
-                <a:ext cx="205486" cy="276999"/>
+                <a:off x="1672460" y="3442614"/>
+                <a:ext cx="205486" cy="338554"/>
               </a:xfrm>
               <a:prstGeom prst="rect">
                 <a:avLst/>
@@ -6928,7 +6735,7 @@
               <a:blipFill rotWithShape="0">
                 <a:blip r:embed="rId5"/>
                 <a:stretch>
-                  <a:fillRect r="-17647"/>
+                  <a:fillRect r="-44118"/>
                 </a:stretch>
               </a:blipFill>
             </p:spPr>
@@ -6955,7 +6762,7 @@
         </p:nvGrpSpPr>
         <p:grpSpPr>
           <a:xfrm>
-            <a:off x="4740040" y="5704942"/>
+            <a:off x="1546237" y="5526524"/>
             <a:ext cx="137160" cy="137160"/>
             <a:chOff x="4740040" y="5704942"/>
             <a:chExt cx="137160" cy="137160"/>
@@ -7066,7 +6873,7 @@
         </p:nvGrpSpPr>
         <p:grpSpPr>
           <a:xfrm>
-            <a:off x="1852678" y="5703056"/>
+            <a:off x="1591957" y="3512533"/>
             <a:ext cx="137160" cy="137160"/>
             <a:chOff x="4740040" y="5704942"/>
             <a:chExt cx="137160" cy="137160"/>
@@ -7169,6 +6976,223 @@
           </p:txBody>
         </p:sp>
       </p:grpSp>
+      <p:sp>
+        <p:nvSpPr>
+          <p:cNvPr id="29" name="Oval 28"/>
+          <p:cNvSpPr/>
+          <p:nvPr/>
+        </p:nvSpPr>
+        <p:spPr>
+          <a:xfrm>
+            <a:off x="3042418" y="2840099"/>
+            <a:ext cx="457200" cy="457200"/>
+          </a:xfrm>
+          <a:prstGeom prst="ellipse">
+            <a:avLst/>
+          </a:prstGeom>
+          <a:pattFill prst="pct50">
+            <a:fgClr>
+              <a:schemeClr val="accent1">
+                <a:lumMod val="75000"/>
+              </a:schemeClr>
+            </a:fgClr>
+            <a:bgClr>
+              <a:schemeClr val="bg1"/>
+            </a:bgClr>
+          </a:pattFill>
+          <a:ln>
+            <a:noFill/>
+          </a:ln>
+          <a:scene3d>
+            <a:camera prst="orthographicFront">
+              <a:rot lat="0" lon="0" rev="0"/>
+            </a:camera>
+            <a:lightRig rig="threePt" dir="t"/>
+          </a:scene3d>
+          <a:sp3d prstMaterial="matte">
+            <a:bevelT w="254000" h="254000"/>
+            <a:bevelB w="254000" h="254000"/>
+          </a:sp3d>
+        </p:spPr>
+        <p:style>
+          <a:lnRef idx="2">
+            <a:schemeClr val="accent1">
+              <a:shade val="50000"/>
+            </a:schemeClr>
+          </a:lnRef>
+          <a:fillRef idx="1">
+            <a:schemeClr val="accent1"/>
+          </a:fillRef>
+          <a:effectRef idx="0">
+            <a:schemeClr val="accent1"/>
+          </a:effectRef>
+          <a:fontRef idx="minor">
+            <a:schemeClr val="lt1"/>
+          </a:fontRef>
+        </p:style>
+        <p:txBody>
+          <a:bodyPr rtlCol="0" anchor="ctr"/>
+          <a:lstStyle/>
+          <a:p>
+            <a:pPr algn="ctr"/>
+            <a:endParaRPr lang="en-US"/>
+          </a:p>
+        </p:txBody>
+      </p:sp>
+      <p:sp>
+        <p:nvSpPr>
+          <p:cNvPr id="31" name="TextBox 30"/>
+          <p:cNvSpPr txBox="1"/>
+          <p:nvPr/>
+        </p:nvSpPr>
+        <p:spPr>
+          <a:xfrm>
+            <a:off x="2415318" y="3476984"/>
+            <a:ext cx="1692926" cy="338554"/>
+          </a:xfrm>
+          <a:prstGeom prst="rect">
+            <a:avLst/>
+          </a:prstGeom>
+          <a:noFill/>
+        </p:spPr>
+        <p:txBody>
+          <a:bodyPr wrap="square" rtlCol="0">
+            <a:spAutoFit/>
+          </a:bodyPr>
+          <a:lstStyle/>
+          <a:p>
+            <a:r>
+              <a:rPr lang="en-US" sz="1600" dirty="0" smtClean="0">
+                <a:solidFill>
+                  <a:schemeClr val="tx1"/>
+                </a:solidFill>
+                <a:latin typeface="cmb10" panose="020B0500000000000000" pitchFamily="34" charset="0"/>
+              </a:rPr>
+              <a:t>Lattice pulsing</a:t>
+            </a:r>
+            <a:endParaRPr lang="en-US" sz="1600" dirty="0">
+              <a:solidFill>
+                <a:schemeClr val="tx1"/>
+              </a:solidFill>
+              <a:latin typeface="cmb10" panose="020B0500000000000000" pitchFamily="34" charset="0"/>
+            </a:endParaRPr>
+          </a:p>
+        </p:txBody>
+      </p:sp>
+      <p:sp>
+        <p:nvSpPr>
+          <p:cNvPr id="32" name="TextBox 31"/>
+          <p:cNvSpPr txBox="1"/>
+          <p:nvPr/>
+        </p:nvSpPr>
+        <p:spPr>
+          <a:xfrm>
+            <a:off x="2681030" y="5628964"/>
+            <a:ext cx="1161503" cy="338554"/>
+          </a:xfrm>
+          <a:prstGeom prst="rect">
+            <a:avLst/>
+          </a:prstGeom>
+          <a:noFill/>
+        </p:spPr>
+        <p:txBody>
+          <a:bodyPr wrap="square" rtlCol="0">
+            <a:spAutoFit/>
+          </a:bodyPr>
+          <a:lstStyle/>
+          <a:p>
+            <a:r>
+              <a:rPr lang="en-US" sz="1600" dirty="0" smtClean="0">
+                <a:solidFill>
+                  <a:schemeClr val="tx1"/>
+                </a:solidFill>
+                <a:latin typeface="cmb10" panose="020B0500000000000000" pitchFamily="34" charset="0"/>
+              </a:rPr>
+              <a:t>After TOF</a:t>
+            </a:r>
+            <a:endParaRPr lang="en-US" sz="1600" dirty="0">
+              <a:solidFill>
+                <a:schemeClr val="tx1"/>
+              </a:solidFill>
+              <a:latin typeface="cmb10" panose="020B0500000000000000" pitchFamily="34" charset="0"/>
+            </a:endParaRPr>
+          </a:p>
+        </p:txBody>
+      </p:sp>
+      <p:sp>
+        <p:nvSpPr>
+          <p:cNvPr id="33" name="Right Arrow 32"/>
+          <p:cNvSpPr/>
+          <p:nvPr/>
+        </p:nvSpPr>
+        <p:spPr>
+          <a:xfrm rot="10800000">
+            <a:off x="4168420" y="2789625"/>
+            <a:ext cx="1037424" cy="571155"/>
+          </a:xfrm>
+          <a:prstGeom prst="rightArrow">
+            <a:avLst/>
+          </a:prstGeom>
+        </p:spPr>
+        <p:style>
+          <a:lnRef idx="2">
+            <a:schemeClr val="accent1">
+              <a:shade val="50000"/>
+            </a:schemeClr>
+          </a:lnRef>
+          <a:fillRef idx="1">
+            <a:schemeClr val="accent1"/>
+          </a:fillRef>
+          <a:effectRef idx="0">
+            <a:schemeClr val="accent1"/>
+          </a:effectRef>
+          <a:fontRef idx="minor">
+            <a:schemeClr val="lt1"/>
+          </a:fontRef>
+        </p:style>
+        <p:txBody>
+          <a:bodyPr rtlCol="0" anchor="ctr"/>
+          <a:lstStyle/>
+          <a:p>
+            <a:pPr algn="ctr"/>
+            <a:endParaRPr lang="en-US"/>
+          </a:p>
+        </p:txBody>
+      </p:sp>
+      <p:sp>
+        <p:nvSpPr>
+          <p:cNvPr id="16" name="TextBox 15"/>
+          <p:cNvSpPr txBox="1"/>
+          <p:nvPr/>
+        </p:nvSpPr>
+        <p:spPr>
+          <a:xfrm>
+            <a:off x="4146217" y="2905926"/>
+            <a:ext cx="1137556" cy="338554"/>
+          </a:xfrm>
+          <a:prstGeom prst="rect">
+            <a:avLst/>
+          </a:prstGeom>
+          <a:noFill/>
+        </p:spPr>
+        <p:txBody>
+          <a:bodyPr wrap="square" rtlCol="0">
+            <a:spAutoFit/>
+          </a:bodyPr>
+          <a:lstStyle/>
+          <a:p>
+            <a:r>
+              <a:rPr lang="en-US" sz="1600" dirty="0" smtClean="0">
+                <a:latin typeface="cmb10" panose="020B0500000000000000" pitchFamily="34" charset="0"/>
+              </a:rPr>
+              <a:t>1D lattice</a:t>
+            </a:r>
+            <a:endParaRPr lang="en-US" sz="1600" dirty="0">
+              <a:latin typeface="cmb10" panose="020B0500000000000000" pitchFamily="34" charset="0"/>
+            </a:endParaRPr>
+          </a:p>
+        </p:txBody>
+      </p:sp>
     </p:spTree>
     <p:extLst>
       <p:ext uri="{BB962C8B-B14F-4D97-AF65-F5344CB8AC3E}">
